--- a/書類やスケジュール/サークル作品１.pptx
+++ b/書類やスケジュール/サークル作品１.pptx
@@ -4,18 +4,20 @@
   <p:sldMasterIdLst>
     <p:sldMasterId id="2147483648" r:id="rId1"/>
   </p:sldMasterIdLst>
+  <p:notesMasterIdLst>
+    <p:notesMasterId r:id="rId12"/>
+  </p:notesMasterIdLst>
   <p:sldIdLst>
-    <p:sldId id="256" r:id="rId2"/>
-    <p:sldId id="257" r:id="rId3"/>
-    <p:sldId id="267" r:id="rId4"/>
-    <p:sldId id="258" r:id="rId5"/>
-    <p:sldId id="259" r:id="rId6"/>
-    <p:sldId id="264" r:id="rId7"/>
-    <p:sldId id="260" r:id="rId8"/>
-    <p:sldId id="266" r:id="rId9"/>
-    <p:sldId id="261" r:id="rId10"/>
-    <p:sldId id="265" r:id="rId11"/>
-    <p:sldId id="262" r:id="rId12"/>
+    <p:sldId id="270" r:id="rId2"/>
+    <p:sldId id="267" r:id="rId3"/>
+    <p:sldId id="259" r:id="rId4"/>
+    <p:sldId id="268" r:id="rId5"/>
+    <p:sldId id="264" r:id="rId6"/>
+    <p:sldId id="260" r:id="rId7"/>
+    <p:sldId id="266" r:id="rId8"/>
+    <p:sldId id="261" r:id="rId9"/>
+    <p:sldId id="265" r:id="rId10"/>
+    <p:sldId id="262" r:id="rId11"/>
   </p:sldIdLst>
   <p:sldSz cx="12192000" cy="6858000"/>
   <p:notesSz cx="6858000" cy="9144000"/>
@@ -122,6 +124,472 @@
 </p:presentation>
 </file>
 
+<file path=ppt/notesMasters/notesMaster1.xml><?xml version="1.0" encoding="utf-8"?>
+<p:notesMaster xmlns:a="http://schemas.openxmlformats.org/drawingml/2006/main" xmlns:r="http://schemas.openxmlformats.org/officeDocument/2006/relationships" xmlns:p="http://schemas.openxmlformats.org/presentationml/2006/main">
+  <p:cSld>
+    <p:bg>
+      <p:bgRef idx="1001">
+        <a:schemeClr val="bg1"/>
+      </p:bgRef>
+    </p:bg>
+    <p:spTree>
+      <p:nvGrpSpPr>
+        <p:cNvPr id="1" name=""/>
+        <p:cNvGrpSpPr/>
+        <p:nvPr/>
+      </p:nvGrpSpPr>
+      <p:grpSpPr>
+        <a:xfrm>
+          <a:off x="0" y="0"/>
+          <a:ext cx="0" cy="0"/>
+          <a:chOff x="0" y="0"/>
+          <a:chExt cx="0" cy="0"/>
+        </a:xfrm>
+      </p:grpSpPr>
+      <p:sp>
+        <p:nvSpPr>
+          <p:cNvPr id="2" name="ヘッダー プレースホルダー 1"/>
+          <p:cNvSpPr>
+            <a:spLocks noGrp="1"/>
+          </p:cNvSpPr>
+          <p:nvPr>
+            <p:ph type="hdr" sz="quarter"/>
+          </p:nvPr>
+        </p:nvSpPr>
+        <p:spPr>
+          <a:xfrm>
+            <a:off x="0" y="0"/>
+            <a:ext cx="2971800" cy="458788"/>
+          </a:xfrm>
+          <a:prstGeom prst="rect">
+            <a:avLst/>
+          </a:prstGeom>
+        </p:spPr>
+        <p:txBody>
+          <a:bodyPr vert="horz" lIns="91440" tIns="45720" rIns="91440" bIns="45720" rtlCol="0"/>
+          <a:lstStyle>
+            <a:lvl1pPr algn="l">
+              <a:defRPr sz="1200"/>
+            </a:lvl1pPr>
+          </a:lstStyle>
+          <a:p>
+            <a:endParaRPr kumimoji="1" lang="ja-JP" altLang="en-US"/>
+          </a:p>
+        </p:txBody>
+      </p:sp>
+      <p:sp>
+        <p:nvSpPr>
+          <p:cNvPr id="3" name="日付プレースホルダー 2"/>
+          <p:cNvSpPr>
+            <a:spLocks noGrp="1"/>
+          </p:cNvSpPr>
+          <p:nvPr>
+            <p:ph type="dt" idx="1"/>
+          </p:nvPr>
+        </p:nvSpPr>
+        <p:spPr>
+          <a:xfrm>
+            <a:off x="3884613" y="0"/>
+            <a:ext cx="2971800" cy="458788"/>
+          </a:xfrm>
+          <a:prstGeom prst="rect">
+            <a:avLst/>
+          </a:prstGeom>
+        </p:spPr>
+        <p:txBody>
+          <a:bodyPr vert="horz" lIns="91440" tIns="45720" rIns="91440" bIns="45720" rtlCol="0"/>
+          <a:lstStyle>
+            <a:lvl1pPr algn="r">
+              <a:defRPr sz="1200"/>
+            </a:lvl1pPr>
+          </a:lstStyle>
+          <a:p>
+            <a:fld id="{572DFE3F-74BC-4174-8480-5A9C36C45A50}" type="datetimeFigureOut">
+              <a:rPr kumimoji="1" lang="ja-JP" altLang="en-US" smtClean="0"/>
+              <a:t>2019/7/5</a:t>
+            </a:fld>
+            <a:endParaRPr kumimoji="1" lang="ja-JP" altLang="en-US"/>
+          </a:p>
+        </p:txBody>
+      </p:sp>
+      <p:sp>
+        <p:nvSpPr>
+          <p:cNvPr id="4" name="スライド イメージ プレースホルダー 3"/>
+          <p:cNvSpPr>
+            <a:spLocks noGrp="1" noRot="1" noChangeAspect="1"/>
+          </p:cNvSpPr>
+          <p:nvPr>
+            <p:ph type="sldImg" idx="2"/>
+          </p:nvPr>
+        </p:nvSpPr>
+        <p:spPr>
+          <a:xfrm>
+            <a:off x="685800" y="1143000"/>
+            <a:ext cx="5486400" cy="3086100"/>
+          </a:xfrm>
+          <a:prstGeom prst="rect">
+            <a:avLst/>
+          </a:prstGeom>
+          <a:noFill/>
+          <a:ln w="12700">
+            <a:solidFill>
+              <a:prstClr val="black"/>
+            </a:solidFill>
+          </a:ln>
+        </p:spPr>
+        <p:txBody>
+          <a:bodyPr vert="horz" lIns="91440" tIns="45720" rIns="91440" bIns="45720" rtlCol="0" anchor="ctr"/>
+          <a:lstStyle/>
+          <a:p>
+            <a:endParaRPr lang="ja-JP" altLang="en-US"/>
+          </a:p>
+        </p:txBody>
+      </p:sp>
+      <p:sp>
+        <p:nvSpPr>
+          <p:cNvPr id="5" name="ノート プレースホルダー 4"/>
+          <p:cNvSpPr>
+            <a:spLocks noGrp="1"/>
+          </p:cNvSpPr>
+          <p:nvPr>
+            <p:ph type="body" sz="quarter" idx="3"/>
+          </p:nvPr>
+        </p:nvSpPr>
+        <p:spPr>
+          <a:xfrm>
+            <a:off x="685800" y="4400550"/>
+            <a:ext cx="5486400" cy="3600450"/>
+          </a:xfrm>
+          <a:prstGeom prst="rect">
+            <a:avLst/>
+          </a:prstGeom>
+        </p:spPr>
+        <p:txBody>
+          <a:bodyPr vert="horz" lIns="91440" tIns="45720" rIns="91440" bIns="45720" rtlCol="0"/>
+          <a:lstStyle/>
+          <a:p>
+            <a:pPr lvl="0"/>
+            <a:r>
+              <a:rPr kumimoji="1" lang="ja-JP" altLang="en-US" smtClean="0"/>
+              <a:t>マスター テキストの書式設定</a:t>
+            </a:r>
+          </a:p>
+          <a:p>
+            <a:pPr lvl="1"/>
+            <a:r>
+              <a:rPr kumimoji="1" lang="ja-JP" altLang="en-US" smtClean="0"/>
+              <a:t>第 </a:t>
+            </a:r>
+            <a:r>
+              <a:rPr kumimoji="1" lang="en-US" altLang="ja-JP" smtClean="0"/>
+              <a:t>2 </a:t>
+            </a:r>
+            <a:r>
+              <a:rPr kumimoji="1" lang="ja-JP" altLang="en-US" smtClean="0"/>
+              <a:t>レベル</a:t>
+            </a:r>
+          </a:p>
+          <a:p>
+            <a:pPr lvl="2"/>
+            <a:r>
+              <a:rPr kumimoji="1" lang="ja-JP" altLang="en-US" smtClean="0"/>
+              <a:t>第 </a:t>
+            </a:r>
+            <a:r>
+              <a:rPr kumimoji="1" lang="en-US" altLang="ja-JP" smtClean="0"/>
+              <a:t>3 </a:t>
+            </a:r>
+            <a:r>
+              <a:rPr kumimoji="1" lang="ja-JP" altLang="en-US" smtClean="0"/>
+              <a:t>レベル</a:t>
+            </a:r>
+          </a:p>
+          <a:p>
+            <a:pPr lvl="3"/>
+            <a:r>
+              <a:rPr kumimoji="1" lang="ja-JP" altLang="en-US" smtClean="0"/>
+              <a:t>第 </a:t>
+            </a:r>
+            <a:r>
+              <a:rPr kumimoji="1" lang="en-US" altLang="ja-JP" smtClean="0"/>
+              <a:t>4 </a:t>
+            </a:r>
+            <a:r>
+              <a:rPr kumimoji="1" lang="ja-JP" altLang="en-US" smtClean="0"/>
+              <a:t>レベル</a:t>
+            </a:r>
+          </a:p>
+          <a:p>
+            <a:pPr lvl="4"/>
+            <a:r>
+              <a:rPr kumimoji="1" lang="ja-JP" altLang="en-US" smtClean="0"/>
+              <a:t>第 </a:t>
+            </a:r>
+            <a:r>
+              <a:rPr kumimoji="1" lang="en-US" altLang="ja-JP" smtClean="0"/>
+              <a:t>5 </a:t>
+            </a:r>
+            <a:r>
+              <a:rPr kumimoji="1" lang="ja-JP" altLang="en-US" smtClean="0"/>
+              <a:t>レベル</a:t>
+            </a:r>
+            <a:endParaRPr kumimoji="1" lang="ja-JP" altLang="en-US"/>
+          </a:p>
+        </p:txBody>
+      </p:sp>
+      <p:sp>
+        <p:nvSpPr>
+          <p:cNvPr id="6" name="フッター プレースホルダー 5"/>
+          <p:cNvSpPr>
+            <a:spLocks noGrp="1"/>
+          </p:cNvSpPr>
+          <p:nvPr>
+            <p:ph type="ftr" sz="quarter" idx="4"/>
+          </p:nvPr>
+        </p:nvSpPr>
+        <p:spPr>
+          <a:xfrm>
+            <a:off x="0" y="8685213"/>
+            <a:ext cx="2971800" cy="458787"/>
+          </a:xfrm>
+          <a:prstGeom prst="rect">
+            <a:avLst/>
+          </a:prstGeom>
+        </p:spPr>
+        <p:txBody>
+          <a:bodyPr vert="horz" lIns="91440" tIns="45720" rIns="91440" bIns="45720" rtlCol="0" anchor="b"/>
+          <a:lstStyle>
+            <a:lvl1pPr algn="l">
+              <a:defRPr sz="1200"/>
+            </a:lvl1pPr>
+          </a:lstStyle>
+          <a:p>
+            <a:endParaRPr kumimoji="1" lang="ja-JP" altLang="en-US"/>
+          </a:p>
+        </p:txBody>
+      </p:sp>
+      <p:sp>
+        <p:nvSpPr>
+          <p:cNvPr id="7" name="スライド番号プレースホルダー 6"/>
+          <p:cNvSpPr>
+            <a:spLocks noGrp="1"/>
+          </p:cNvSpPr>
+          <p:nvPr>
+            <p:ph type="sldNum" sz="quarter" idx="5"/>
+          </p:nvPr>
+        </p:nvSpPr>
+        <p:spPr>
+          <a:xfrm>
+            <a:off x="3884613" y="8685213"/>
+            <a:ext cx="2971800" cy="458787"/>
+          </a:xfrm>
+          <a:prstGeom prst="rect">
+            <a:avLst/>
+          </a:prstGeom>
+        </p:spPr>
+        <p:txBody>
+          <a:bodyPr vert="horz" lIns="91440" tIns="45720" rIns="91440" bIns="45720" rtlCol="0" anchor="b"/>
+          <a:lstStyle>
+            <a:lvl1pPr algn="r">
+              <a:defRPr sz="1200"/>
+            </a:lvl1pPr>
+          </a:lstStyle>
+          <a:p>
+            <a:fld id="{6431E3D5-17FD-4FD1-B169-E4121E9C4A7E}" type="slidenum">
+              <a:rPr kumimoji="1" lang="ja-JP" altLang="en-US" smtClean="0"/>
+              <a:t>‹#›</a:t>
+            </a:fld>
+            <a:endParaRPr kumimoji="1" lang="ja-JP" altLang="en-US"/>
+          </a:p>
+        </p:txBody>
+      </p:sp>
+    </p:spTree>
+    <p:extLst>
+      <p:ext uri="{BB962C8B-B14F-4D97-AF65-F5344CB8AC3E}">
+        <p14:creationId xmlns:p14="http://schemas.microsoft.com/office/powerpoint/2010/main" val="426921276"/>
+      </p:ext>
+    </p:extLst>
+  </p:cSld>
+  <p:clrMap bg1="lt1" tx1="dk1" bg2="lt2" tx2="dk2" accent1="accent1" accent2="accent2" accent3="accent3" accent4="accent4" accent5="accent5" accent6="accent6" hlink="hlink" folHlink="folHlink"/>
+  <p:notesStyle>
+    <a:lvl1pPr marL="0" algn="l" defTabSz="914400" rtl="0" eaLnBrk="1" latinLnBrk="0" hangingPunct="1">
+      <a:defRPr kumimoji="1" sz="1200" kern="1200">
+        <a:solidFill>
+          <a:schemeClr val="tx1"/>
+        </a:solidFill>
+        <a:latin typeface="+mn-lt"/>
+        <a:ea typeface="+mn-ea"/>
+        <a:cs typeface="+mn-cs"/>
+      </a:defRPr>
+    </a:lvl1pPr>
+    <a:lvl2pPr marL="457200" algn="l" defTabSz="914400" rtl="0" eaLnBrk="1" latinLnBrk="0" hangingPunct="1">
+      <a:defRPr kumimoji="1" sz="1200" kern="1200">
+        <a:solidFill>
+          <a:schemeClr val="tx1"/>
+        </a:solidFill>
+        <a:latin typeface="+mn-lt"/>
+        <a:ea typeface="+mn-ea"/>
+        <a:cs typeface="+mn-cs"/>
+      </a:defRPr>
+    </a:lvl2pPr>
+    <a:lvl3pPr marL="914400" algn="l" defTabSz="914400" rtl="0" eaLnBrk="1" latinLnBrk="0" hangingPunct="1">
+      <a:defRPr kumimoji="1" sz="1200" kern="1200">
+        <a:solidFill>
+          <a:schemeClr val="tx1"/>
+        </a:solidFill>
+        <a:latin typeface="+mn-lt"/>
+        <a:ea typeface="+mn-ea"/>
+        <a:cs typeface="+mn-cs"/>
+      </a:defRPr>
+    </a:lvl3pPr>
+    <a:lvl4pPr marL="1371600" algn="l" defTabSz="914400" rtl="0" eaLnBrk="1" latinLnBrk="0" hangingPunct="1">
+      <a:defRPr kumimoji="1" sz="1200" kern="1200">
+        <a:solidFill>
+          <a:schemeClr val="tx1"/>
+        </a:solidFill>
+        <a:latin typeface="+mn-lt"/>
+        <a:ea typeface="+mn-ea"/>
+        <a:cs typeface="+mn-cs"/>
+      </a:defRPr>
+    </a:lvl4pPr>
+    <a:lvl5pPr marL="1828800" algn="l" defTabSz="914400" rtl="0" eaLnBrk="1" latinLnBrk="0" hangingPunct="1">
+      <a:defRPr kumimoji="1" sz="1200" kern="1200">
+        <a:solidFill>
+          <a:schemeClr val="tx1"/>
+        </a:solidFill>
+        <a:latin typeface="+mn-lt"/>
+        <a:ea typeface="+mn-ea"/>
+        <a:cs typeface="+mn-cs"/>
+      </a:defRPr>
+    </a:lvl5pPr>
+    <a:lvl6pPr marL="2286000" algn="l" defTabSz="914400" rtl="0" eaLnBrk="1" latinLnBrk="0" hangingPunct="1">
+      <a:defRPr kumimoji="1" sz="1200" kern="1200">
+        <a:solidFill>
+          <a:schemeClr val="tx1"/>
+        </a:solidFill>
+        <a:latin typeface="+mn-lt"/>
+        <a:ea typeface="+mn-ea"/>
+        <a:cs typeface="+mn-cs"/>
+      </a:defRPr>
+    </a:lvl6pPr>
+    <a:lvl7pPr marL="2743200" algn="l" defTabSz="914400" rtl="0" eaLnBrk="1" latinLnBrk="0" hangingPunct="1">
+      <a:defRPr kumimoji="1" sz="1200" kern="1200">
+        <a:solidFill>
+          <a:schemeClr val="tx1"/>
+        </a:solidFill>
+        <a:latin typeface="+mn-lt"/>
+        <a:ea typeface="+mn-ea"/>
+        <a:cs typeface="+mn-cs"/>
+      </a:defRPr>
+    </a:lvl7pPr>
+    <a:lvl8pPr marL="3200400" algn="l" defTabSz="914400" rtl="0" eaLnBrk="1" latinLnBrk="0" hangingPunct="1">
+      <a:defRPr kumimoji="1" sz="1200" kern="1200">
+        <a:solidFill>
+          <a:schemeClr val="tx1"/>
+        </a:solidFill>
+        <a:latin typeface="+mn-lt"/>
+        <a:ea typeface="+mn-ea"/>
+        <a:cs typeface="+mn-cs"/>
+      </a:defRPr>
+    </a:lvl8pPr>
+    <a:lvl9pPr marL="3657600" algn="l" defTabSz="914400" rtl="0" eaLnBrk="1" latinLnBrk="0" hangingPunct="1">
+      <a:defRPr kumimoji="1" sz="1200" kern="1200">
+        <a:solidFill>
+          <a:schemeClr val="tx1"/>
+        </a:solidFill>
+        <a:latin typeface="+mn-lt"/>
+        <a:ea typeface="+mn-ea"/>
+        <a:cs typeface="+mn-cs"/>
+      </a:defRPr>
+    </a:lvl9pPr>
+  </p:notesStyle>
+</p:notesMaster>
+</file>
+
+<file path=ppt/notesSlides/notesSlide1.xml><?xml version="1.0" encoding="utf-8"?>
+<p:notes xmlns:a="http://schemas.openxmlformats.org/drawingml/2006/main" xmlns:r="http://schemas.openxmlformats.org/officeDocument/2006/relationships" xmlns:p="http://schemas.openxmlformats.org/presentationml/2006/main">
+  <p:cSld>
+    <p:spTree>
+      <p:nvGrpSpPr>
+        <p:cNvPr id="1" name=""/>
+        <p:cNvGrpSpPr/>
+        <p:nvPr/>
+      </p:nvGrpSpPr>
+      <p:grpSpPr>
+        <a:xfrm>
+          <a:off x="0" y="0"/>
+          <a:ext cx="0" cy="0"/>
+          <a:chOff x="0" y="0"/>
+          <a:chExt cx="0" cy="0"/>
+        </a:xfrm>
+      </p:grpSpPr>
+      <p:sp>
+        <p:nvSpPr>
+          <p:cNvPr id="2" name="スライド イメージ プレースホルダー 1"/>
+          <p:cNvSpPr>
+            <a:spLocks noGrp="1" noRot="1" noChangeAspect="1"/>
+          </p:cNvSpPr>
+          <p:nvPr>
+            <p:ph type="sldImg"/>
+          </p:nvPr>
+        </p:nvSpPr>
+        <p:spPr/>
+      </p:sp>
+      <p:sp>
+        <p:nvSpPr>
+          <p:cNvPr id="3" name="ノート プレースホルダー 2"/>
+          <p:cNvSpPr>
+            <a:spLocks noGrp="1"/>
+          </p:cNvSpPr>
+          <p:nvPr>
+            <p:ph type="body" idx="1"/>
+          </p:nvPr>
+        </p:nvSpPr>
+        <p:spPr/>
+        <p:txBody>
+          <a:bodyPr/>
+          <a:lstStyle/>
+          <a:p>
+            <a:endParaRPr kumimoji="1" lang="ja-JP" altLang="en-US" dirty="0"/>
+          </a:p>
+        </p:txBody>
+      </p:sp>
+      <p:sp>
+        <p:nvSpPr>
+          <p:cNvPr id="4" name="スライド番号プレースホルダー 3"/>
+          <p:cNvSpPr>
+            <a:spLocks noGrp="1"/>
+          </p:cNvSpPr>
+          <p:nvPr>
+            <p:ph type="sldNum" sz="quarter" idx="10"/>
+          </p:nvPr>
+        </p:nvSpPr>
+        <p:spPr/>
+        <p:txBody>
+          <a:bodyPr/>
+          <a:lstStyle/>
+          <a:p>
+            <a:fld id="{6431E3D5-17FD-4FD1-B169-E4121E9C4A7E}" type="slidenum">
+              <a:rPr kumimoji="1" lang="ja-JP" altLang="en-US" smtClean="0"/>
+              <a:t>4</a:t>
+            </a:fld>
+            <a:endParaRPr kumimoji="1" lang="ja-JP" altLang="en-US"/>
+          </a:p>
+        </p:txBody>
+      </p:sp>
+    </p:spTree>
+    <p:extLst>
+      <p:ext uri="{BB962C8B-B14F-4D97-AF65-F5344CB8AC3E}">
+        <p14:creationId xmlns:p14="http://schemas.microsoft.com/office/powerpoint/2010/main" val="1465540675"/>
+      </p:ext>
+    </p:extLst>
+  </p:cSld>
+  <p:clrMapOvr>
+    <a:masterClrMapping/>
+  </p:clrMapOvr>
+</p:notes>
+</file>
+
 <file path=ppt/slideLayouts/slideLayout1.xml><?xml version="1.0" encoding="utf-8"?>
 <p:sldLayout xmlns:a="http://schemas.openxmlformats.org/drawingml/2006/main" xmlns:r="http://schemas.openxmlformats.org/officeDocument/2006/relationships" xmlns:p="http://schemas.openxmlformats.org/presentationml/2006/main" type="title" preserve="1">
   <p:cSld name="タイトル スライド">
@@ -253,7 +721,7 @@
           <a:p>
             <a:fld id="{CB0FE2E7-AE4E-465B-8055-FC11817BC67E}" type="datetimeFigureOut">
               <a:rPr kumimoji="1" lang="ja-JP" altLang="en-US" smtClean="0"/>
-              <a:t>2019/6/28</a:t>
+              <a:t>2019/7/5</a:t>
             </a:fld>
             <a:endParaRPr kumimoji="1" lang="ja-JP" altLang="en-US"/>
           </a:p>
@@ -455,7 +923,7 @@
           <a:p>
             <a:fld id="{CB0FE2E7-AE4E-465B-8055-FC11817BC67E}" type="datetimeFigureOut">
               <a:rPr kumimoji="1" lang="ja-JP" altLang="en-US" smtClean="0"/>
-              <a:t>2019/6/28</a:t>
+              <a:t>2019/7/5</a:t>
             </a:fld>
             <a:endParaRPr kumimoji="1" lang="ja-JP" altLang="en-US"/>
           </a:p>
@@ -667,7 +1135,7 @@
           <a:p>
             <a:fld id="{CB0FE2E7-AE4E-465B-8055-FC11817BC67E}" type="datetimeFigureOut">
               <a:rPr kumimoji="1" lang="ja-JP" altLang="en-US" smtClean="0"/>
-              <a:t>2019/6/28</a:t>
+              <a:t>2019/7/5</a:t>
             </a:fld>
             <a:endParaRPr kumimoji="1" lang="ja-JP" altLang="en-US"/>
           </a:p>
@@ -869,7 +1337,7 @@
           <a:p>
             <a:fld id="{CB0FE2E7-AE4E-465B-8055-FC11817BC67E}" type="datetimeFigureOut">
               <a:rPr kumimoji="1" lang="ja-JP" altLang="en-US" smtClean="0"/>
-              <a:t>2019/6/28</a:t>
+              <a:t>2019/7/5</a:t>
             </a:fld>
             <a:endParaRPr kumimoji="1" lang="ja-JP" altLang="en-US"/>
           </a:p>
@@ -1115,7 +1583,7 @@
           <a:p>
             <a:fld id="{CB0FE2E7-AE4E-465B-8055-FC11817BC67E}" type="datetimeFigureOut">
               <a:rPr kumimoji="1" lang="ja-JP" altLang="en-US" smtClean="0"/>
-              <a:t>2019/6/28</a:t>
+              <a:t>2019/7/5</a:t>
             </a:fld>
             <a:endParaRPr kumimoji="1" lang="ja-JP" altLang="en-US"/>
           </a:p>
@@ -1411,7 +1879,7 @@
           <a:p>
             <a:fld id="{CB0FE2E7-AE4E-465B-8055-FC11817BC67E}" type="datetimeFigureOut">
               <a:rPr kumimoji="1" lang="ja-JP" altLang="en-US" smtClean="0"/>
-              <a:t>2019/6/28</a:t>
+              <a:t>2019/7/5</a:t>
             </a:fld>
             <a:endParaRPr kumimoji="1" lang="ja-JP" altLang="en-US"/>
           </a:p>
@@ -1842,7 +2310,7 @@
           <a:p>
             <a:fld id="{CB0FE2E7-AE4E-465B-8055-FC11817BC67E}" type="datetimeFigureOut">
               <a:rPr kumimoji="1" lang="ja-JP" altLang="en-US" smtClean="0"/>
-              <a:t>2019/6/28</a:t>
+              <a:t>2019/7/5</a:t>
             </a:fld>
             <a:endParaRPr kumimoji="1" lang="ja-JP" altLang="en-US"/>
           </a:p>
@@ -1960,7 +2428,7 @@
           <a:p>
             <a:fld id="{CB0FE2E7-AE4E-465B-8055-FC11817BC67E}" type="datetimeFigureOut">
               <a:rPr kumimoji="1" lang="ja-JP" altLang="en-US" smtClean="0"/>
-              <a:t>2019/6/28</a:t>
+              <a:t>2019/7/5</a:t>
             </a:fld>
             <a:endParaRPr kumimoji="1" lang="ja-JP" altLang="en-US"/>
           </a:p>
@@ -2055,7 +2523,7 @@
           <a:p>
             <a:fld id="{CB0FE2E7-AE4E-465B-8055-FC11817BC67E}" type="datetimeFigureOut">
               <a:rPr kumimoji="1" lang="ja-JP" altLang="en-US" smtClean="0"/>
-              <a:t>2019/6/28</a:t>
+              <a:t>2019/7/5</a:t>
             </a:fld>
             <a:endParaRPr kumimoji="1" lang="ja-JP" altLang="en-US"/>
           </a:p>
@@ -2364,7 +2832,7 @@
           <a:p>
             <a:fld id="{CB0FE2E7-AE4E-465B-8055-FC11817BC67E}" type="datetimeFigureOut">
               <a:rPr kumimoji="1" lang="ja-JP" altLang="en-US" smtClean="0"/>
-              <a:t>2019/6/28</a:t>
+              <a:t>2019/7/5</a:t>
             </a:fld>
             <a:endParaRPr kumimoji="1" lang="ja-JP" altLang="en-US"/>
           </a:p>
@@ -2617,7 +3085,7 @@
           <a:p>
             <a:fld id="{CB0FE2E7-AE4E-465B-8055-FC11817BC67E}" type="datetimeFigureOut">
               <a:rPr kumimoji="1" lang="ja-JP" altLang="en-US" smtClean="0"/>
-              <a:t>2019/6/28</a:t>
+              <a:t>2019/7/5</a:t>
             </a:fld>
             <a:endParaRPr kumimoji="1" lang="ja-JP" altLang="en-US"/>
           </a:p>
@@ -2862,7 +3330,7 @@
           <a:p>
             <a:fld id="{CB0FE2E7-AE4E-465B-8055-FC11817BC67E}" type="datetimeFigureOut">
               <a:rPr kumimoji="1" lang="ja-JP" altLang="en-US" smtClean="0"/>
-              <a:t>2019/6/28</a:t>
+              <a:t>2019/7/5</a:t>
             </a:fld>
             <a:endParaRPr kumimoji="1" lang="ja-JP" altLang="en-US"/>
           </a:p>
@@ -3267,29 +3735,187 @@
           <a:chExt cx="0" cy="0"/>
         </a:xfrm>
       </p:grpSpPr>
-      <p:sp>
-        <p:nvSpPr>
-          <p:cNvPr id="2" name="タイトル 1"/>
-          <p:cNvSpPr>
-            <a:spLocks noGrp="1"/>
-          </p:cNvSpPr>
-          <p:nvPr>
-            <p:ph type="ctrTitle"/>
-          </p:nvPr>
-        </p:nvSpPr>
-        <p:spPr/>
-        <p:txBody>
-          <a:bodyPr/>
-          <a:lstStyle/>
-          <a:p>
-            <a:r>
-              <a:rPr kumimoji="1" lang="ja-JP" altLang="en-US" dirty="0" smtClean="0">
-                <a:latin typeface="メイリオ" panose="020B0604030504040204" pitchFamily="50" charset="-128"/>
-                <a:ea typeface="メイリオ" panose="020B0604030504040204" pitchFamily="50" charset="-128"/>
-              </a:rPr>
-              <a:t>ゲーム企画案１</a:t>
-            </a:r>
-            <a:endParaRPr kumimoji="1" lang="ja-JP" altLang="en-US" dirty="0">
+      <p:pic>
+        <p:nvPicPr>
+          <p:cNvPr id="2" name="図 1"/>
+          <p:cNvPicPr>
+            <a:picLocks noChangeAspect="1"/>
+          </p:cNvPicPr>
+          <p:nvPr/>
+        </p:nvPicPr>
+        <p:blipFill>
+          <a:blip r:embed="rId2">
+            <a:extLst>
+              <a:ext uri="{28A0092B-C50C-407E-A947-70E740481C1C}">
+                <a14:useLocalDpi xmlns:a14="http://schemas.microsoft.com/office/drawing/2010/main" val="0"/>
+              </a:ext>
+            </a:extLst>
+          </a:blip>
+          <a:stretch>
+            <a:fillRect/>
+          </a:stretch>
+        </p:blipFill>
+        <p:spPr>
+          <a:xfrm>
+            <a:off x="0" y="0"/>
+            <a:ext cx="12192000" cy="6865838"/>
+          </a:xfrm>
+          <a:prstGeom prst="rect">
+            <a:avLst/>
+          </a:prstGeom>
+          <a:effectLst>
+            <a:softEdge rad="165100"/>
+          </a:effectLst>
+        </p:spPr>
+      </p:pic>
+      <p:pic>
+        <p:nvPicPr>
+          <p:cNvPr id="3" name="図 2"/>
+          <p:cNvPicPr>
+            <a:picLocks noChangeAspect="1"/>
+          </p:cNvPicPr>
+          <p:nvPr/>
+        </p:nvPicPr>
+        <p:blipFill rotWithShape="1">
+          <a:blip r:embed="rId3">
+            <a:extLst>
+              <a:ext uri="{28A0092B-C50C-407E-A947-70E740481C1C}">
+                <a14:useLocalDpi xmlns:a14="http://schemas.microsoft.com/office/drawing/2010/main" val="0"/>
+              </a:ext>
+            </a:extLst>
+          </a:blip>
+          <a:srcRect l="14897" t="1" r="8884" b="22569"/>
+          <a:stretch/>
+        </p:blipFill>
+        <p:spPr>
+          <a:xfrm>
+            <a:off x="6219930" y="-401917"/>
+            <a:ext cx="6424245" cy="5637107"/>
+          </a:xfrm>
+          <a:prstGeom prst="rect">
+            <a:avLst/>
+          </a:prstGeom>
+          <a:effectLst>
+            <a:softEdge rad="571500"/>
+          </a:effectLst>
+        </p:spPr>
+      </p:pic>
+      <p:sp>
+        <p:nvSpPr>
+          <p:cNvPr id="4" name="テキスト ボックス 3"/>
+          <p:cNvSpPr txBox="1"/>
+          <p:nvPr/>
+        </p:nvSpPr>
+        <p:spPr>
+          <a:xfrm>
+            <a:off x="1889770" y="1216307"/>
+            <a:ext cx="3877985" cy="1200329"/>
+          </a:xfrm>
+          <a:prstGeom prst="rect">
+            <a:avLst/>
+          </a:prstGeom>
+          <a:noFill/>
+        </p:spPr>
+        <p:txBody>
+          <a:bodyPr wrap="none" rtlCol="0">
+            <a:spAutoFit/>
+          </a:bodyPr>
+          <a:lstStyle/>
+          <a:p>
+            <a:r>
+              <a:rPr kumimoji="1" lang="ja-JP" altLang="en-US" sz="7200" dirty="0" smtClean="0">
+                <a:latin typeface="07鉄瓶ゴシック" panose="02000900000000000000" pitchFamily="50" charset="-128"/>
+                <a:ea typeface="07鉄瓶ゴシック" panose="02000900000000000000" pitchFamily="50" charset="-128"/>
+              </a:rPr>
+              <a:t>タイトル</a:t>
+            </a:r>
+            <a:endParaRPr kumimoji="1" lang="ja-JP" altLang="en-US" sz="7200" dirty="0">
+              <a:latin typeface="07鉄瓶ゴシック" panose="02000900000000000000" pitchFamily="50" charset="-128"/>
+              <a:ea typeface="07鉄瓶ゴシック" panose="02000900000000000000" pitchFamily="50" charset="-128"/>
+            </a:endParaRPr>
+          </a:p>
+        </p:txBody>
+      </p:sp>
+      <p:sp>
+        <p:nvSpPr>
+          <p:cNvPr id="5" name="テキスト ボックス 4"/>
+          <p:cNvSpPr txBox="1"/>
+          <p:nvPr/>
+        </p:nvSpPr>
+        <p:spPr>
+          <a:xfrm>
+            <a:off x="1889770" y="2818553"/>
+            <a:ext cx="5032147" cy="923330"/>
+          </a:xfrm>
+          <a:prstGeom prst="rect">
+            <a:avLst/>
+          </a:prstGeom>
+          <a:noFill/>
+        </p:spPr>
+        <p:txBody>
+          <a:bodyPr wrap="none" rtlCol="0">
+            <a:spAutoFit/>
+          </a:bodyPr>
+          <a:lstStyle/>
+          <a:p>
+            <a:r>
+              <a:rPr kumimoji="1" lang="ja-JP" altLang="en-US" sz="5400" dirty="0" smtClean="0">
+                <a:latin typeface="07鉄瓶ゴシック" panose="02000900000000000000" pitchFamily="50" charset="-128"/>
+                <a:ea typeface="07鉄瓶ゴシック" panose="02000900000000000000" pitchFamily="50" charset="-128"/>
+              </a:rPr>
+              <a:t>キャッチコピー</a:t>
+            </a:r>
+            <a:endParaRPr kumimoji="1" lang="ja-JP" altLang="en-US" sz="5400" dirty="0">
+              <a:latin typeface="07鉄瓶ゴシック" panose="02000900000000000000" pitchFamily="50" charset="-128"/>
+              <a:ea typeface="07鉄瓶ゴシック" panose="02000900000000000000" pitchFamily="50" charset="-128"/>
+            </a:endParaRPr>
+          </a:p>
+        </p:txBody>
+      </p:sp>
+      <p:sp>
+        <p:nvSpPr>
+          <p:cNvPr id="6" name="テキスト ボックス 5"/>
+          <p:cNvSpPr txBox="1"/>
+          <p:nvPr/>
+        </p:nvSpPr>
+        <p:spPr>
+          <a:xfrm>
+            <a:off x="263611" y="4842195"/>
+            <a:ext cx="4038285" cy="523220"/>
+          </a:xfrm>
+          <a:prstGeom prst="rect">
+            <a:avLst/>
+          </a:prstGeom>
+          <a:noFill/>
+        </p:spPr>
+        <p:txBody>
+          <a:bodyPr wrap="none" rtlCol="0">
+            <a:spAutoFit/>
+          </a:bodyPr>
+          <a:lstStyle/>
+          <a:p>
+            <a:r>
+              <a:rPr kumimoji="1" lang="ja-JP" altLang="en-US" sz="2800" b="1" dirty="0" smtClean="0">
+                <a:latin typeface="メイリオ" panose="020B0604030504040204" pitchFamily="50" charset="-128"/>
+                <a:ea typeface="メイリオ" panose="020B0604030504040204" pitchFamily="50" charset="-128"/>
+              </a:rPr>
+              <a:t>ゲームサークル</a:t>
+            </a:r>
+            <a:r>
+              <a:rPr lang="ja-JP" altLang="en-US" sz="2800" b="1" dirty="0" smtClean="0">
+                <a:latin typeface="メイリオ" panose="020B0604030504040204" pitchFamily="50" charset="-128"/>
+                <a:ea typeface="メイリオ" panose="020B0604030504040204" pitchFamily="50" charset="-128"/>
+              </a:rPr>
+              <a:t>チーム</a:t>
+            </a:r>
+            <a:r>
+              <a:rPr lang="en-US" altLang="ja-JP" sz="2800" b="1" dirty="0" smtClean="0">
+                <a:latin typeface="メイリオ" panose="020B0604030504040204" pitchFamily="50" charset="-128"/>
+                <a:ea typeface="メイリオ" panose="020B0604030504040204" pitchFamily="50" charset="-128"/>
+              </a:rPr>
+              <a:t>B</a:t>
+            </a:r>
+            <a:endParaRPr kumimoji="1" lang="ja-JP" altLang="en-US" sz="2800" b="1" dirty="0">
               <a:latin typeface="メイリオ" panose="020B0604030504040204" pitchFamily="50" charset="-128"/>
               <a:ea typeface="メイリオ" panose="020B0604030504040204" pitchFamily="50" charset="-128"/>
             </a:endParaRPr>
@@ -3298,117 +3924,87 @@
       </p:sp>
       <p:sp>
         <p:nvSpPr>
-          <p:cNvPr id="3" name="サブタイトル 2"/>
-          <p:cNvSpPr>
-            <a:spLocks noGrp="1"/>
-          </p:cNvSpPr>
-          <p:nvPr>
-            <p:ph type="subTitle" idx="1"/>
-          </p:nvPr>
-        </p:nvSpPr>
-        <p:spPr/>
-        <p:txBody>
-          <a:bodyPr/>
-          <a:lstStyle/>
-          <a:p>
-            <a:r>
-              <a:rPr kumimoji="1" lang="ja-JP" altLang="en-US" dirty="0" smtClean="0">
-                <a:latin typeface="メイリオ" panose="020B0604030504040204" pitchFamily="50" charset="-128"/>
-                <a:ea typeface="メイリオ" panose="020B0604030504040204" pitchFamily="50" charset="-128"/>
-              </a:rPr>
-              <a:t>益子浩</a:t>
-            </a:r>
-            <a:endParaRPr kumimoji="1" lang="ja-JP" altLang="en-US" dirty="0">
+          <p:cNvPr id="7" name="テキスト ボックス 6"/>
+          <p:cNvSpPr txBox="1"/>
+          <p:nvPr/>
+        </p:nvSpPr>
+        <p:spPr>
+          <a:xfrm>
+            <a:off x="263611" y="5464594"/>
+            <a:ext cx="5570756" cy="523220"/>
+          </a:xfrm>
+          <a:prstGeom prst="rect">
+            <a:avLst/>
+          </a:prstGeom>
+          <a:noFill/>
+        </p:spPr>
+        <p:txBody>
+          <a:bodyPr wrap="none" rtlCol="0">
+            <a:spAutoFit/>
+          </a:bodyPr>
+          <a:lstStyle/>
+          <a:p>
+            <a:r>
+              <a:rPr lang="ja-JP" altLang="en-US" sz="2800" b="1" dirty="0" smtClean="0">
+                <a:latin typeface="メイリオ" panose="020B0604030504040204" pitchFamily="50" charset="-128"/>
+                <a:ea typeface="メイリオ" panose="020B0604030504040204" pitchFamily="50" charset="-128"/>
+              </a:rPr>
+              <a:t>ジャンル：防衛シミュレーション</a:t>
+            </a:r>
+            <a:endParaRPr kumimoji="1" lang="ja-JP" altLang="en-US" sz="2800" b="1" dirty="0">
               <a:latin typeface="メイリオ" panose="020B0604030504040204" pitchFamily="50" charset="-128"/>
               <a:ea typeface="メイリオ" panose="020B0604030504040204" pitchFamily="50" charset="-128"/>
             </a:endParaRPr>
           </a:p>
         </p:txBody>
       </p:sp>
+      <p:sp>
+        <p:nvSpPr>
+          <p:cNvPr id="8" name="テキスト ボックス 7"/>
+          <p:cNvSpPr txBox="1"/>
+          <p:nvPr/>
+        </p:nvSpPr>
+        <p:spPr>
+          <a:xfrm>
+            <a:off x="355944" y="6072937"/>
+            <a:ext cx="5628464" cy="523220"/>
+          </a:xfrm>
+          <a:prstGeom prst="rect">
+            <a:avLst/>
+          </a:prstGeom>
+          <a:noFill/>
+        </p:spPr>
+        <p:txBody>
+          <a:bodyPr wrap="none" rtlCol="0">
+            <a:spAutoFit/>
+          </a:bodyPr>
+          <a:lstStyle/>
+          <a:p>
+            <a:r>
+              <a:rPr lang="ja-JP" altLang="en-US" sz="2800" b="1" dirty="0" smtClean="0">
+                <a:latin typeface="メイリオ" panose="020B0604030504040204" pitchFamily="50" charset="-128"/>
+                <a:ea typeface="メイリオ" panose="020B0604030504040204" pitchFamily="50" charset="-128"/>
+              </a:rPr>
+              <a:t>プラットフォーム：</a:t>
+            </a:r>
+            <a:r>
+              <a:rPr lang="en-US" altLang="ja-JP" sz="2800" b="1" dirty="0" err="1" smtClean="0">
+                <a:latin typeface="メイリオ" panose="020B0604030504040204" pitchFamily="50" charset="-128"/>
+                <a:ea typeface="メイリオ" panose="020B0604030504040204" pitchFamily="50" charset="-128"/>
+              </a:rPr>
+              <a:t>WindowsPC</a:t>
+            </a:r>
+            <a:endParaRPr kumimoji="1" lang="ja-JP" altLang="en-US" sz="2800" b="1" dirty="0">
+              <a:latin typeface="メイリオ" panose="020B0604030504040204" pitchFamily="50" charset="-128"/>
+              <a:ea typeface="メイリオ" panose="020B0604030504040204" pitchFamily="50" charset="-128"/>
+            </a:endParaRPr>
+          </a:p>
+        </p:txBody>
+      </p:sp>
     </p:spTree>
     <p:extLst>
       <p:ext uri="{BB962C8B-B14F-4D97-AF65-F5344CB8AC3E}">
-        <p14:creationId xmlns:p14="http://schemas.microsoft.com/office/powerpoint/2010/main" val="131689344"/>
-      </p:ext>
-    </p:extLst>
-  </p:cSld>
-  <p:clrMapOvr>
-    <a:masterClrMapping/>
-  </p:clrMapOvr>
-  <p:timing>
-    <p:tnLst>
-      <p:par>
-        <p:cTn id="1" dur="indefinite" restart="never" nodeType="tmRoot"/>
-      </p:par>
-    </p:tnLst>
-  </p:timing>
-</p:sld>
-</file>
-
-<file path=ppt/slides/slide10.xml><?xml version="1.0" encoding="utf-8"?>
-<p:sld xmlns:a="http://schemas.openxmlformats.org/drawingml/2006/main" xmlns:r="http://schemas.openxmlformats.org/officeDocument/2006/relationships" xmlns:p="http://schemas.openxmlformats.org/presentationml/2006/main">
-  <p:cSld>
-    <p:spTree>
-      <p:nvGrpSpPr>
-        <p:cNvPr id="1" name=""/>
-        <p:cNvGrpSpPr/>
-        <p:nvPr/>
-      </p:nvGrpSpPr>
-      <p:grpSpPr>
-        <a:xfrm>
-          <a:off x="0" y="0"/>
-          <a:ext cx="0" cy="0"/>
-          <a:chOff x="0" y="0"/>
-          <a:chExt cx="0" cy="0"/>
-        </a:xfrm>
-      </p:grpSpPr>
-      <p:sp>
-        <p:nvSpPr>
-          <p:cNvPr id="2" name="テキスト ボックス 1"/>
-          <p:cNvSpPr txBox="1"/>
-          <p:nvPr/>
-        </p:nvSpPr>
-        <p:spPr>
-          <a:xfrm>
-            <a:off x="470263" y="308614"/>
-            <a:ext cx="2646878" cy="584775"/>
-          </a:xfrm>
-          <a:prstGeom prst="rect">
-            <a:avLst/>
-          </a:prstGeom>
-          <a:noFill/>
-        </p:spPr>
-        <p:txBody>
-          <a:bodyPr wrap="none" rtlCol="0">
-            <a:spAutoFit/>
-          </a:bodyPr>
-          <a:lstStyle/>
-          <a:p>
-            <a:r>
-              <a:rPr lang="ja-JP" altLang="en-US" sz="3200" b="1" dirty="0" smtClean="0">
-                <a:latin typeface="メイリオ" panose="020B0604030504040204" pitchFamily="50" charset="-128"/>
-                <a:ea typeface="メイリオ" panose="020B0604030504040204" pitchFamily="50" charset="-128"/>
-              </a:rPr>
-              <a:t>シーン</a:t>
-            </a:r>
-            <a:r>
-              <a:rPr lang="ja-JP" altLang="en-US" sz="3200" b="1" dirty="0">
-                <a:latin typeface="メイリオ" panose="020B0604030504040204" pitchFamily="50" charset="-128"/>
-                <a:ea typeface="メイリオ" panose="020B0604030504040204" pitchFamily="50" charset="-128"/>
-              </a:rPr>
-              <a:t>遷移図</a:t>
-            </a:r>
-            <a:endParaRPr kumimoji="1" lang="ja-JP" altLang="en-US" sz="3200" b="1" dirty="0">
-              <a:latin typeface="メイリオ" panose="020B0604030504040204" pitchFamily="50" charset="-128"/>
-              <a:ea typeface="メイリオ" panose="020B0604030504040204" pitchFamily="50" charset="-128"/>
-            </a:endParaRPr>
-          </a:p>
-        </p:txBody>
-      </p:sp>
-    </p:spTree>
-    <p:extLst>
-      <p:ext uri="{BB962C8B-B14F-4D97-AF65-F5344CB8AC3E}">
-        <p14:creationId xmlns:p14="http://schemas.microsoft.com/office/powerpoint/2010/main" val="1079767949"/>
+        <p14:creationId xmlns:p14="http://schemas.microsoft.com/office/powerpoint/2010/main" val="1996208107"/>
       </p:ext>
     </p:extLst>
   </p:cSld>
@@ -3418,7 +4014,7 @@
 </p:sld>
 </file>
 
-<file path=ppt/slides/slide11.xml><?xml version="1.0" encoding="utf-8"?>
+<file path=ppt/slides/slide10.xml><?xml version="1.0" encoding="utf-8"?>
 <p:sld xmlns:a="http://schemas.openxmlformats.org/drawingml/2006/main" xmlns:r="http://schemas.openxmlformats.org/officeDocument/2006/relationships" xmlns:p="http://schemas.openxmlformats.org/presentationml/2006/main">
   <p:cSld>
     <p:spTree>
@@ -5043,8 +5639,8 @@
         </p:nvSpPr>
         <p:spPr>
           <a:xfrm>
-            <a:off x="444137" y="435428"/>
-            <a:ext cx="3647152" cy="2031325"/>
+            <a:off x="470263" y="308614"/>
+            <a:ext cx="1826141" cy="584775"/>
           </a:xfrm>
           <a:prstGeom prst="rect">
             <a:avLst/>
@@ -5058,79 +5654,23 @@
           <a:lstStyle/>
           <a:p>
             <a:r>
-              <a:rPr lang="ja-JP" altLang="en-US" dirty="0"/>
-              <a:t>グラフィッカー</a:t>
-            </a:r>
-            <a:r>
-              <a:rPr lang="en-US" altLang="ja-JP" dirty="0"/>
-              <a:t>3</a:t>
-            </a:r>
-            <a:r>
-              <a:rPr lang="ja-JP" altLang="en-US" dirty="0"/>
-              <a:t>～</a:t>
-            </a:r>
-            <a:r>
-              <a:rPr lang="en-US" altLang="ja-JP" dirty="0"/>
-              <a:t>4</a:t>
-            </a:r>
-            <a:r>
-              <a:rPr lang="ja-JP" altLang="en-US" dirty="0"/>
-              <a:t>人</a:t>
-            </a:r>
-          </a:p>
-          <a:p>
-            <a:r>
-              <a:rPr lang="ja-JP" altLang="en-US" dirty="0"/>
-              <a:t>世界観を</a:t>
-            </a:r>
-            <a:r>
-              <a:rPr lang="ja-JP" altLang="en-US" dirty="0" smtClean="0"/>
-              <a:t>出す</a:t>
-            </a:r>
-            <a:endParaRPr lang="en-US" altLang="ja-JP" dirty="0" smtClean="0"/>
-          </a:p>
-          <a:p>
-            <a:r>
-              <a:rPr lang="en-US" altLang="ja-JP" dirty="0" smtClean="0"/>
-              <a:t>6</a:t>
-            </a:r>
-            <a:r>
-              <a:rPr lang="ja-JP" altLang="en-US" dirty="0" err="1"/>
-              <a:t>、</a:t>
-            </a:r>
-            <a:r>
-              <a:rPr lang="en-US" altLang="ja-JP" dirty="0"/>
-              <a:t>7</a:t>
-            </a:r>
-            <a:r>
-              <a:rPr lang="ja-JP" altLang="en-US" dirty="0"/>
-              <a:t>人</a:t>
-            </a:r>
-          </a:p>
-          <a:p>
-            <a:r>
-              <a:rPr lang="ja-JP" altLang="en-US" dirty="0"/>
-              <a:t>イベントにも出す</a:t>
-            </a:r>
-          </a:p>
-          <a:p>
-            <a:r>
-              <a:rPr lang="ja-JP" altLang="en-US" dirty="0"/>
-              <a:t>学園祭に間に合わせる</a:t>
-            </a:r>
-          </a:p>
-          <a:p>
-            <a:r>
-              <a:rPr lang="ja-JP" altLang="en-US" dirty="0"/>
-              <a:t>グラフィッカーが生かせるゲーム</a:t>
-            </a:r>
-          </a:p>
-          <a:p>
-            <a:r>
-              <a:rPr lang="ja-JP" altLang="en-US" dirty="0" smtClean="0"/>
-              <a:t>立ち絵</a:t>
-            </a:r>
-            <a:endParaRPr lang="ja-JP" altLang="en-US" dirty="0"/>
+              <a:rPr lang="ja-JP" altLang="en-US" sz="3200" b="1" dirty="0" smtClean="0">
+                <a:latin typeface="メイリオ" panose="020B0604030504040204" pitchFamily="50" charset="-128"/>
+                <a:ea typeface="メイリオ" panose="020B0604030504040204" pitchFamily="50" charset="-128"/>
+              </a:rPr>
+              <a:t>開発</a:t>
+            </a:r>
+            <a:r>
+              <a:rPr lang="ja-JP" altLang="en-US" sz="3200" b="1" dirty="0">
+                <a:latin typeface="メイリオ" panose="020B0604030504040204" pitchFamily="50" charset="-128"/>
+                <a:ea typeface="メイリオ" panose="020B0604030504040204" pitchFamily="50" charset="-128"/>
+              </a:rPr>
+              <a:t>環境</a:t>
+            </a:r>
+            <a:endParaRPr kumimoji="1" lang="ja-JP" altLang="en-US" sz="3200" b="1" dirty="0">
+              <a:latin typeface="メイリオ" panose="020B0604030504040204" pitchFamily="50" charset="-128"/>
+              <a:ea typeface="メイリオ" panose="020B0604030504040204" pitchFamily="50" charset="-128"/>
+            </a:endParaRPr>
           </a:p>
         </p:txBody>
       </p:sp>
@@ -5142,8 +5682,8 @@
         </p:nvSpPr>
         <p:spPr>
           <a:xfrm>
-            <a:off x="8900160" y="1071154"/>
-            <a:ext cx="2031325" cy="3139321"/>
+            <a:off x="470263" y="1279620"/>
+            <a:ext cx="2547492" cy="461665"/>
           </a:xfrm>
           <a:prstGeom prst="rect">
             <a:avLst/>
@@ -5157,87 +5697,357 @@
           <a:lstStyle/>
           <a:p>
             <a:r>
-              <a:rPr kumimoji="1" lang="ja-JP" altLang="en-US" dirty="0" smtClean="0"/>
-              <a:t>ジャンル</a:t>
-            </a:r>
-            <a:endParaRPr kumimoji="1" lang="en-US" altLang="ja-JP" dirty="0" smtClean="0"/>
-          </a:p>
-          <a:p>
-            <a:r>
-              <a:rPr lang="ja-JP" altLang="en-US" dirty="0" smtClean="0"/>
-              <a:t>コンセプト</a:t>
-            </a:r>
-            <a:endParaRPr lang="en-US" altLang="ja-JP" dirty="0" smtClean="0"/>
-          </a:p>
-          <a:p>
-            <a:r>
-              <a:rPr kumimoji="1" lang="ja-JP" altLang="en-US" dirty="0" smtClean="0"/>
-              <a:t>概要</a:t>
-            </a:r>
-            <a:endParaRPr kumimoji="1" lang="en-US" altLang="ja-JP" dirty="0" smtClean="0"/>
-          </a:p>
-          <a:p>
-            <a:r>
-              <a:rPr lang="ja-JP" altLang="en-US" dirty="0" smtClean="0"/>
-              <a:t>シーン遷移図</a:t>
-            </a:r>
-            <a:endParaRPr lang="en-US" altLang="ja-JP" dirty="0" smtClean="0"/>
-          </a:p>
-          <a:p>
-            <a:r>
-              <a:rPr lang="ja-JP" altLang="en-US" dirty="0" smtClean="0"/>
-              <a:t>画面サンプル</a:t>
-            </a:r>
-            <a:endParaRPr lang="en-US" altLang="ja-JP" dirty="0" smtClean="0"/>
-          </a:p>
-          <a:p>
-            <a:r>
-              <a:rPr lang="ja-JP" altLang="en-US" dirty="0" smtClean="0"/>
-              <a:t>プレイ時間</a:t>
-            </a:r>
-            <a:endParaRPr lang="en-US" altLang="ja-JP" dirty="0" smtClean="0"/>
-          </a:p>
-          <a:p>
-            <a:r>
-              <a:rPr lang="ja-JP" altLang="en-US" dirty="0" smtClean="0"/>
-              <a:t>プレイ人数</a:t>
-            </a:r>
-            <a:endParaRPr lang="en-US" altLang="ja-JP" dirty="0" smtClean="0"/>
-          </a:p>
-          <a:p>
-            <a:r>
-              <a:rPr lang="ja-JP" altLang="en-US" dirty="0" smtClean="0"/>
-              <a:t>プラットフォーム</a:t>
-            </a:r>
-            <a:endParaRPr lang="en-US" altLang="ja-JP" dirty="0" smtClean="0"/>
-          </a:p>
-          <a:p>
-            <a:r>
-              <a:rPr lang="ja-JP" altLang="en-US" dirty="0" smtClean="0"/>
-              <a:t>遊び方</a:t>
-            </a:r>
-            <a:endParaRPr lang="en-US" altLang="ja-JP" dirty="0" smtClean="0"/>
-          </a:p>
-          <a:p>
-            <a:r>
-              <a:rPr lang="ja-JP" altLang="en-US" dirty="0" smtClean="0"/>
-              <a:t>ルール</a:t>
-            </a:r>
-            <a:endParaRPr lang="en-US" altLang="ja-JP" dirty="0" smtClean="0"/>
-          </a:p>
-          <a:p>
-            <a:r>
-              <a:rPr lang="ja-JP" altLang="en-US" dirty="0" smtClean="0"/>
-              <a:t>システム</a:t>
-            </a:r>
-            <a:endParaRPr lang="en-US" altLang="ja-JP" dirty="0" smtClean="0"/>
-          </a:p>
-        </p:txBody>
-      </p:sp>
+              <a:rPr kumimoji="1" lang="en-US" altLang="ja-JP" sz="2400" b="1" dirty="0" smtClean="0">
+                <a:latin typeface="メイリオ" panose="020B0604030504040204" pitchFamily="50" charset="-128"/>
+                <a:ea typeface="メイリオ" panose="020B0604030504040204" pitchFamily="50" charset="-128"/>
+              </a:rPr>
+              <a:t>2</a:t>
+            </a:r>
+            <a:r>
+              <a:rPr kumimoji="1" lang="ja-JP" altLang="en-US" sz="2400" b="1" dirty="0" smtClean="0">
+                <a:latin typeface="メイリオ" panose="020B0604030504040204" pitchFamily="50" charset="-128"/>
+                <a:ea typeface="メイリオ" panose="020B0604030504040204" pitchFamily="50" charset="-128"/>
+              </a:rPr>
+              <a:t>年ゲーム科５人</a:t>
+            </a:r>
+            <a:endParaRPr kumimoji="1" lang="ja-JP" altLang="en-US" sz="2400" b="1" dirty="0">
+              <a:latin typeface="メイリオ" panose="020B0604030504040204" pitchFamily="50" charset="-128"/>
+              <a:ea typeface="メイリオ" panose="020B0604030504040204" pitchFamily="50" charset="-128"/>
+            </a:endParaRPr>
+          </a:p>
+        </p:txBody>
+      </p:sp>
+      <p:sp>
+        <p:nvSpPr>
+          <p:cNvPr id="6" name="テキスト ボックス 5"/>
+          <p:cNvSpPr txBox="1"/>
+          <p:nvPr/>
+        </p:nvSpPr>
+        <p:spPr>
+          <a:xfrm>
+            <a:off x="470263" y="3503357"/>
+            <a:ext cx="6647974" cy="461665"/>
+          </a:xfrm>
+          <a:prstGeom prst="rect">
+            <a:avLst/>
+          </a:prstGeom>
+          <a:noFill/>
+        </p:spPr>
+        <p:txBody>
+          <a:bodyPr wrap="none" rtlCol="0">
+            <a:spAutoFit/>
+          </a:bodyPr>
+          <a:lstStyle/>
+          <a:p>
+            <a:r>
+              <a:rPr lang="ja-JP" altLang="en-US" sz="2400" b="1" dirty="0" smtClean="0">
+                <a:latin typeface="メイリオ" panose="020B0604030504040204" pitchFamily="50" charset="-128"/>
+                <a:ea typeface="メイリオ" panose="020B0604030504040204" pitchFamily="50" charset="-128"/>
+              </a:rPr>
+              <a:t>グラフィック</a:t>
+            </a:r>
+            <a:r>
+              <a:rPr lang="ja-JP" altLang="en-US" sz="2400" b="1" dirty="0">
+                <a:latin typeface="メイリオ" panose="020B0604030504040204" pitchFamily="50" charset="-128"/>
+                <a:ea typeface="メイリオ" panose="020B0604030504040204" pitchFamily="50" charset="-128"/>
+              </a:rPr>
+              <a:t>科</a:t>
+            </a:r>
+            <a:r>
+              <a:rPr lang="ja-JP" altLang="en-US" sz="2400" b="1" dirty="0" smtClean="0">
+                <a:latin typeface="メイリオ" panose="020B0604030504040204" pitchFamily="50" charset="-128"/>
+                <a:ea typeface="メイリオ" panose="020B0604030504040204" pitchFamily="50" charset="-128"/>
+              </a:rPr>
+              <a:t>からイラストを提供してくれる</a:t>
+            </a:r>
+            <a:endParaRPr kumimoji="1" lang="ja-JP" altLang="en-US" sz="2400" b="1" dirty="0">
+              <a:latin typeface="メイリオ" panose="020B0604030504040204" pitchFamily="50" charset="-128"/>
+              <a:ea typeface="メイリオ" panose="020B0604030504040204" pitchFamily="50" charset="-128"/>
+            </a:endParaRPr>
+          </a:p>
+        </p:txBody>
+      </p:sp>
+      <p:sp>
+        <p:nvSpPr>
+          <p:cNvPr id="7" name="テキスト ボックス 6"/>
+          <p:cNvSpPr txBox="1"/>
+          <p:nvPr/>
+        </p:nvSpPr>
+        <p:spPr>
+          <a:xfrm>
+            <a:off x="470263" y="3889588"/>
+            <a:ext cx="8997976" cy="461665"/>
+          </a:xfrm>
+          <a:prstGeom prst="rect">
+            <a:avLst/>
+          </a:prstGeom>
+          <a:noFill/>
+        </p:spPr>
+        <p:txBody>
+          <a:bodyPr wrap="none" rtlCol="0">
+            <a:spAutoFit/>
+          </a:bodyPr>
+          <a:lstStyle/>
+          <a:p>
+            <a:r>
+              <a:rPr kumimoji="1" lang="en-US" altLang="ja-JP" sz="2400" b="1" dirty="0" smtClean="0">
+                <a:latin typeface="メイリオ" panose="020B0604030504040204" pitchFamily="50" charset="-128"/>
+                <a:ea typeface="メイリオ" panose="020B0604030504040204" pitchFamily="50" charset="-128"/>
+              </a:rPr>
+              <a:t>-&gt; </a:t>
+            </a:r>
+            <a:r>
+              <a:rPr kumimoji="1" lang="ja-JP" altLang="en-US" sz="2400" b="1" dirty="0" smtClean="0">
+                <a:latin typeface="メイリオ" panose="020B0604030504040204" pitchFamily="50" charset="-128"/>
+                <a:ea typeface="メイリオ" panose="020B0604030504040204" pitchFamily="50" charset="-128"/>
+              </a:rPr>
+              <a:t>グラフィックで世界観を語ることが出来るゲームが作れる</a:t>
+            </a:r>
+            <a:endParaRPr kumimoji="1" lang="ja-JP" altLang="en-US" sz="2400" b="1" dirty="0">
+              <a:latin typeface="メイリオ" panose="020B0604030504040204" pitchFamily="50" charset="-128"/>
+              <a:ea typeface="メイリオ" panose="020B0604030504040204" pitchFamily="50" charset="-128"/>
+            </a:endParaRPr>
+          </a:p>
+        </p:txBody>
+      </p:sp>
+      <p:sp>
+        <p:nvSpPr>
+          <p:cNvPr id="8" name="テキスト ボックス 7"/>
+          <p:cNvSpPr txBox="1"/>
+          <p:nvPr/>
+        </p:nvSpPr>
+        <p:spPr>
+          <a:xfrm>
+            <a:off x="470263" y="5380274"/>
+            <a:ext cx="5319085" cy="461665"/>
+          </a:xfrm>
+          <a:prstGeom prst="rect">
+            <a:avLst/>
+          </a:prstGeom>
+          <a:noFill/>
+        </p:spPr>
+        <p:txBody>
+          <a:bodyPr wrap="none" rtlCol="0">
+            <a:spAutoFit/>
+          </a:bodyPr>
+          <a:lstStyle/>
+          <a:p>
+            <a:r>
+              <a:rPr lang="ja-JP" altLang="en-US" sz="2400" b="1" dirty="0">
+                <a:latin typeface="メイリオ" panose="020B0604030504040204" pitchFamily="50" charset="-128"/>
+                <a:ea typeface="メイリオ" panose="020B0604030504040204" pitchFamily="50" charset="-128"/>
+              </a:rPr>
+              <a:t>学園</a:t>
+            </a:r>
+            <a:r>
+              <a:rPr lang="ja-JP" altLang="en-US" sz="2400" b="1" dirty="0" smtClean="0">
+                <a:latin typeface="メイリオ" panose="020B0604030504040204" pitchFamily="50" charset="-128"/>
+                <a:ea typeface="メイリオ" panose="020B0604030504040204" pitchFamily="50" charset="-128"/>
+              </a:rPr>
+              <a:t>祭に</a:t>
+            </a:r>
+            <a:r>
+              <a:rPr lang="en-US" altLang="ja-JP" sz="2400" b="1" dirty="0" smtClean="0">
+                <a:latin typeface="メイリオ" panose="020B0604030504040204" pitchFamily="50" charset="-128"/>
+                <a:ea typeface="メイリオ" panose="020B0604030504040204" pitchFamily="50" charset="-128"/>
+              </a:rPr>
+              <a:t>β</a:t>
+            </a:r>
+            <a:r>
+              <a:rPr lang="ja-JP" altLang="en-US" sz="2400" b="1" dirty="0" smtClean="0">
+                <a:latin typeface="メイリオ" panose="020B0604030504040204" pitchFamily="50" charset="-128"/>
+                <a:ea typeface="メイリオ" panose="020B0604030504040204" pitchFamily="50" charset="-128"/>
+              </a:rPr>
+              <a:t>版を展示できるようにする</a:t>
+            </a:r>
+            <a:endParaRPr kumimoji="1" lang="ja-JP" altLang="en-US" sz="2400" b="1" dirty="0">
+              <a:latin typeface="メイリオ" panose="020B0604030504040204" pitchFamily="50" charset="-128"/>
+              <a:ea typeface="メイリオ" panose="020B0604030504040204" pitchFamily="50" charset="-128"/>
+            </a:endParaRPr>
+          </a:p>
+        </p:txBody>
+      </p:sp>
+      <p:cxnSp>
+        <p:nvCxnSpPr>
+          <p:cNvPr id="10" name="直線コネクタ 9"/>
+          <p:cNvCxnSpPr/>
+          <p:nvPr/>
+        </p:nvCxnSpPr>
+        <p:spPr>
+          <a:xfrm>
+            <a:off x="589787" y="2011700"/>
+            <a:ext cx="383178" cy="1"/>
+          </a:xfrm>
+          <a:prstGeom prst="line">
+            <a:avLst/>
+          </a:prstGeom>
+          <a:ln w="38100">
+            <a:solidFill>
+              <a:schemeClr val="tx1"/>
+            </a:solidFill>
+          </a:ln>
+        </p:spPr>
+        <p:style>
+          <a:lnRef idx="1">
+            <a:schemeClr val="accent1"/>
+          </a:lnRef>
+          <a:fillRef idx="0">
+            <a:schemeClr val="accent1"/>
+          </a:fillRef>
+          <a:effectRef idx="0">
+            <a:schemeClr val="accent1"/>
+          </a:effectRef>
+          <a:fontRef idx="minor">
+            <a:schemeClr val="tx1"/>
+          </a:fontRef>
+        </p:style>
+      </p:cxnSp>
+      <p:sp>
+        <p:nvSpPr>
+          <p:cNvPr id="11" name="テキスト ボックス 10"/>
+          <p:cNvSpPr txBox="1"/>
+          <p:nvPr/>
+        </p:nvSpPr>
+        <p:spPr>
+          <a:xfrm>
+            <a:off x="972965" y="1798286"/>
+            <a:ext cx="2339102" cy="461665"/>
+          </a:xfrm>
+          <a:prstGeom prst="rect">
+            <a:avLst/>
+          </a:prstGeom>
+          <a:noFill/>
+        </p:spPr>
+        <p:txBody>
+          <a:bodyPr wrap="none" rtlCol="0">
+            <a:spAutoFit/>
+          </a:bodyPr>
+          <a:lstStyle/>
+          <a:p>
+            <a:r>
+              <a:rPr lang="ja-JP" altLang="en-US" sz="2400" b="1" dirty="0" smtClean="0">
+                <a:latin typeface="メイリオ" panose="020B0604030504040204" pitchFamily="50" charset="-128"/>
+                <a:ea typeface="メイリオ" panose="020B0604030504040204" pitchFamily="50" charset="-128"/>
+              </a:rPr>
+              <a:t>プランナー１人</a:t>
+            </a:r>
+            <a:endParaRPr kumimoji="1" lang="ja-JP" altLang="en-US" sz="2400" b="1" dirty="0">
+              <a:latin typeface="メイリオ" panose="020B0604030504040204" pitchFamily="50" charset="-128"/>
+              <a:ea typeface="メイリオ" panose="020B0604030504040204" pitchFamily="50" charset="-128"/>
+            </a:endParaRPr>
+          </a:p>
+        </p:txBody>
+      </p:sp>
+      <p:cxnSp>
+        <p:nvCxnSpPr>
+          <p:cNvPr id="12" name="直線コネクタ 11"/>
+          <p:cNvCxnSpPr/>
+          <p:nvPr/>
+        </p:nvCxnSpPr>
+        <p:spPr>
+          <a:xfrm>
+            <a:off x="589787" y="2384074"/>
+            <a:ext cx="383178" cy="1"/>
+          </a:xfrm>
+          <a:prstGeom prst="line">
+            <a:avLst/>
+          </a:prstGeom>
+          <a:ln w="38100">
+            <a:solidFill>
+              <a:schemeClr val="tx1"/>
+            </a:solidFill>
+          </a:ln>
+        </p:spPr>
+        <p:style>
+          <a:lnRef idx="1">
+            <a:schemeClr val="accent1"/>
+          </a:lnRef>
+          <a:fillRef idx="0">
+            <a:schemeClr val="accent1"/>
+          </a:fillRef>
+          <a:effectRef idx="0">
+            <a:schemeClr val="accent1"/>
+          </a:effectRef>
+          <a:fontRef idx="minor">
+            <a:schemeClr val="tx1"/>
+          </a:fontRef>
+        </p:style>
+      </p:cxnSp>
+      <p:sp>
+        <p:nvSpPr>
+          <p:cNvPr id="13" name="テキスト ボックス 12"/>
+          <p:cNvSpPr txBox="1"/>
+          <p:nvPr/>
+        </p:nvSpPr>
+        <p:spPr>
+          <a:xfrm>
+            <a:off x="972965" y="2184517"/>
+            <a:ext cx="2646878" cy="461665"/>
+          </a:xfrm>
+          <a:prstGeom prst="rect">
+            <a:avLst/>
+          </a:prstGeom>
+          <a:noFill/>
+        </p:spPr>
+        <p:txBody>
+          <a:bodyPr wrap="none" rtlCol="0">
+            <a:spAutoFit/>
+          </a:bodyPr>
+          <a:lstStyle/>
+          <a:p>
+            <a:r>
+              <a:rPr lang="ja-JP" altLang="en-US" sz="2400" b="1" dirty="0" smtClean="0">
+                <a:latin typeface="メイリオ" panose="020B0604030504040204" pitchFamily="50" charset="-128"/>
+                <a:ea typeface="メイリオ" panose="020B0604030504040204" pitchFamily="50" charset="-128"/>
+              </a:rPr>
+              <a:t>プログラマー４人</a:t>
+            </a:r>
+            <a:endParaRPr kumimoji="1" lang="ja-JP" altLang="en-US" sz="2400" b="1" dirty="0">
+              <a:latin typeface="メイリオ" panose="020B0604030504040204" pitchFamily="50" charset="-128"/>
+              <a:ea typeface="メイリオ" panose="020B0604030504040204" pitchFamily="50" charset="-128"/>
+            </a:endParaRPr>
+          </a:p>
+        </p:txBody>
+      </p:sp>
+      <p:cxnSp>
+        <p:nvCxnSpPr>
+          <p:cNvPr id="16" name="直線コネクタ 15"/>
+          <p:cNvCxnSpPr/>
+          <p:nvPr/>
+        </p:nvCxnSpPr>
+        <p:spPr>
+          <a:xfrm flipV="1">
+            <a:off x="607205" y="1668197"/>
+            <a:ext cx="0" cy="704289"/>
+          </a:xfrm>
+          <a:prstGeom prst="line">
+            <a:avLst/>
+          </a:prstGeom>
+          <a:ln w="38100">
+            <a:solidFill>
+              <a:schemeClr val="tx1"/>
+            </a:solidFill>
+          </a:ln>
+        </p:spPr>
+        <p:style>
+          <a:lnRef idx="1">
+            <a:schemeClr val="accent1"/>
+          </a:lnRef>
+          <a:fillRef idx="0">
+            <a:schemeClr val="accent1"/>
+          </a:fillRef>
+          <a:effectRef idx="0">
+            <a:schemeClr val="accent1"/>
+          </a:effectRef>
+          <a:fontRef idx="minor">
+            <a:schemeClr val="tx1"/>
+          </a:fontRef>
+        </p:style>
+      </p:cxnSp>
     </p:spTree>
     <p:extLst>
       <p:ext uri="{BB962C8B-B14F-4D97-AF65-F5344CB8AC3E}">
-        <p14:creationId xmlns:p14="http://schemas.microsoft.com/office/powerpoint/2010/main" val="894336279"/>
+        <p14:creationId xmlns:p14="http://schemas.microsoft.com/office/powerpoint/2010/main" val="707711329"/>
       </p:ext>
     </p:extLst>
   </p:cSld>
@@ -5271,16 +6081,233 @@
           <a:chExt cx="0" cy="0"/>
         </a:xfrm>
       </p:grpSpPr>
-      <p:sp>
-        <p:nvSpPr>
-          <p:cNvPr id="2" name="テキスト ボックス 1"/>
+      <p:pic>
+        <p:nvPicPr>
+          <p:cNvPr id="14" name="図 13"/>
+          <p:cNvPicPr>
+            <a:picLocks noChangeAspect="1"/>
+          </p:cNvPicPr>
+          <p:nvPr/>
+        </p:nvPicPr>
+        <p:blipFill>
+          <a:blip r:embed="rId2">
+            <a:extLst>
+              <a:ext uri="{28A0092B-C50C-407E-A947-70E740481C1C}">
+                <a14:useLocalDpi xmlns:a14="http://schemas.microsoft.com/office/drawing/2010/main" val="0"/>
+              </a:ext>
+            </a:extLst>
+          </a:blip>
+          <a:stretch>
+            <a:fillRect/>
+          </a:stretch>
+        </p:blipFill>
+        <p:spPr>
+          <a:xfrm>
+            <a:off x="0" y="0"/>
+            <a:ext cx="12192000" cy="6865838"/>
+          </a:xfrm>
+          <a:prstGeom prst="rect">
+            <a:avLst/>
+          </a:prstGeom>
+        </p:spPr>
+      </p:pic>
+      <p:sp>
+        <p:nvSpPr>
+          <p:cNvPr id="15" name="正方形/長方形 14"/>
+          <p:cNvSpPr/>
+          <p:nvPr/>
+        </p:nvSpPr>
+        <p:spPr>
+          <a:xfrm>
+            <a:off x="-37708" y="0"/>
+            <a:ext cx="12229708" cy="6865838"/>
+          </a:xfrm>
+          <a:prstGeom prst="rect">
+            <a:avLst/>
+          </a:prstGeom>
+          <a:solidFill>
+            <a:schemeClr val="bg1">
+              <a:lumMod val="95000"/>
+              <a:alpha val="29020"/>
+            </a:schemeClr>
+          </a:solidFill>
+          <a:ln>
+            <a:noFill/>
+          </a:ln>
+        </p:spPr>
+        <p:style>
+          <a:lnRef idx="2">
+            <a:schemeClr val="accent1">
+              <a:shade val="50000"/>
+            </a:schemeClr>
+          </a:lnRef>
+          <a:fillRef idx="1">
+            <a:schemeClr val="accent1"/>
+          </a:fillRef>
+          <a:effectRef idx="0">
+            <a:schemeClr val="accent1"/>
+          </a:effectRef>
+          <a:fontRef idx="minor">
+            <a:schemeClr val="lt1"/>
+          </a:fontRef>
+        </p:style>
+        <p:txBody>
+          <a:bodyPr rtlCol="0" anchor="ctr"/>
+          <a:lstStyle/>
+          <a:p>
+            <a:pPr algn="ctr"/>
+            <a:endParaRPr kumimoji="1" lang="ja-JP" altLang="en-US"/>
+          </a:p>
+        </p:txBody>
+      </p:sp>
+      <p:sp>
+        <p:nvSpPr>
+          <p:cNvPr id="3" name="二等辺三角形 2"/>
+          <p:cNvSpPr/>
+          <p:nvPr/>
+        </p:nvSpPr>
+        <p:spPr>
+          <a:xfrm rot="11549023">
+            <a:off x="4221638" y="135297"/>
+            <a:ext cx="1000852" cy="773924"/>
+          </a:xfrm>
+          <a:prstGeom prst="triangle">
+            <a:avLst/>
+          </a:prstGeom>
+          <a:solidFill>
+            <a:srgbClr val="E25B00"/>
+          </a:solidFill>
+          <a:ln>
+            <a:noFill/>
+          </a:ln>
+        </p:spPr>
+        <p:style>
+          <a:lnRef idx="2">
+            <a:schemeClr val="accent1">
+              <a:shade val="50000"/>
+            </a:schemeClr>
+          </a:lnRef>
+          <a:fillRef idx="1">
+            <a:schemeClr val="accent1"/>
+          </a:fillRef>
+          <a:effectRef idx="0">
+            <a:schemeClr val="accent1"/>
+          </a:effectRef>
+          <a:fontRef idx="minor">
+            <a:schemeClr val="lt1"/>
+          </a:fontRef>
+        </p:style>
+        <p:txBody>
+          <a:bodyPr rtlCol="0" anchor="ctr"/>
+          <a:lstStyle/>
+          <a:p>
+            <a:pPr algn="ctr"/>
+            <a:endParaRPr kumimoji="1" lang="ja-JP" altLang="en-US"/>
+          </a:p>
+        </p:txBody>
+      </p:sp>
+      <p:sp>
+        <p:nvSpPr>
+          <p:cNvPr id="4" name="正方形/長方形 3"/>
+          <p:cNvSpPr/>
+          <p:nvPr/>
+        </p:nvSpPr>
+        <p:spPr>
+          <a:xfrm>
+            <a:off x="0" y="1"/>
+            <a:ext cx="12192000" cy="308614"/>
+          </a:xfrm>
+          <a:prstGeom prst="rect">
+            <a:avLst/>
+          </a:prstGeom>
+          <a:solidFill>
+            <a:srgbClr val="E25B00"/>
+          </a:solidFill>
+          <a:ln>
+            <a:noFill/>
+          </a:ln>
+        </p:spPr>
+        <p:style>
+          <a:lnRef idx="2">
+            <a:schemeClr val="accent1">
+              <a:shade val="50000"/>
+            </a:schemeClr>
+          </a:lnRef>
+          <a:fillRef idx="1">
+            <a:schemeClr val="accent1"/>
+          </a:fillRef>
+          <a:effectRef idx="0">
+            <a:schemeClr val="accent1"/>
+          </a:effectRef>
+          <a:fontRef idx="minor">
+            <a:schemeClr val="lt1"/>
+          </a:fontRef>
+        </p:style>
+        <p:txBody>
+          <a:bodyPr rtlCol="0" anchor="ctr"/>
+          <a:lstStyle/>
+          <a:p>
+            <a:pPr algn="ctr"/>
+            <a:endParaRPr kumimoji="1" lang="ja-JP" altLang="en-US"/>
+          </a:p>
+        </p:txBody>
+      </p:sp>
+      <p:sp>
+        <p:nvSpPr>
+          <p:cNvPr id="5" name="正方形/長方形 4"/>
+          <p:cNvSpPr/>
+          <p:nvPr/>
+        </p:nvSpPr>
+        <p:spPr>
+          <a:xfrm>
+            <a:off x="0" y="0"/>
+            <a:ext cx="4649479" cy="893389"/>
+          </a:xfrm>
+          <a:prstGeom prst="rect">
+            <a:avLst/>
+          </a:prstGeom>
+          <a:solidFill>
+            <a:srgbClr val="E25B00"/>
+          </a:solidFill>
+          <a:ln>
+            <a:noFill/>
+          </a:ln>
+        </p:spPr>
+        <p:style>
+          <a:lnRef idx="2">
+            <a:schemeClr val="accent1">
+              <a:shade val="50000"/>
+            </a:schemeClr>
+          </a:lnRef>
+          <a:fillRef idx="1">
+            <a:schemeClr val="accent1"/>
+          </a:fillRef>
+          <a:effectRef idx="0">
+            <a:schemeClr val="accent1"/>
+          </a:effectRef>
+          <a:fontRef idx="minor">
+            <a:schemeClr val="lt1"/>
+          </a:fontRef>
+        </p:style>
+        <p:txBody>
+          <a:bodyPr rtlCol="0" anchor="ctr"/>
+          <a:lstStyle/>
+          <a:p>
+            <a:pPr algn="ctr"/>
+            <a:endParaRPr kumimoji="1" lang="ja-JP" altLang="en-US"/>
+          </a:p>
+        </p:txBody>
+      </p:sp>
+      <p:sp>
+        <p:nvSpPr>
+          <p:cNvPr id="6" name="テキスト ボックス 5"/>
           <p:cNvSpPr txBox="1"/>
           <p:nvPr/>
         </p:nvSpPr>
         <p:spPr>
           <a:xfrm>
             <a:off x="470263" y="308614"/>
-            <a:ext cx="1826141" cy="584775"/>
+            <a:ext cx="4698722" cy="584775"/>
           </a:xfrm>
           <a:prstGeom prst="rect">
             <a:avLst/>
@@ -5298,14 +6325,14 @@
                 <a:latin typeface="メイリオ" panose="020B0604030504040204" pitchFamily="50" charset="-128"/>
                 <a:ea typeface="メイリオ" panose="020B0604030504040204" pitchFamily="50" charset="-128"/>
               </a:rPr>
-              <a:t>開発</a:t>
-            </a:r>
-            <a:r>
-              <a:rPr lang="ja-JP" altLang="en-US" sz="3200" b="1" dirty="0">
-                <a:latin typeface="メイリオ" panose="020B0604030504040204" pitchFamily="50" charset="-128"/>
-                <a:ea typeface="メイリオ" panose="020B0604030504040204" pitchFamily="50" charset="-128"/>
-              </a:rPr>
-              <a:t>環境</a:t>
+              <a:t>ジャンル・コンセプト</a:t>
+            </a:r>
+            <a:r>
+              <a:rPr kumimoji="1" lang="ja-JP" altLang="en-US" sz="3200" b="1" dirty="0" smtClean="0">
+                <a:latin typeface="メイリオ" panose="020B0604030504040204" pitchFamily="50" charset="-128"/>
+                <a:ea typeface="メイリオ" panose="020B0604030504040204" pitchFamily="50" charset="-128"/>
+              </a:rPr>
+              <a:t>　</a:t>
             </a:r>
             <a:endParaRPr kumimoji="1" lang="ja-JP" altLang="en-US" sz="3200" b="1" dirty="0">
               <a:latin typeface="メイリオ" panose="020B0604030504040204" pitchFamily="50" charset="-128"/>
@@ -5316,14 +6343,14 @@
       </p:sp>
       <p:sp>
         <p:nvSpPr>
-          <p:cNvPr id="4" name="テキスト ボックス 3"/>
+          <p:cNvPr id="8" name="テキスト ボックス 7"/>
           <p:cNvSpPr txBox="1"/>
           <p:nvPr/>
         </p:nvSpPr>
         <p:spPr>
           <a:xfrm>
-            <a:off x="470263" y="1279620"/>
-            <a:ext cx="2547492" cy="461665"/>
+            <a:off x="893101" y="1721482"/>
+            <a:ext cx="8802410" cy="954107"/>
           </a:xfrm>
           <a:prstGeom prst="rect">
             <a:avLst/>
@@ -5337,36 +6364,180 @@
           <a:lstStyle/>
           <a:p>
             <a:r>
-              <a:rPr kumimoji="1" lang="en-US" altLang="ja-JP" sz="2400" b="1" dirty="0" smtClean="0">
-                <a:latin typeface="メイリオ" panose="020B0604030504040204" pitchFamily="50" charset="-128"/>
-                <a:ea typeface="メイリオ" panose="020B0604030504040204" pitchFamily="50" charset="-128"/>
-              </a:rPr>
-              <a:t>2</a:t>
-            </a:r>
-            <a:r>
-              <a:rPr kumimoji="1" lang="ja-JP" altLang="en-US" sz="2400" b="1" dirty="0" smtClean="0">
-                <a:latin typeface="メイリオ" panose="020B0604030504040204" pitchFamily="50" charset="-128"/>
-                <a:ea typeface="メイリオ" panose="020B0604030504040204" pitchFamily="50" charset="-128"/>
-              </a:rPr>
-              <a:t>年ゲーム科５人</a:t>
-            </a:r>
-            <a:endParaRPr kumimoji="1" lang="ja-JP" altLang="en-US" sz="2400" b="1" dirty="0">
+              <a:rPr lang="ja-JP" altLang="en-US" sz="2800" b="1" dirty="0" smtClean="0">
+                <a:latin typeface="メイリオ" panose="020B0604030504040204" pitchFamily="50" charset="-128"/>
+                <a:ea typeface="メイリオ" panose="020B0604030504040204" pitchFamily="50" charset="-128"/>
+              </a:rPr>
+              <a:t>船にキャラクターを配置して侵入してくる海賊を倒す</a:t>
+            </a:r>
+            <a:endParaRPr lang="en-US" altLang="ja-JP" sz="2800" b="1" dirty="0" smtClean="0">
               <a:latin typeface="メイリオ" panose="020B0604030504040204" pitchFamily="50" charset="-128"/>
               <a:ea typeface="メイリオ" panose="020B0604030504040204" pitchFamily="50" charset="-128"/>
             </a:endParaRPr>
           </a:p>
-        </p:txBody>
-      </p:sp>
-      <p:sp>
-        <p:nvSpPr>
-          <p:cNvPr id="6" name="テキスト ボックス 5"/>
+          <a:p>
+            <a:r>
+              <a:rPr lang="ja-JP" altLang="en-US" sz="2800" b="1" dirty="0" smtClean="0">
+                <a:latin typeface="メイリオ" panose="020B0604030504040204" pitchFamily="50" charset="-128"/>
+                <a:ea typeface="メイリオ" panose="020B0604030504040204" pitchFamily="50" charset="-128"/>
+              </a:rPr>
+              <a:t>戦略シミュレーションゲーム</a:t>
+            </a:r>
+            <a:endParaRPr lang="en-US" altLang="ja-JP" sz="2800" b="1" dirty="0" smtClean="0">
+              <a:latin typeface="メイリオ" panose="020B0604030504040204" pitchFamily="50" charset="-128"/>
+              <a:ea typeface="メイリオ" panose="020B0604030504040204" pitchFamily="50" charset="-128"/>
+            </a:endParaRPr>
+          </a:p>
+        </p:txBody>
+      </p:sp>
+      <p:sp>
+        <p:nvSpPr>
+          <p:cNvPr id="10" name="正方形/長方形 9"/>
+          <p:cNvSpPr/>
+          <p:nvPr/>
+        </p:nvSpPr>
+        <p:spPr>
+          <a:xfrm>
+            <a:off x="3487" y="6723185"/>
+            <a:ext cx="12192000" cy="150461"/>
+          </a:xfrm>
+          <a:prstGeom prst="rect">
+            <a:avLst/>
+          </a:prstGeom>
+          <a:solidFill>
+            <a:srgbClr val="E25B00"/>
+          </a:solidFill>
+          <a:ln>
+            <a:noFill/>
+          </a:ln>
+        </p:spPr>
+        <p:style>
+          <a:lnRef idx="2">
+            <a:schemeClr val="accent1">
+              <a:shade val="50000"/>
+            </a:schemeClr>
+          </a:lnRef>
+          <a:fillRef idx="1">
+            <a:schemeClr val="accent1"/>
+          </a:fillRef>
+          <a:effectRef idx="0">
+            <a:schemeClr val="accent1"/>
+          </a:effectRef>
+          <a:fontRef idx="minor">
+            <a:schemeClr val="lt1"/>
+          </a:fontRef>
+        </p:style>
+        <p:txBody>
+          <a:bodyPr rtlCol="0" anchor="ctr"/>
+          <a:lstStyle/>
+          <a:p>
+            <a:pPr algn="ctr"/>
+            <a:endParaRPr kumimoji="1" lang="ja-JP" altLang="en-US"/>
+          </a:p>
+        </p:txBody>
+      </p:sp>
+      <p:sp>
+        <p:nvSpPr>
+          <p:cNvPr id="11" name="二等辺三角形 10"/>
+          <p:cNvSpPr/>
+          <p:nvPr/>
+        </p:nvSpPr>
+        <p:spPr>
+          <a:xfrm>
+            <a:off x="10023222" y="6487600"/>
+            <a:ext cx="512415" cy="244294"/>
+          </a:xfrm>
+          <a:prstGeom prst="triangle">
+            <a:avLst/>
+          </a:prstGeom>
+          <a:solidFill>
+            <a:srgbClr val="E25B00"/>
+          </a:solidFill>
+          <a:ln>
+            <a:noFill/>
+          </a:ln>
+        </p:spPr>
+        <p:style>
+          <a:lnRef idx="2">
+            <a:schemeClr val="accent1">
+              <a:shade val="50000"/>
+            </a:schemeClr>
+          </a:lnRef>
+          <a:fillRef idx="1">
+            <a:schemeClr val="accent1"/>
+          </a:fillRef>
+          <a:effectRef idx="0">
+            <a:schemeClr val="accent1"/>
+          </a:effectRef>
+          <a:fontRef idx="minor">
+            <a:schemeClr val="lt1"/>
+          </a:fontRef>
+        </p:style>
+        <p:txBody>
+          <a:bodyPr rtlCol="0" anchor="ctr"/>
+          <a:lstStyle/>
+          <a:p>
+            <a:pPr algn="ctr"/>
+            <a:endParaRPr kumimoji="1" lang="ja-JP" altLang="en-US"/>
+          </a:p>
+        </p:txBody>
+      </p:sp>
+      <p:sp>
+        <p:nvSpPr>
+          <p:cNvPr id="12" name="正方形/長方形 11"/>
+          <p:cNvSpPr/>
+          <p:nvPr/>
+        </p:nvSpPr>
+        <p:spPr>
+          <a:xfrm>
+            <a:off x="10284823" y="6487885"/>
+            <a:ext cx="1907177" cy="231193"/>
+          </a:xfrm>
+          <a:prstGeom prst="rect">
+            <a:avLst/>
+          </a:prstGeom>
+          <a:solidFill>
+            <a:srgbClr val="E25B00"/>
+          </a:solidFill>
+          <a:ln>
+            <a:noFill/>
+          </a:ln>
+        </p:spPr>
+        <p:style>
+          <a:lnRef idx="2">
+            <a:schemeClr val="accent1">
+              <a:shade val="50000"/>
+            </a:schemeClr>
+          </a:lnRef>
+          <a:fillRef idx="1">
+            <a:schemeClr val="accent1"/>
+          </a:fillRef>
+          <a:effectRef idx="0">
+            <a:schemeClr val="accent1"/>
+          </a:effectRef>
+          <a:fontRef idx="minor">
+            <a:schemeClr val="lt1"/>
+          </a:fontRef>
+        </p:style>
+        <p:txBody>
+          <a:bodyPr rtlCol="0" anchor="ctr"/>
+          <a:lstStyle/>
+          <a:p>
+            <a:pPr algn="ctr"/>
+            <a:endParaRPr kumimoji="1" lang="ja-JP" altLang="en-US"/>
+          </a:p>
+        </p:txBody>
+      </p:sp>
+      <p:sp>
+        <p:nvSpPr>
+          <p:cNvPr id="13" name="テキスト ボックス 12"/>
           <p:cNvSpPr txBox="1"/>
           <p:nvPr/>
         </p:nvSpPr>
         <p:spPr>
           <a:xfrm>
-            <a:off x="470263" y="2363527"/>
-            <a:ext cx="6647974" cy="461665"/>
+            <a:off x="893101" y="3431991"/>
+            <a:ext cx="9110186" cy="1938992"/>
           </a:xfrm>
           <a:prstGeom prst="rect">
             <a:avLst/>
@@ -5380,320 +6551,74 @@
           <a:lstStyle/>
           <a:p>
             <a:r>
-              <a:rPr lang="ja-JP" altLang="en-US" sz="2400" b="1" dirty="0" smtClean="0">
-                <a:latin typeface="メイリオ" panose="020B0604030504040204" pitchFamily="50" charset="-128"/>
-                <a:ea typeface="メイリオ" panose="020B0604030504040204" pitchFamily="50" charset="-128"/>
-              </a:rPr>
-              <a:t>グラフィック</a:t>
-            </a:r>
-            <a:r>
-              <a:rPr lang="ja-JP" altLang="en-US" sz="2400" b="1" dirty="0">
-                <a:latin typeface="メイリオ" panose="020B0604030504040204" pitchFamily="50" charset="-128"/>
-                <a:ea typeface="メイリオ" panose="020B0604030504040204" pitchFamily="50" charset="-128"/>
-              </a:rPr>
-              <a:t>科</a:t>
-            </a:r>
-            <a:r>
-              <a:rPr lang="ja-JP" altLang="en-US" sz="2400" b="1" dirty="0" smtClean="0">
-                <a:latin typeface="メイリオ" panose="020B0604030504040204" pitchFamily="50" charset="-128"/>
-                <a:ea typeface="メイリオ" panose="020B0604030504040204" pitchFamily="50" charset="-128"/>
-              </a:rPr>
-              <a:t>からイラストを提供してくれる</a:t>
-            </a:r>
-            <a:endParaRPr kumimoji="1" lang="ja-JP" altLang="en-US" sz="2400" b="1" dirty="0">
+              <a:rPr kumimoji="1" lang="ja-JP" altLang="en-US" sz="2400" dirty="0" smtClean="0">
+                <a:latin typeface="メイリオ" panose="020B0604030504040204" pitchFamily="50" charset="-128"/>
+                <a:ea typeface="メイリオ" panose="020B0604030504040204" pitchFamily="50" charset="-128"/>
+              </a:rPr>
+              <a:t>・プレイヤーキャラクターは交易船に雇われ船を護衛する用心棒</a:t>
+            </a:r>
+            <a:endParaRPr kumimoji="1" lang="en-US" altLang="ja-JP" sz="2400" dirty="0" smtClean="0">
               <a:latin typeface="メイリオ" panose="020B0604030504040204" pitchFamily="50" charset="-128"/>
               <a:ea typeface="メイリオ" panose="020B0604030504040204" pitchFamily="50" charset="-128"/>
             </a:endParaRPr>
           </a:p>
-        </p:txBody>
-      </p:sp>
-      <p:sp>
-        <p:nvSpPr>
-          <p:cNvPr id="7" name="テキスト ボックス 6"/>
-          <p:cNvSpPr txBox="1"/>
-          <p:nvPr/>
-        </p:nvSpPr>
-        <p:spPr>
-          <a:xfrm>
-            <a:off x="470263" y="2749758"/>
-            <a:ext cx="8997976" cy="461665"/>
-          </a:xfrm>
-          <a:prstGeom prst="rect">
-            <a:avLst/>
-          </a:prstGeom>
-          <a:noFill/>
-        </p:spPr>
-        <p:txBody>
-          <a:bodyPr wrap="none" rtlCol="0">
-            <a:spAutoFit/>
-          </a:bodyPr>
-          <a:lstStyle/>
-          <a:p>
-            <a:r>
-              <a:rPr kumimoji="1" lang="en-US" altLang="ja-JP" sz="2400" b="1" dirty="0" smtClean="0">
-                <a:latin typeface="メイリオ" panose="020B0604030504040204" pitchFamily="50" charset="-128"/>
-                <a:ea typeface="メイリオ" panose="020B0604030504040204" pitchFamily="50" charset="-128"/>
-              </a:rPr>
-              <a:t>-&gt; </a:t>
-            </a:r>
-            <a:r>
-              <a:rPr kumimoji="1" lang="ja-JP" altLang="en-US" sz="2400" b="1" dirty="0" smtClean="0">
-                <a:latin typeface="メイリオ" panose="020B0604030504040204" pitchFamily="50" charset="-128"/>
-                <a:ea typeface="メイリオ" panose="020B0604030504040204" pitchFamily="50" charset="-128"/>
-              </a:rPr>
-              <a:t>グラフィックで世界観を語ることが出来るゲームが作れる</a:t>
-            </a:r>
-            <a:endParaRPr kumimoji="1" lang="ja-JP" altLang="en-US" sz="2400" b="1" dirty="0">
+          <a:p>
+            <a:endParaRPr kumimoji="1" lang="en-US" altLang="ja-JP" sz="2400" dirty="0" smtClean="0">
               <a:latin typeface="メイリオ" panose="020B0604030504040204" pitchFamily="50" charset="-128"/>
               <a:ea typeface="メイリオ" panose="020B0604030504040204" pitchFamily="50" charset="-128"/>
             </a:endParaRPr>
           </a:p>
-        </p:txBody>
-      </p:sp>
-      <p:sp>
-        <p:nvSpPr>
-          <p:cNvPr id="8" name="テキスト ボックス 7"/>
-          <p:cNvSpPr txBox="1"/>
-          <p:nvPr/>
-        </p:nvSpPr>
-        <p:spPr>
-          <a:xfrm>
-            <a:off x="470263" y="4001048"/>
-            <a:ext cx="5319085" cy="461665"/>
-          </a:xfrm>
-          <a:prstGeom prst="rect">
-            <a:avLst/>
-          </a:prstGeom>
-          <a:noFill/>
-        </p:spPr>
-        <p:txBody>
-          <a:bodyPr wrap="none" rtlCol="0">
-            <a:spAutoFit/>
-          </a:bodyPr>
-          <a:lstStyle/>
-          <a:p>
-            <a:r>
-              <a:rPr lang="ja-JP" altLang="en-US" sz="2400" b="1" dirty="0">
-                <a:latin typeface="メイリオ" panose="020B0604030504040204" pitchFamily="50" charset="-128"/>
-                <a:ea typeface="メイリオ" panose="020B0604030504040204" pitchFamily="50" charset="-128"/>
-              </a:rPr>
-              <a:t>学園</a:t>
-            </a:r>
-            <a:r>
-              <a:rPr lang="ja-JP" altLang="en-US" sz="2400" b="1" dirty="0" smtClean="0">
-                <a:latin typeface="メイリオ" panose="020B0604030504040204" pitchFamily="50" charset="-128"/>
-                <a:ea typeface="メイリオ" panose="020B0604030504040204" pitchFamily="50" charset="-128"/>
-              </a:rPr>
-              <a:t>祭に</a:t>
-            </a:r>
-            <a:r>
-              <a:rPr lang="en-US" altLang="ja-JP" sz="2400" b="1" dirty="0" smtClean="0">
-                <a:latin typeface="メイリオ" panose="020B0604030504040204" pitchFamily="50" charset="-128"/>
-                <a:ea typeface="メイリオ" panose="020B0604030504040204" pitchFamily="50" charset="-128"/>
-              </a:rPr>
-              <a:t>β</a:t>
-            </a:r>
-            <a:r>
-              <a:rPr lang="ja-JP" altLang="en-US" sz="2400" b="1" dirty="0" smtClean="0">
-                <a:latin typeface="メイリオ" panose="020B0604030504040204" pitchFamily="50" charset="-128"/>
-                <a:ea typeface="メイリオ" panose="020B0604030504040204" pitchFamily="50" charset="-128"/>
-              </a:rPr>
-              <a:t>版を展示できるようにする</a:t>
-            </a:r>
-            <a:endParaRPr kumimoji="1" lang="ja-JP" altLang="en-US" sz="2400" b="1" dirty="0">
+          <a:p>
+            <a:r>
+              <a:rPr lang="ja-JP" altLang="en-US" sz="2400" dirty="0" smtClean="0">
+                <a:latin typeface="メイリオ" panose="020B0604030504040204" pitchFamily="50" charset="-128"/>
+                <a:ea typeface="メイリオ" panose="020B0604030504040204" pitchFamily="50" charset="-128"/>
+              </a:rPr>
+              <a:t>・キャラクターを船の部屋に配置し、海賊から船を守る</a:t>
+            </a:r>
+            <a:endParaRPr lang="en-US" altLang="ja-JP" sz="2400" dirty="0" smtClean="0">
               <a:latin typeface="メイリオ" panose="020B0604030504040204" pitchFamily="50" charset="-128"/>
               <a:ea typeface="メイリオ" panose="020B0604030504040204" pitchFamily="50" charset="-128"/>
             </a:endParaRPr>
           </a:p>
-        </p:txBody>
-      </p:sp>
-      <p:cxnSp>
-        <p:nvCxnSpPr>
-          <p:cNvPr id="10" name="直線コネクタ 9"/>
-          <p:cNvCxnSpPr/>
-          <p:nvPr/>
-        </p:nvCxnSpPr>
-        <p:spPr>
-          <a:xfrm flipV="1">
-            <a:off x="3017755" y="1493034"/>
-            <a:ext cx="892394" cy="1"/>
-          </a:xfrm>
-          <a:prstGeom prst="line">
-            <a:avLst/>
-          </a:prstGeom>
-          <a:ln w="38100">
-            <a:solidFill>
-              <a:schemeClr val="tx1"/>
-            </a:solidFill>
-          </a:ln>
-        </p:spPr>
-        <p:style>
-          <a:lnRef idx="1">
-            <a:schemeClr val="accent1"/>
-          </a:lnRef>
-          <a:fillRef idx="0">
-            <a:schemeClr val="accent1"/>
-          </a:fillRef>
-          <a:effectRef idx="0">
-            <a:schemeClr val="accent1"/>
-          </a:effectRef>
-          <a:fontRef idx="minor">
-            <a:schemeClr val="tx1"/>
-          </a:fontRef>
-        </p:style>
-      </p:cxnSp>
-      <p:sp>
-        <p:nvSpPr>
-          <p:cNvPr id="11" name="テキスト ボックス 10"/>
-          <p:cNvSpPr txBox="1"/>
-          <p:nvPr/>
-        </p:nvSpPr>
-        <p:spPr>
-          <a:xfrm>
-            <a:off x="3910149" y="1279620"/>
-            <a:ext cx="2339102" cy="461665"/>
-          </a:xfrm>
-          <a:prstGeom prst="rect">
-            <a:avLst/>
-          </a:prstGeom>
-          <a:noFill/>
-        </p:spPr>
-        <p:txBody>
-          <a:bodyPr wrap="none" rtlCol="0">
-            <a:spAutoFit/>
-          </a:bodyPr>
-          <a:lstStyle/>
-          <a:p>
-            <a:r>
-              <a:rPr lang="ja-JP" altLang="en-US" sz="2400" b="1" dirty="0" smtClean="0">
-                <a:latin typeface="メイリオ" panose="020B0604030504040204" pitchFamily="50" charset="-128"/>
-                <a:ea typeface="メイリオ" panose="020B0604030504040204" pitchFamily="50" charset="-128"/>
-              </a:rPr>
-              <a:t>プランナー１人</a:t>
-            </a:r>
-            <a:endParaRPr kumimoji="1" lang="ja-JP" altLang="en-US" sz="2400" b="1" dirty="0">
+          <a:p>
+            <a:endParaRPr lang="en-US" altLang="ja-JP" sz="2400" dirty="0" smtClean="0">
               <a:latin typeface="メイリオ" panose="020B0604030504040204" pitchFamily="50" charset="-128"/>
               <a:ea typeface="メイリオ" panose="020B0604030504040204" pitchFamily="50" charset="-128"/>
             </a:endParaRPr>
           </a:p>
-        </p:txBody>
-      </p:sp>
-      <p:cxnSp>
-        <p:nvCxnSpPr>
-          <p:cNvPr id="12" name="直線コネクタ 11"/>
-          <p:cNvCxnSpPr/>
-          <p:nvPr/>
-        </p:nvCxnSpPr>
-        <p:spPr>
-          <a:xfrm>
-            <a:off x="3526971" y="1865408"/>
-            <a:ext cx="383178" cy="1"/>
-          </a:xfrm>
-          <a:prstGeom prst="line">
-            <a:avLst/>
-          </a:prstGeom>
-          <a:ln w="38100">
-            <a:solidFill>
-              <a:schemeClr val="tx1"/>
-            </a:solidFill>
-          </a:ln>
-        </p:spPr>
-        <p:style>
-          <a:lnRef idx="1">
-            <a:schemeClr val="accent1"/>
-          </a:lnRef>
-          <a:fillRef idx="0">
-            <a:schemeClr val="accent1"/>
-          </a:fillRef>
-          <a:effectRef idx="0">
-            <a:schemeClr val="accent1"/>
-          </a:effectRef>
-          <a:fontRef idx="minor">
-            <a:schemeClr val="tx1"/>
-          </a:fontRef>
-        </p:style>
-      </p:cxnSp>
-      <p:sp>
-        <p:nvSpPr>
-          <p:cNvPr id="13" name="テキスト ボックス 12"/>
-          <p:cNvSpPr txBox="1"/>
-          <p:nvPr/>
-        </p:nvSpPr>
-        <p:spPr>
-          <a:xfrm>
-            <a:off x="3910149" y="1665851"/>
-            <a:ext cx="2646878" cy="461665"/>
-          </a:xfrm>
-          <a:prstGeom prst="rect">
-            <a:avLst/>
-          </a:prstGeom>
-          <a:noFill/>
-        </p:spPr>
-        <p:txBody>
-          <a:bodyPr wrap="none" rtlCol="0">
-            <a:spAutoFit/>
-          </a:bodyPr>
-          <a:lstStyle/>
-          <a:p>
-            <a:r>
-              <a:rPr lang="ja-JP" altLang="en-US" sz="2400" b="1" dirty="0" smtClean="0">
-                <a:latin typeface="メイリオ" panose="020B0604030504040204" pitchFamily="50" charset="-128"/>
-                <a:ea typeface="メイリオ" panose="020B0604030504040204" pitchFamily="50" charset="-128"/>
-              </a:rPr>
-              <a:t>プログラマー４人</a:t>
-            </a:r>
-            <a:endParaRPr kumimoji="1" lang="ja-JP" altLang="en-US" sz="2400" b="1" dirty="0">
+          <a:p>
+            <a:r>
+              <a:rPr kumimoji="1" lang="ja-JP" altLang="en-US" sz="2400" dirty="0" smtClean="0">
+                <a:latin typeface="メイリオ" panose="020B0604030504040204" pitchFamily="50" charset="-128"/>
+                <a:ea typeface="メイリオ" panose="020B0604030504040204" pitchFamily="50" charset="-128"/>
+              </a:rPr>
+              <a:t>・船が目的地についたらクリア</a:t>
+            </a:r>
+            <a:endParaRPr kumimoji="1" lang="ja-JP" altLang="en-US" sz="2400" dirty="0">
               <a:latin typeface="メイリオ" panose="020B0604030504040204" pitchFamily="50" charset="-128"/>
               <a:ea typeface="メイリオ" panose="020B0604030504040204" pitchFamily="50" charset="-128"/>
             </a:endParaRPr>
           </a:p>
         </p:txBody>
       </p:sp>
-      <p:cxnSp>
-        <p:nvCxnSpPr>
-          <p:cNvPr id="16" name="直線コネクタ 15"/>
-          <p:cNvCxnSpPr/>
-          <p:nvPr/>
-        </p:nvCxnSpPr>
-        <p:spPr>
-          <a:xfrm flipV="1">
-            <a:off x="3544389" y="1498862"/>
-            <a:ext cx="0" cy="354957"/>
-          </a:xfrm>
-          <a:prstGeom prst="line">
-            <a:avLst/>
-          </a:prstGeom>
-          <a:ln w="38100">
-            <a:solidFill>
-              <a:schemeClr val="tx1"/>
-            </a:solidFill>
-          </a:ln>
-        </p:spPr>
-        <p:style>
-          <a:lnRef idx="1">
-            <a:schemeClr val="accent1"/>
-          </a:lnRef>
-          <a:fillRef idx="0">
-            <a:schemeClr val="accent1"/>
-          </a:fillRef>
-          <a:effectRef idx="0">
-            <a:schemeClr val="accent1"/>
-          </a:effectRef>
-          <a:fontRef idx="minor">
-            <a:schemeClr val="tx1"/>
-          </a:fontRef>
-        </p:style>
-      </p:cxnSp>
     </p:spTree>
     <p:extLst>
       <p:ext uri="{BB962C8B-B14F-4D97-AF65-F5344CB8AC3E}">
-        <p14:creationId xmlns:p14="http://schemas.microsoft.com/office/powerpoint/2010/main" val="707711329"/>
+        <p14:creationId xmlns:p14="http://schemas.microsoft.com/office/powerpoint/2010/main" val="2727142298"/>
       </p:ext>
     </p:extLst>
   </p:cSld>
   <p:clrMapOvr>
     <a:masterClrMapping/>
   </p:clrMapOvr>
+  <p:timing>
+    <p:tnLst>
+      <p:par>
+        <p:cTn id="1" dur="indefinite" restart="never" nodeType="tmRoot"/>
+      </p:par>
+    </p:tnLst>
+  </p:timing>
 </p:sld>
 </file>
 
@@ -5716,20 +6641,23 @@
       </p:grpSpPr>
       <p:sp>
         <p:nvSpPr>
-          <p:cNvPr id="9" name="二等辺三角形 8"/>
+          <p:cNvPr id="28" name="正方形/長方形 27"/>
           <p:cNvSpPr/>
           <p:nvPr/>
         </p:nvSpPr>
         <p:spPr>
-          <a:xfrm rot="11549023">
-            <a:off x="2176022" y="135297"/>
-            <a:ext cx="1000852" cy="773924"/>
-          </a:xfrm>
-          <a:prstGeom prst="triangle">
+          <a:xfrm>
+            <a:off x="0" y="0"/>
+            <a:ext cx="12191999" cy="6857999"/>
+          </a:xfrm>
+          <a:prstGeom prst="rect">
             <a:avLst/>
           </a:prstGeom>
           <a:solidFill>
-            <a:srgbClr val="E25B00"/>
+            <a:schemeClr val="accent5">
+              <a:lumMod val="20000"/>
+              <a:lumOff val="80000"/>
+            </a:schemeClr>
           </a:solidFill>
           <a:ln>
             <a:noFill/>
@@ -5760,108 +6688,84 @@
           </a:p>
         </p:txBody>
       </p:sp>
-      <p:sp>
-        <p:nvSpPr>
-          <p:cNvPr id="8" name="正方形/長方形 7"/>
-          <p:cNvSpPr/>
-          <p:nvPr/>
-        </p:nvSpPr>
-        <p:spPr>
-          <a:xfrm>
-            <a:off x="0" y="1"/>
-            <a:ext cx="12192000" cy="308614"/>
-          </a:xfrm>
-          <a:prstGeom prst="rect">
-            <a:avLst/>
-          </a:prstGeom>
-          <a:solidFill>
-            <a:srgbClr val="E25B00"/>
-          </a:solidFill>
-          <a:ln>
-            <a:noFill/>
+      <p:cxnSp>
+        <p:nvCxnSpPr>
+          <p:cNvPr id="6" name="直線矢印コネクタ 5"/>
+          <p:cNvCxnSpPr/>
+          <p:nvPr/>
+        </p:nvCxnSpPr>
+        <p:spPr>
+          <a:xfrm>
+            <a:off x="382414" y="1288869"/>
+            <a:ext cx="0" cy="5181600"/>
+          </a:xfrm>
+          <a:prstGeom prst="straightConnector1">
+            <a:avLst/>
+          </a:prstGeom>
+          <a:ln w="76200">
+            <a:solidFill>
+              <a:srgbClr val="00B050">
+                <a:alpha val="69804"/>
+              </a:srgbClr>
+            </a:solidFill>
+            <a:tailEnd type="triangle"/>
           </a:ln>
         </p:spPr>
         <p:style>
-          <a:lnRef idx="2">
-            <a:schemeClr val="accent1">
-              <a:shade val="50000"/>
-            </a:schemeClr>
+          <a:lnRef idx="1">
+            <a:schemeClr val="accent1"/>
           </a:lnRef>
-          <a:fillRef idx="1">
+          <a:fillRef idx="0">
             <a:schemeClr val="accent1"/>
           </a:fillRef>
           <a:effectRef idx="0">
             <a:schemeClr val="accent1"/>
           </a:effectRef>
           <a:fontRef idx="minor">
-            <a:schemeClr val="lt1"/>
+            <a:schemeClr val="tx1"/>
           </a:fontRef>
         </p:style>
-        <p:txBody>
-          <a:bodyPr rtlCol="0" anchor="ctr"/>
-          <a:lstStyle/>
-          <a:p>
-            <a:pPr algn="ctr"/>
-            <a:endParaRPr kumimoji="1" lang="ja-JP" altLang="en-US"/>
-          </a:p>
-        </p:txBody>
-      </p:sp>
-      <p:sp>
-        <p:nvSpPr>
-          <p:cNvPr id="7" name="正方形/長方形 6"/>
-          <p:cNvSpPr/>
-          <p:nvPr/>
-        </p:nvSpPr>
-        <p:spPr>
-          <a:xfrm>
-            <a:off x="0" y="0"/>
-            <a:ext cx="2603863" cy="893389"/>
-          </a:xfrm>
-          <a:prstGeom prst="rect">
-            <a:avLst/>
-          </a:prstGeom>
-          <a:solidFill>
-            <a:srgbClr val="E25B00"/>
-          </a:solidFill>
-          <a:ln>
-            <a:noFill/>
-          </a:ln>
-        </p:spPr>
-        <p:style>
-          <a:lnRef idx="2">
-            <a:schemeClr val="accent1">
-              <a:shade val="50000"/>
-            </a:schemeClr>
-          </a:lnRef>
-          <a:fillRef idx="1">
-            <a:schemeClr val="accent1"/>
-          </a:fillRef>
-          <a:effectRef idx="0">
-            <a:schemeClr val="accent1"/>
-          </a:effectRef>
-          <a:fontRef idx="minor">
-            <a:schemeClr val="lt1"/>
-          </a:fontRef>
-        </p:style>
-        <p:txBody>
-          <a:bodyPr rtlCol="0" anchor="ctr"/>
-          <a:lstStyle/>
-          <a:p>
-            <a:pPr algn="ctr"/>
-            <a:endParaRPr kumimoji="1" lang="ja-JP" altLang="en-US"/>
-          </a:p>
-        </p:txBody>
-      </p:sp>
-      <p:sp>
-        <p:nvSpPr>
-          <p:cNvPr id="2" name="テキスト ボックス 1"/>
+      </p:cxnSp>
+      <p:pic>
+        <p:nvPicPr>
+          <p:cNvPr id="4" name="図 3"/>
+          <p:cNvPicPr>
+            <a:picLocks noChangeAspect="1"/>
+          </p:cNvPicPr>
+          <p:nvPr/>
+        </p:nvPicPr>
+        <p:blipFill>
+          <a:blip r:embed="rId3" cstate="print">
+            <a:extLst>
+              <a:ext uri="{28A0092B-C50C-407E-A947-70E740481C1C}">
+                <a14:useLocalDpi xmlns:a14="http://schemas.microsoft.com/office/drawing/2010/main" val="0"/>
+              </a:ext>
+            </a:extLst>
+          </a:blip>
+          <a:stretch>
+            <a:fillRect/>
+          </a:stretch>
+        </p:blipFill>
+        <p:spPr>
+          <a:xfrm>
+            <a:off x="5129348" y="2860538"/>
+            <a:ext cx="7062651" cy="3997461"/>
+          </a:xfrm>
+          <a:prstGeom prst="rect">
+            <a:avLst/>
+          </a:prstGeom>
+        </p:spPr>
+      </p:pic>
+      <p:sp>
+        <p:nvSpPr>
+          <p:cNvPr id="57" name="テキスト ボックス 56"/>
           <p:cNvSpPr txBox="1"/>
           <p:nvPr/>
         </p:nvSpPr>
         <p:spPr>
           <a:xfrm>
             <a:off x="470263" y="308614"/>
-            <a:ext cx="10033516" cy="584775"/>
+            <a:ext cx="4698722" cy="584775"/>
           </a:xfrm>
           <a:prstGeom prst="rect">
             <a:avLst/>
@@ -5875,11 +6779,18 @@
           <a:lstStyle/>
           <a:p>
             <a:r>
+              <a:rPr lang="ja-JP" altLang="en-US" sz="3200" b="1" dirty="0" smtClean="0">
+                <a:latin typeface="メイリオ" panose="020B0604030504040204" pitchFamily="50" charset="-128"/>
+                <a:ea typeface="メイリオ" panose="020B0604030504040204" pitchFamily="50" charset="-128"/>
+              </a:rPr>
+              <a:t>コアゲームメカニクス</a:t>
+            </a:r>
+            <a:r>
               <a:rPr kumimoji="1" lang="ja-JP" altLang="en-US" sz="3200" b="1" dirty="0" smtClean="0">
                 <a:latin typeface="メイリオ" panose="020B0604030504040204" pitchFamily="50" charset="-128"/>
                 <a:ea typeface="メイリオ" panose="020B0604030504040204" pitchFamily="50" charset="-128"/>
               </a:rPr>
-              <a:t>コンセプト　　ゲームサークルで作るゲームを決める</a:t>
+              <a:t>　</a:t>
             </a:r>
             <a:endParaRPr kumimoji="1" lang="ja-JP" altLang="en-US" sz="3200" b="1" dirty="0">
               <a:latin typeface="メイリオ" panose="020B0604030504040204" pitchFamily="50" charset="-128"/>
@@ -5888,16 +6799,46 @@
           </a:p>
         </p:txBody>
       </p:sp>
-      <p:sp>
-        <p:nvSpPr>
-          <p:cNvPr id="3" name="テキスト ボックス 2"/>
+      <p:pic>
+        <p:nvPicPr>
+          <p:cNvPr id="58" name="図 57"/>
+          <p:cNvPicPr>
+            <a:picLocks noChangeAspect="1"/>
+          </p:cNvPicPr>
+          <p:nvPr/>
+        </p:nvPicPr>
+        <p:blipFill>
+          <a:blip r:embed="rId4" cstate="print">
+            <a:extLst>
+              <a:ext uri="{28A0092B-C50C-407E-A947-70E740481C1C}">
+                <a14:useLocalDpi xmlns:a14="http://schemas.microsoft.com/office/drawing/2010/main" val="0"/>
+              </a:ext>
+            </a:extLst>
+          </a:blip>
+          <a:stretch>
+            <a:fillRect/>
+          </a:stretch>
+        </p:blipFill>
+        <p:spPr>
+          <a:xfrm>
+            <a:off x="5879089" y="1539296"/>
+            <a:ext cx="396918" cy="396918"/>
+          </a:xfrm>
+          <a:prstGeom prst="rect">
+            <a:avLst/>
+          </a:prstGeom>
+        </p:spPr>
+      </p:pic>
+      <p:sp>
+        <p:nvSpPr>
+          <p:cNvPr id="59" name="テキスト ボックス 58"/>
           <p:cNvSpPr txBox="1"/>
           <p:nvPr/>
         </p:nvSpPr>
         <p:spPr>
           <a:xfrm>
-            <a:off x="801189" y="1332411"/>
-            <a:ext cx="9725739" cy="2369880"/>
+            <a:off x="6276007" y="1539296"/>
+            <a:ext cx="3611886" cy="400110"/>
           </a:xfrm>
           <a:prstGeom prst="rect">
             <a:avLst/>
@@ -5911,136 +6852,345 @@
           <a:lstStyle/>
           <a:p>
             <a:r>
-              <a:rPr lang="ja-JP" altLang="en-US" sz="2800" b="1" dirty="0" smtClean="0">
-                <a:latin typeface="メイリオ" panose="020B0604030504040204" pitchFamily="50" charset="-128"/>
-                <a:ea typeface="メイリオ" panose="020B0604030504040204" pitchFamily="50" charset="-128"/>
-              </a:rPr>
-              <a:t>現状</a:t>
-            </a:r>
-            <a:r>
-              <a:rPr lang="ja-JP" altLang="en-US" sz="2800" b="1" dirty="0">
-                <a:latin typeface="メイリオ" panose="020B0604030504040204" pitchFamily="50" charset="-128"/>
-                <a:ea typeface="メイリオ" panose="020B0604030504040204" pitchFamily="50" charset="-128"/>
-              </a:rPr>
-              <a:t>確認</a:t>
-            </a:r>
-            <a:endParaRPr kumimoji="1" lang="en-US" altLang="ja-JP" sz="2800" b="1" dirty="0" smtClean="0">
+              <a:rPr lang="ja-JP" altLang="en-US" sz="2000" b="1" dirty="0" smtClean="0">
+                <a:latin typeface="メイリオ" panose="020B0604030504040204" pitchFamily="50" charset="-128"/>
+                <a:ea typeface="メイリオ" panose="020B0604030504040204" pitchFamily="50" charset="-128"/>
+              </a:rPr>
+              <a:t>プレイヤーキャラクター</a:t>
+            </a:r>
+            <a:r>
+              <a:rPr lang="en-US" altLang="ja-JP" sz="2000" b="1" dirty="0" smtClean="0">
+                <a:latin typeface="メイリオ" panose="020B0604030504040204" pitchFamily="50" charset="-128"/>
+                <a:ea typeface="メイリオ" panose="020B0604030504040204" pitchFamily="50" charset="-128"/>
+              </a:rPr>
+              <a:t>(PC)</a:t>
+            </a:r>
+            <a:endParaRPr lang="en-US" altLang="ja-JP" sz="2400" b="1" dirty="0" smtClean="0">
               <a:latin typeface="メイリオ" panose="020B0604030504040204" pitchFamily="50" charset="-128"/>
               <a:ea typeface="メイリオ" panose="020B0604030504040204" pitchFamily="50" charset="-128"/>
             </a:endParaRPr>
           </a:p>
-          <a:p>
-            <a:endParaRPr kumimoji="1" lang="en-US" altLang="ja-JP" sz="2400" dirty="0" smtClean="0">
+        </p:txBody>
+      </p:sp>
+      <p:pic>
+        <p:nvPicPr>
+          <p:cNvPr id="60" name="図 59"/>
+          <p:cNvPicPr>
+            <a:picLocks noChangeAspect="1"/>
+          </p:cNvPicPr>
+          <p:nvPr/>
+        </p:nvPicPr>
+        <p:blipFill>
+          <a:blip r:embed="rId5" cstate="print">
+            <a:extLst>
+              <a:ext uri="{28A0092B-C50C-407E-A947-70E740481C1C}">
+                <a14:useLocalDpi xmlns:a14="http://schemas.microsoft.com/office/drawing/2010/main" val="0"/>
+              </a:ext>
+            </a:extLst>
+          </a:blip>
+          <a:stretch>
+            <a:fillRect/>
+          </a:stretch>
+        </p:blipFill>
+        <p:spPr>
+          <a:xfrm>
+            <a:off x="5879089" y="2064100"/>
+            <a:ext cx="418011" cy="418011"/>
+          </a:xfrm>
+          <a:prstGeom prst="rect">
+            <a:avLst/>
+          </a:prstGeom>
+        </p:spPr>
+      </p:pic>
+      <p:sp>
+        <p:nvSpPr>
+          <p:cNvPr id="61" name="テキスト ボックス 60"/>
+          <p:cNvSpPr txBox="1"/>
+          <p:nvPr/>
+        </p:nvSpPr>
+        <p:spPr>
+          <a:xfrm>
+            <a:off x="6358864" y="2064100"/>
+            <a:ext cx="954107" cy="400110"/>
+          </a:xfrm>
+          <a:prstGeom prst="rect">
+            <a:avLst/>
+          </a:prstGeom>
+          <a:noFill/>
+        </p:spPr>
+        <p:txBody>
+          <a:bodyPr wrap="none" rtlCol="0">
+            <a:spAutoFit/>
+          </a:bodyPr>
+          <a:lstStyle/>
+          <a:p>
+            <a:r>
+              <a:rPr lang="ja-JP" altLang="en-US" sz="2000" b="1" dirty="0" smtClean="0">
+                <a:latin typeface="メイリオ" panose="020B0604030504040204" pitchFamily="50" charset="-128"/>
+                <a:ea typeface="メイリオ" panose="020B0604030504040204" pitchFamily="50" charset="-128"/>
+              </a:rPr>
+              <a:t>敵</a:t>
+            </a:r>
+            <a:r>
+              <a:rPr lang="ja-JP" altLang="en-US" sz="2000" b="1" dirty="0">
+                <a:latin typeface="メイリオ" panose="020B0604030504040204" pitchFamily="50" charset="-128"/>
+                <a:ea typeface="メイリオ" panose="020B0604030504040204" pitchFamily="50" charset="-128"/>
+              </a:rPr>
+              <a:t>海賊</a:t>
+            </a:r>
+            <a:endParaRPr lang="en-US" altLang="ja-JP" sz="2000" b="1" dirty="0" smtClean="0">
               <a:latin typeface="メイリオ" panose="020B0604030504040204" pitchFamily="50" charset="-128"/>
               <a:ea typeface="メイリオ" panose="020B0604030504040204" pitchFamily="50" charset="-128"/>
             </a:endParaRPr>
           </a:p>
-          <a:p>
-            <a:r>
-              <a:rPr lang="ja-JP" altLang="en-US" sz="2400" dirty="0">
-                <a:latin typeface="メイリオ" panose="020B0604030504040204" pitchFamily="50" charset="-128"/>
-                <a:ea typeface="メイリオ" panose="020B0604030504040204" pitchFamily="50" charset="-128"/>
-              </a:rPr>
-              <a:t>世界観</a:t>
-            </a:r>
-            <a:r>
-              <a:rPr lang="ja-JP" altLang="en-US" sz="2400" dirty="0" smtClean="0">
-                <a:latin typeface="メイリオ" panose="020B0604030504040204" pitchFamily="50" charset="-128"/>
-                <a:ea typeface="メイリオ" panose="020B0604030504040204" pitchFamily="50" charset="-128"/>
-              </a:rPr>
-              <a:t>を</a:t>
-            </a:r>
-            <a:r>
-              <a:rPr lang="ja-JP" altLang="en-US" sz="2400" dirty="0">
-                <a:latin typeface="メイリオ" panose="020B0604030504040204" pitchFamily="50" charset="-128"/>
-                <a:ea typeface="メイリオ" panose="020B0604030504040204" pitchFamily="50" charset="-128"/>
-              </a:rPr>
-              <a:t>描画</a:t>
-            </a:r>
-            <a:r>
-              <a:rPr lang="ja-JP" altLang="en-US" sz="2400" dirty="0" smtClean="0">
-                <a:latin typeface="メイリオ" panose="020B0604030504040204" pitchFamily="50" charset="-128"/>
-                <a:ea typeface="メイリオ" panose="020B0604030504040204" pitchFamily="50" charset="-128"/>
-              </a:rPr>
-              <a:t>したい</a:t>
-            </a:r>
-            <a:endParaRPr kumimoji="1" lang="en-US" altLang="ja-JP" sz="2400" dirty="0" smtClean="0">
+        </p:txBody>
+      </p:sp>
+      <p:sp>
+        <p:nvSpPr>
+          <p:cNvPr id="62" name="テキスト ボックス 61"/>
+          <p:cNvSpPr txBox="1"/>
+          <p:nvPr/>
+        </p:nvSpPr>
+        <p:spPr>
+          <a:xfrm>
+            <a:off x="10695064" y="1539296"/>
+            <a:ext cx="697627" cy="400110"/>
+          </a:xfrm>
+          <a:prstGeom prst="rect">
+            <a:avLst/>
+          </a:prstGeom>
+          <a:noFill/>
+        </p:spPr>
+        <p:txBody>
+          <a:bodyPr wrap="none" rtlCol="0">
+            <a:spAutoFit/>
+          </a:bodyPr>
+          <a:lstStyle/>
+          <a:p>
+            <a:r>
+              <a:rPr lang="ja-JP" altLang="en-US" sz="2000" b="1" dirty="0">
+                <a:latin typeface="メイリオ" panose="020B0604030504040204" pitchFamily="50" charset="-128"/>
+                <a:ea typeface="メイリオ" panose="020B0604030504040204" pitchFamily="50" charset="-128"/>
+              </a:rPr>
+              <a:t>物資</a:t>
+            </a:r>
+            <a:endParaRPr lang="en-US" altLang="ja-JP" sz="2400" b="1" dirty="0" smtClean="0">
               <a:latin typeface="メイリオ" panose="020B0604030504040204" pitchFamily="50" charset="-128"/>
               <a:ea typeface="メイリオ" panose="020B0604030504040204" pitchFamily="50" charset="-128"/>
             </a:endParaRPr>
           </a:p>
-          <a:p>
-            <a:r>
-              <a:rPr lang="ja-JP" altLang="en-US" sz="2400" dirty="0" smtClean="0">
-                <a:latin typeface="メイリオ" panose="020B0604030504040204" pitchFamily="50" charset="-128"/>
-                <a:ea typeface="メイリオ" panose="020B0604030504040204" pitchFamily="50" charset="-128"/>
-              </a:rPr>
-              <a:t>グラフィッカーも制作に加わっているため絵が生かせるゲームにする</a:t>
-            </a:r>
-            <a:endParaRPr lang="en-US" altLang="ja-JP" sz="2400" dirty="0" smtClean="0">
+        </p:txBody>
+      </p:sp>
+      <p:pic>
+        <p:nvPicPr>
+          <p:cNvPr id="63" name="図 62"/>
+          <p:cNvPicPr>
+            <a:picLocks noChangeAspect="1"/>
+          </p:cNvPicPr>
+          <p:nvPr/>
+        </p:nvPicPr>
+        <p:blipFill>
+          <a:blip r:embed="rId6" cstate="print">
+            <a:extLst>
+              <a:ext uri="{28A0092B-C50C-407E-A947-70E740481C1C}">
+                <a14:useLocalDpi xmlns:a14="http://schemas.microsoft.com/office/drawing/2010/main" val="0"/>
+              </a:ext>
+            </a:extLst>
+          </a:blip>
+          <a:stretch>
+            <a:fillRect/>
+          </a:stretch>
+        </p:blipFill>
+        <p:spPr>
+          <a:xfrm>
+            <a:off x="10259859" y="1585463"/>
+            <a:ext cx="307777" cy="307777"/>
+          </a:xfrm>
+          <a:prstGeom prst="rect">
+            <a:avLst/>
+          </a:prstGeom>
+        </p:spPr>
+      </p:pic>
+      <p:pic>
+        <p:nvPicPr>
+          <p:cNvPr id="64" name="図 63"/>
+          <p:cNvPicPr>
+            <a:picLocks noChangeAspect="1"/>
+          </p:cNvPicPr>
+          <p:nvPr/>
+        </p:nvPicPr>
+        <p:blipFill>
+          <a:blip r:embed="rId7" cstate="print">
+            <a:extLst>
+              <a:ext uri="{28A0092B-C50C-407E-A947-70E740481C1C}">
+                <a14:useLocalDpi xmlns:a14="http://schemas.microsoft.com/office/drawing/2010/main" val="0"/>
+              </a:ext>
+            </a:extLst>
+          </a:blip>
+          <a:stretch>
+            <a:fillRect/>
+          </a:stretch>
+        </p:blipFill>
+        <p:spPr>
+          <a:xfrm>
+            <a:off x="10209496" y="2075218"/>
+            <a:ext cx="408501" cy="408501"/>
+          </a:xfrm>
+          <a:prstGeom prst="rect">
+            <a:avLst/>
+          </a:prstGeom>
+        </p:spPr>
+      </p:pic>
+      <p:sp>
+        <p:nvSpPr>
+          <p:cNvPr id="65" name="テキスト ボックス 64"/>
+          <p:cNvSpPr txBox="1"/>
+          <p:nvPr/>
+        </p:nvSpPr>
+        <p:spPr>
+          <a:xfrm>
+            <a:off x="10695064" y="2075218"/>
+            <a:ext cx="1210588" cy="400110"/>
+          </a:xfrm>
+          <a:prstGeom prst="rect">
+            <a:avLst/>
+          </a:prstGeom>
+          <a:noFill/>
+        </p:spPr>
+        <p:txBody>
+          <a:bodyPr wrap="none" rtlCol="0">
+            <a:spAutoFit/>
+          </a:bodyPr>
+          <a:lstStyle/>
+          <a:p>
+            <a:r>
+              <a:rPr lang="ja-JP" altLang="en-US" sz="2000" b="1" dirty="0" smtClean="0">
+                <a:latin typeface="メイリオ" panose="020B0604030504040204" pitchFamily="50" charset="-128"/>
+                <a:ea typeface="メイリオ" panose="020B0604030504040204" pitchFamily="50" charset="-128"/>
+              </a:rPr>
+              <a:t>護衛</a:t>
+            </a:r>
+            <a:r>
+              <a:rPr lang="ja-JP" altLang="en-US" sz="2000" b="1" dirty="0">
+                <a:latin typeface="メイリオ" panose="020B0604030504040204" pitchFamily="50" charset="-128"/>
+                <a:ea typeface="メイリオ" panose="020B0604030504040204" pitchFamily="50" charset="-128"/>
+              </a:rPr>
+              <a:t>対象</a:t>
+            </a:r>
+            <a:endParaRPr lang="en-US" altLang="ja-JP" sz="2400" b="1" dirty="0" smtClean="0">
               <a:latin typeface="メイリオ" panose="020B0604030504040204" pitchFamily="50" charset="-128"/>
               <a:ea typeface="メイリオ" panose="020B0604030504040204" pitchFamily="50" charset="-128"/>
             </a:endParaRPr>
           </a:p>
-          <a:p>
-            <a:r>
-              <a:rPr lang="ja-JP" altLang="en-US" sz="2400" dirty="0" smtClean="0">
-                <a:latin typeface="メイリオ" panose="020B0604030504040204" pitchFamily="50" charset="-128"/>
-                <a:ea typeface="メイリオ" panose="020B0604030504040204" pitchFamily="50" charset="-128"/>
-              </a:rPr>
-              <a:t>シナリオ</a:t>
-            </a:r>
-            <a:r>
-              <a:rPr lang="ja-JP" altLang="en-US" sz="2400" dirty="0">
-                <a:latin typeface="メイリオ" panose="020B0604030504040204" pitchFamily="50" charset="-128"/>
-                <a:ea typeface="メイリオ" panose="020B0604030504040204" pitchFamily="50" charset="-128"/>
-              </a:rPr>
-              <a:t>ライタ</a:t>
-            </a:r>
-            <a:r>
-              <a:rPr lang="ja-JP" altLang="en-US" sz="2400" dirty="0" smtClean="0">
-                <a:latin typeface="メイリオ" panose="020B0604030504040204" pitchFamily="50" charset="-128"/>
-                <a:ea typeface="メイリオ" panose="020B0604030504040204" pitchFamily="50" charset="-128"/>
-              </a:rPr>
-              <a:t>ーがいな</a:t>
-            </a:r>
-            <a:r>
-              <a:rPr lang="ja-JP" altLang="en-US" sz="2400" dirty="0">
-                <a:latin typeface="メイリオ" panose="020B0604030504040204" pitchFamily="50" charset="-128"/>
-                <a:ea typeface="メイリオ" panose="020B0604030504040204" pitchFamily="50" charset="-128"/>
-              </a:rPr>
-              <a:t>い</a:t>
-            </a:r>
-            <a:endParaRPr lang="en-US" altLang="ja-JP" sz="2400" dirty="0" smtClean="0">
+        </p:txBody>
+      </p:sp>
+      <p:sp>
+        <p:nvSpPr>
+          <p:cNvPr id="2" name="テキスト ボックス 1"/>
+          <p:cNvSpPr txBox="1"/>
+          <p:nvPr/>
+        </p:nvSpPr>
+        <p:spPr>
+          <a:xfrm>
+            <a:off x="583936" y="1080818"/>
+            <a:ext cx="4108817" cy="954107"/>
+          </a:xfrm>
+          <a:prstGeom prst="rect">
+            <a:avLst/>
+          </a:prstGeom>
+          <a:noFill/>
+        </p:spPr>
+        <p:txBody>
+          <a:bodyPr wrap="none" rtlCol="0">
+            <a:spAutoFit/>
+          </a:bodyPr>
+          <a:lstStyle/>
+          <a:p>
+            <a:r>
+              <a:rPr lang="ja-JP" altLang="en-US" sz="2000" b="1" dirty="0" smtClean="0">
+                <a:latin typeface="メイリオ" panose="020B0604030504040204" pitchFamily="50" charset="-128"/>
+                <a:ea typeface="メイリオ" panose="020B0604030504040204" pitchFamily="50" charset="-128"/>
+              </a:rPr>
+              <a:t>準備フェーズ</a:t>
+            </a:r>
+            <a:endParaRPr lang="en-US" altLang="ja-JP" sz="2000" b="1" dirty="0" smtClean="0">
               <a:latin typeface="メイリオ" panose="020B0604030504040204" pitchFamily="50" charset="-128"/>
               <a:ea typeface="メイリオ" panose="020B0604030504040204" pitchFamily="50" charset="-128"/>
             </a:endParaRPr>
           </a:p>
           <a:p>
             <a:r>
-              <a:rPr kumimoji="1" lang="ja-JP" altLang="en-US" sz="2400" dirty="0" smtClean="0">
-                <a:latin typeface="メイリオ" panose="020B0604030504040204" pitchFamily="50" charset="-128"/>
-                <a:ea typeface="メイリオ" panose="020B0604030504040204" pitchFamily="50" charset="-128"/>
-              </a:rPr>
-              <a:t>→イラストで世界観の描画をする</a:t>
-            </a:r>
-            <a:endParaRPr kumimoji="1" lang="en-US" altLang="ja-JP" sz="2400" dirty="0" smtClean="0">
+              <a:rPr kumimoji="1" lang="ja-JP" altLang="en-US" dirty="0" smtClean="0">
+                <a:latin typeface="メイリオ" panose="020B0604030504040204" pitchFamily="50" charset="-128"/>
+                <a:ea typeface="メイリオ" panose="020B0604030504040204" pitchFamily="50" charset="-128"/>
+              </a:rPr>
+              <a:t>　</a:t>
+            </a:r>
+            <a:r>
+              <a:rPr kumimoji="1" lang="en-US" altLang="ja-JP" dirty="0" smtClean="0">
+                <a:latin typeface="メイリオ" panose="020B0604030504040204" pitchFamily="50" charset="-128"/>
+                <a:ea typeface="メイリオ" panose="020B0604030504040204" pitchFamily="50" charset="-128"/>
+              </a:rPr>
+              <a:t>PC</a:t>
+            </a:r>
+            <a:r>
+              <a:rPr kumimoji="1" lang="ja-JP" altLang="en-US" dirty="0" smtClean="0">
+                <a:latin typeface="メイリオ" panose="020B0604030504040204" pitchFamily="50" charset="-128"/>
+                <a:ea typeface="メイリオ" panose="020B0604030504040204" pitchFamily="50" charset="-128"/>
+              </a:rPr>
+              <a:t>を部屋に配置する時間</a:t>
+            </a:r>
+            <a:endParaRPr kumimoji="1" lang="en-US" altLang="ja-JP" dirty="0" smtClean="0">
               <a:latin typeface="メイリオ" panose="020B0604030504040204" pitchFamily="50" charset="-128"/>
               <a:ea typeface="メイリオ" panose="020B0604030504040204" pitchFamily="50" charset="-128"/>
             </a:endParaRPr>
           </a:p>
-        </p:txBody>
-      </p:sp>
-      <p:sp>
-        <p:nvSpPr>
-          <p:cNvPr id="4" name="テキスト ボックス 3"/>
+          <a:p>
+            <a:r>
+              <a:rPr lang="ja-JP" altLang="en-US" dirty="0">
+                <a:latin typeface="メイリオ" panose="020B0604030504040204" pitchFamily="50" charset="-128"/>
+                <a:ea typeface="メイリオ" panose="020B0604030504040204" pitchFamily="50" charset="-128"/>
+              </a:rPr>
+              <a:t>　</a:t>
+            </a:r>
+            <a:r>
+              <a:rPr lang="ja-JP" altLang="en-US" dirty="0" smtClean="0">
+                <a:latin typeface="メイリオ" panose="020B0604030504040204" pitchFamily="50" charset="-128"/>
+                <a:ea typeface="メイリオ" panose="020B0604030504040204" pitchFamily="50" charset="-128"/>
+              </a:rPr>
+              <a:t>一定時間経過すると</a:t>
+            </a:r>
+            <a:r>
+              <a:rPr lang="ja-JP" altLang="en-US" dirty="0">
+                <a:latin typeface="メイリオ" panose="020B0604030504040204" pitchFamily="50" charset="-128"/>
+                <a:ea typeface="メイリオ" panose="020B0604030504040204" pitchFamily="50" charset="-128"/>
+              </a:rPr>
+              <a:t>戦闘</a:t>
+            </a:r>
+            <a:r>
+              <a:rPr lang="ja-JP" altLang="en-US" dirty="0" smtClean="0">
+                <a:latin typeface="メイリオ" panose="020B0604030504040204" pitchFamily="50" charset="-128"/>
+                <a:ea typeface="メイリオ" panose="020B0604030504040204" pitchFamily="50" charset="-128"/>
+              </a:rPr>
+              <a:t>に移行する</a:t>
+            </a:r>
+            <a:endParaRPr kumimoji="1" lang="en-US" altLang="ja-JP" dirty="0">
+              <a:latin typeface="メイリオ" panose="020B0604030504040204" pitchFamily="50" charset="-128"/>
+              <a:ea typeface="メイリオ" panose="020B0604030504040204" pitchFamily="50" charset="-128"/>
+            </a:endParaRPr>
+          </a:p>
+        </p:txBody>
+      </p:sp>
+      <p:sp>
+        <p:nvSpPr>
+          <p:cNvPr id="3" name="テキスト ボックス 2"/>
           <p:cNvSpPr txBox="1"/>
           <p:nvPr/>
         </p:nvSpPr>
         <p:spPr>
           <a:xfrm>
-            <a:off x="801189" y="3964900"/>
-            <a:ext cx="7880684" cy="1200329"/>
+            <a:off x="549212" y="2623262"/>
+            <a:ext cx="4570482" cy="2062103"/>
           </a:xfrm>
           <a:prstGeom prst="rect">
             <a:avLst/>
@@ -6054,76 +7204,261 @@
           <a:lstStyle/>
           <a:p>
             <a:r>
-              <a:rPr lang="en-US" altLang="ja-JP" sz="2400" dirty="0" smtClean="0">
-                <a:latin typeface="メイリオ" panose="020B0604030504040204" pitchFamily="50" charset="-128"/>
-                <a:ea typeface="メイリオ" panose="020B0604030504040204" pitchFamily="50" charset="-128"/>
-              </a:rPr>
-              <a:t>RPG</a:t>
-            </a:r>
-            <a:r>
-              <a:rPr lang="ja-JP" altLang="en-US" sz="2400" dirty="0" smtClean="0">
-                <a:latin typeface="メイリオ" panose="020B0604030504040204" pitchFamily="50" charset="-128"/>
-                <a:ea typeface="メイリオ" panose="020B0604030504040204" pitchFamily="50" charset="-128"/>
-              </a:rPr>
-              <a:t>や対人ゲームはゲームバランス調整に時間がかかる</a:t>
-            </a:r>
-            <a:endParaRPr lang="en-US" altLang="ja-JP" sz="2400" dirty="0" smtClean="0">
+              <a:rPr lang="ja-JP" altLang="en-US" sz="2000" b="1" dirty="0">
+                <a:latin typeface="メイリオ" panose="020B0604030504040204" pitchFamily="50" charset="-128"/>
+                <a:ea typeface="メイリオ" panose="020B0604030504040204" pitchFamily="50" charset="-128"/>
+              </a:rPr>
+              <a:t>戦闘</a:t>
+            </a:r>
+            <a:endParaRPr lang="en-US" altLang="ja-JP" sz="2000" b="1" dirty="0">
               <a:latin typeface="メイリオ" panose="020B0604030504040204" pitchFamily="50" charset="-128"/>
               <a:ea typeface="メイリオ" panose="020B0604030504040204" pitchFamily="50" charset="-128"/>
             </a:endParaRPr>
           </a:p>
           <a:p>
             <a:r>
-              <a:rPr kumimoji="1" lang="ja-JP" altLang="en-US" sz="2400" dirty="0" smtClean="0">
-                <a:latin typeface="メイリオ" panose="020B0604030504040204" pitchFamily="50" charset="-128"/>
-                <a:ea typeface="メイリオ" panose="020B0604030504040204" pitchFamily="50" charset="-128"/>
-              </a:rPr>
-              <a:t>配布する可能性がある</a:t>
-            </a:r>
-            <a:endParaRPr kumimoji="1" lang="en-US" altLang="ja-JP" sz="2400" dirty="0" smtClean="0">
+              <a:rPr lang="ja-JP" altLang="en-US" dirty="0">
+                <a:latin typeface="メイリオ" panose="020B0604030504040204" pitchFamily="50" charset="-128"/>
+                <a:ea typeface="メイリオ" panose="020B0604030504040204" pitchFamily="50" charset="-128"/>
+              </a:rPr>
+              <a:t>　</a:t>
+            </a:r>
+            <a:r>
+              <a:rPr lang="en-US" altLang="ja-JP" dirty="0" smtClean="0">
+                <a:latin typeface="メイリオ" panose="020B0604030504040204" pitchFamily="50" charset="-128"/>
+                <a:ea typeface="メイリオ" panose="020B0604030504040204" pitchFamily="50" charset="-128"/>
+              </a:rPr>
+              <a:t>PC</a:t>
+            </a:r>
+            <a:r>
+              <a:rPr lang="ja-JP" altLang="en-US" dirty="0" smtClean="0">
+                <a:latin typeface="メイリオ" panose="020B0604030504040204" pitchFamily="50" charset="-128"/>
+                <a:ea typeface="メイリオ" panose="020B0604030504040204" pitchFamily="50" charset="-128"/>
+              </a:rPr>
+              <a:t>が</a:t>
+            </a:r>
+            <a:r>
+              <a:rPr lang="ja-JP" altLang="en-US" dirty="0">
+                <a:latin typeface="メイリオ" panose="020B0604030504040204" pitchFamily="50" charset="-128"/>
+                <a:ea typeface="メイリオ" panose="020B0604030504040204" pitchFamily="50" charset="-128"/>
+              </a:rPr>
+              <a:t>敵を</a:t>
+            </a:r>
+            <a:r>
+              <a:rPr lang="ja-JP" altLang="en-US" dirty="0" smtClean="0">
+                <a:latin typeface="メイリオ" panose="020B0604030504040204" pitchFamily="50" charset="-128"/>
+                <a:ea typeface="メイリオ" panose="020B0604030504040204" pitchFamily="50" charset="-128"/>
+              </a:rPr>
+              <a:t>迎撃</a:t>
+            </a:r>
+            <a:r>
+              <a:rPr lang="ja-JP" altLang="en-US" dirty="0">
+                <a:latin typeface="メイリオ" panose="020B0604030504040204" pitchFamily="50" charset="-128"/>
+                <a:ea typeface="メイリオ" panose="020B0604030504040204" pitchFamily="50" charset="-128"/>
+              </a:rPr>
+              <a:t>する時間</a:t>
+            </a:r>
+            <a:endParaRPr lang="en-US" altLang="ja-JP" dirty="0">
               <a:latin typeface="メイリオ" panose="020B0604030504040204" pitchFamily="50" charset="-128"/>
               <a:ea typeface="メイリオ" panose="020B0604030504040204" pitchFamily="50" charset="-128"/>
             </a:endParaRPr>
           </a:p>
           <a:p>
             <a:r>
-              <a:rPr kumimoji="1" lang="ja-JP" altLang="en-US" sz="2400" dirty="0" smtClean="0">
-                <a:latin typeface="メイリオ" panose="020B0604030504040204" pitchFamily="50" charset="-128"/>
-                <a:ea typeface="メイリオ" panose="020B0604030504040204" pitchFamily="50" charset="-128"/>
-              </a:rPr>
-              <a:t>→</a:t>
-            </a:r>
-            <a:r>
-              <a:rPr kumimoji="1" lang="en-US" altLang="ja-JP" sz="2400" dirty="0" err="1" smtClean="0">
-                <a:latin typeface="メイリオ" panose="020B0604030504040204" pitchFamily="50" charset="-128"/>
-                <a:ea typeface="メイリオ" panose="020B0604030504040204" pitchFamily="50" charset="-128"/>
-              </a:rPr>
-              <a:t>PvsCOM</a:t>
-            </a:r>
-            <a:r>
-              <a:rPr kumimoji="1" lang="ja-JP" altLang="en-US" sz="2400" dirty="0" smtClean="0">
-                <a:latin typeface="メイリオ" panose="020B0604030504040204" pitchFamily="50" charset="-128"/>
-                <a:ea typeface="メイリオ" panose="020B0604030504040204" pitchFamily="50" charset="-128"/>
-              </a:rPr>
-              <a:t>のゲーム</a:t>
-            </a:r>
-            <a:endParaRPr kumimoji="1" lang="en-US" altLang="ja-JP" sz="2400" dirty="0" smtClean="0">
+              <a:rPr lang="ja-JP" altLang="en-US" dirty="0">
+                <a:latin typeface="メイリオ" panose="020B0604030504040204" pitchFamily="50" charset="-128"/>
+                <a:ea typeface="メイリオ" panose="020B0604030504040204" pitchFamily="50" charset="-128"/>
+              </a:rPr>
+              <a:t>　護衛対象や物資を奪われないようにする</a:t>
+            </a:r>
+            <a:endParaRPr lang="en-US" altLang="ja-JP" dirty="0">
               <a:latin typeface="メイリオ" panose="020B0604030504040204" pitchFamily="50" charset="-128"/>
               <a:ea typeface="メイリオ" panose="020B0604030504040204" pitchFamily="50" charset="-128"/>
             </a:endParaRPr>
           </a:p>
-        </p:txBody>
-      </p:sp>
-      <p:sp>
-        <p:nvSpPr>
-          <p:cNvPr id="5" name="テキスト ボックス 4"/>
+          <a:p>
+            <a:r>
+              <a:rPr lang="ja-JP" altLang="en-US" dirty="0">
+                <a:latin typeface="メイリオ" panose="020B0604030504040204" pitchFamily="50" charset="-128"/>
+                <a:ea typeface="メイリオ" panose="020B0604030504040204" pitchFamily="50" charset="-128"/>
+              </a:rPr>
+              <a:t>　</a:t>
+            </a:r>
+            <a:r>
+              <a:rPr lang="ja-JP" altLang="en-US" dirty="0" smtClean="0">
+                <a:latin typeface="メイリオ" panose="020B0604030504040204" pitchFamily="50" charset="-128"/>
+                <a:ea typeface="メイリオ" panose="020B0604030504040204" pitchFamily="50" charset="-128"/>
+              </a:rPr>
+              <a:t>プレイヤーは</a:t>
+            </a:r>
+            <a:r>
+              <a:rPr lang="ja-JP" altLang="en-US" dirty="0">
+                <a:latin typeface="メイリオ" panose="020B0604030504040204" pitchFamily="50" charset="-128"/>
+                <a:ea typeface="メイリオ" panose="020B0604030504040204" pitchFamily="50" charset="-128"/>
+              </a:rPr>
+              <a:t>アイテムを使用したり</a:t>
+            </a:r>
+            <a:endParaRPr lang="en-US" altLang="ja-JP" dirty="0">
+              <a:latin typeface="メイリオ" panose="020B0604030504040204" pitchFamily="50" charset="-128"/>
+              <a:ea typeface="メイリオ" panose="020B0604030504040204" pitchFamily="50" charset="-128"/>
+            </a:endParaRPr>
+          </a:p>
+          <a:p>
+            <a:r>
+              <a:rPr lang="ja-JP" altLang="en-US" dirty="0">
+                <a:latin typeface="メイリオ" panose="020B0604030504040204" pitchFamily="50" charset="-128"/>
+                <a:ea typeface="メイリオ" panose="020B0604030504040204" pitchFamily="50" charset="-128"/>
+              </a:rPr>
+              <a:t>　</a:t>
+            </a:r>
+            <a:r>
+              <a:rPr lang="en-US" altLang="ja-JP" dirty="0">
+                <a:latin typeface="メイリオ" panose="020B0604030504040204" pitchFamily="50" charset="-128"/>
+                <a:ea typeface="メイリオ" panose="020B0604030504040204" pitchFamily="50" charset="-128"/>
+              </a:rPr>
+              <a:t>PC</a:t>
+            </a:r>
+            <a:r>
+              <a:rPr lang="ja-JP" altLang="en-US" dirty="0">
+                <a:latin typeface="メイリオ" panose="020B0604030504040204" pitchFamily="50" charset="-128"/>
+                <a:ea typeface="メイリオ" panose="020B0604030504040204" pitchFamily="50" charset="-128"/>
+              </a:rPr>
+              <a:t>に部屋を移動させる命令を</a:t>
+            </a:r>
+            <a:r>
+              <a:rPr lang="ja-JP" altLang="en-US" dirty="0" smtClean="0">
+                <a:latin typeface="メイリオ" panose="020B0604030504040204" pitchFamily="50" charset="-128"/>
+                <a:ea typeface="メイリオ" panose="020B0604030504040204" pitchFamily="50" charset="-128"/>
+              </a:rPr>
+              <a:t>だす</a:t>
+            </a:r>
+            <a:endParaRPr lang="en-US" altLang="ja-JP" dirty="0" smtClean="0">
+              <a:latin typeface="メイリオ" panose="020B0604030504040204" pitchFamily="50" charset="-128"/>
+              <a:ea typeface="メイリオ" panose="020B0604030504040204" pitchFamily="50" charset="-128"/>
+            </a:endParaRPr>
+          </a:p>
+          <a:p>
+            <a:r>
+              <a:rPr lang="ja-JP" altLang="en-US" dirty="0">
+                <a:latin typeface="メイリオ" panose="020B0604030504040204" pitchFamily="50" charset="-128"/>
+                <a:ea typeface="メイリオ" panose="020B0604030504040204" pitchFamily="50" charset="-128"/>
+              </a:rPr>
+              <a:t>　</a:t>
+            </a:r>
+            <a:r>
+              <a:rPr lang="ja-JP" altLang="en-US" dirty="0" smtClean="0">
+                <a:latin typeface="メイリオ" panose="020B0604030504040204" pitchFamily="50" charset="-128"/>
+                <a:ea typeface="メイリオ" panose="020B0604030504040204" pitchFamily="50" charset="-128"/>
+              </a:rPr>
+              <a:t>敵を全滅させるか一定時間守り続けると</a:t>
+            </a:r>
+            <a:endParaRPr lang="en-US" altLang="ja-JP" dirty="0" smtClean="0">
+              <a:latin typeface="メイリオ" panose="020B0604030504040204" pitchFamily="50" charset="-128"/>
+              <a:ea typeface="メイリオ" panose="020B0604030504040204" pitchFamily="50" charset="-128"/>
+            </a:endParaRPr>
+          </a:p>
+          <a:p>
+            <a:r>
+              <a:rPr lang="ja-JP" altLang="en-US" dirty="0">
+                <a:latin typeface="メイリオ" panose="020B0604030504040204" pitchFamily="50" charset="-128"/>
+                <a:ea typeface="メイリオ" panose="020B0604030504040204" pitchFamily="50" charset="-128"/>
+              </a:rPr>
+              <a:t>　</a:t>
+            </a:r>
+            <a:r>
+              <a:rPr lang="ja-JP" altLang="en-US" dirty="0" smtClean="0">
+                <a:latin typeface="メイリオ" panose="020B0604030504040204" pitchFamily="50" charset="-128"/>
+                <a:ea typeface="メイリオ" panose="020B0604030504040204" pitchFamily="50" charset="-128"/>
+              </a:rPr>
+              <a:t>リザルトに移行する</a:t>
+            </a:r>
+            <a:endParaRPr lang="en-US" altLang="ja-JP" dirty="0">
+              <a:latin typeface="メイリオ" panose="020B0604030504040204" pitchFamily="50" charset="-128"/>
+              <a:ea typeface="メイリオ" panose="020B0604030504040204" pitchFamily="50" charset="-128"/>
+            </a:endParaRPr>
+          </a:p>
+        </p:txBody>
+      </p:sp>
+      <p:cxnSp>
+        <p:nvCxnSpPr>
+          <p:cNvPr id="8" name="直線コネクタ 7"/>
+          <p:cNvCxnSpPr/>
+          <p:nvPr/>
+        </p:nvCxnSpPr>
+        <p:spPr>
+          <a:xfrm>
+            <a:off x="620007" y="1388595"/>
+            <a:ext cx="1576251" cy="0"/>
+          </a:xfrm>
+          <a:prstGeom prst="line">
+            <a:avLst/>
+          </a:prstGeom>
+          <a:ln w="28575">
+            <a:solidFill>
+              <a:srgbClr val="FFC000"/>
+            </a:solidFill>
+          </a:ln>
+        </p:spPr>
+        <p:style>
+          <a:lnRef idx="1">
+            <a:schemeClr val="accent1"/>
+          </a:lnRef>
+          <a:fillRef idx="0">
+            <a:schemeClr val="accent1"/>
+          </a:fillRef>
+          <a:effectRef idx="0">
+            <a:schemeClr val="accent1"/>
+          </a:effectRef>
+          <a:fontRef idx="minor">
+            <a:schemeClr val="tx1"/>
+          </a:fontRef>
+        </p:style>
+      </p:cxnSp>
+      <p:cxnSp>
+        <p:nvCxnSpPr>
+          <p:cNvPr id="18" name="直線コネクタ 17"/>
+          <p:cNvCxnSpPr/>
+          <p:nvPr/>
+        </p:nvCxnSpPr>
+        <p:spPr>
+          <a:xfrm>
+            <a:off x="616260" y="2910953"/>
+            <a:ext cx="567271" cy="0"/>
+          </a:xfrm>
+          <a:prstGeom prst="line">
+            <a:avLst/>
+          </a:prstGeom>
+          <a:ln w="28575">
+            <a:solidFill>
+              <a:srgbClr val="FF0000"/>
+            </a:solidFill>
+          </a:ln>
+        </p:spPr>
+        <p:style>
+          <a:lnRef idx="1">
+            <a:schemeClr val="accent1"/>
+          </a:lnRef>
+          <a:fillRef idx="0">
+            <a:schemeClr val="accent1"/>
+          </a:fillRef>
+          <a:effectRef idx="0">
+            <a:schemeClr val="accent1"/>
+          </a:effectRef>
+          <a:fontRef idx="minor">
+            <a:schemeClr val="tx1"/>
+          </a:fontRef>
+        </p:style>
+      </p:cxnSp>
+      <p:sp>
+        <p:nvSpPr>
+          <p:cNvPr id="20" name="テキスト ボックス 19"/>
           <p:cNvSpPr txBox="1"/>
           <p:nvPr/>
         </p:nvSpPr>
         <p:spPr>
           <a:xfrm>
-            <a:off x="801189" y="5713375"/>
-            <a:ext cx="3262432" cy="461665"/>
+            <a:off x="549212" y="5079768"/>
+            <a:ext cx="4339650" cy="1785104"/>
           </a:xfrm>
           <a:prstGeom prst="rect">
             <a:avLst/>
@@ -6137,161 +7472,248 @@
           <a:lstStyle/>
           <a:p>
             <a:r>
-              <a:rPr kumimoji="1" lang="ja-JP" altLang="en-US" sz="2400" dirty="0" smtClean="0">
-                <a:latin typeface="メイリオ" panose="020B0604030504040204" pitchFamily="50" charset="-128"/>
-                <a:ea typeface="メイリオ" panose="020B0604030504040204" pitchFamily="50" charset="-128"/>
-              </a:rPr>
-              <a:t>学園祭に間に合わせる</a:t>
-            </a:r>
-            <a:endParaRPr kumimoji="1" lang="ja-JP" altLang="en-US" sz="2400" dirty="0">
+              <a:rPr lang="ja-JP" altLang="en-US" sz="2000" b="1" dirty="0">
+                <a:latin typeface="メイリオ" panose="020B0604030504040204" pitchFamily="50" charset="-128"/>
+                <a:ea typeface="メイリオ" panose="020B0604030504040204" pitchFamily="50" charset="-128"/>
+              </a:rPr>
+              <a:t>リザルト</a:t>
+            </a:r>
+            <a:endParaRPr lang="en-US" altLang="ja-JP" sz="2000" b="1" dirty="0">
               <a:latin typeface="メイリオ" panose="020B0604030504040204" pitchFamily="50" charset="-128"/>
               <a:ea typeface="メイリオ" panose="020B0604030504040204" pitchFamily="50" charset="-128"/>
             </a:endParaRPr>
           </a:p>
-        </p:txBody>
-      </p:sp>
-      <p:sp>
-        <p:nvSpPr>
-          <p:cNvPr id="10" name="正方形/長方形 9"/>
-          <p:cNvSpPr/>
-          <p:nvPr/>
-        </p:nvSpPr>
-        <p:spPr>
-          <a:xfrm>
-            <a:off x="3487" y="6723185"/>
-            <a:ext cx="12192000" cy="150461"/>
-          </a:xfrm>
-          <a:prstGeom prst="rect">
-            <a:avLst/>
-          </a:prstGeom>
-          <a:solidFill>
-            <a:srgbClr val="E25B00"/>
-          </a:solidFill>
-          <a:ln>
-            <a:noFill/>
+          <a:p>
+            <a:r>
+              <a:rPr lang="ja-JP" altLang="en-US" dirty="0">
+                <a:latin typeface="メイリオ" panose="020B0604030504040204" pitchFamily="50" charset="-128"/>
+                <a:ea typeface="メイリオ" panose="020B0604030504040204" pitchFamily="50" charset="-128"/>
+              </a:rPr>
+              <a:t>　報酬</a:t>
+            </a:r>
+            <a:r>
+              <a:rPr lang="ja-JP" altLang="en-US" dirty="0" smtClean="0">
+                <a:latin typeface="メイリオ" panose="020B0604030504040204" pitchFamily="50" charset="-128"/>
+                <a:ea typeface="メイリオ" panose="020B0604030504040204" pitchFamily="50" charset="-128"/>
+              </a:rPr>
+              <a:t>を受け取る時間</a:t>
+            </a:r>
+            <a:endParaRPr lang="en-US" altLang="ja-JP" dirty="0" smtClean="0">
+              <a:latin typeface="メイリオ" panose="020B0604030504040204" pitchFamily="50" charset="-128"/>
+              <a:ea typeface="メイリオ" panose="020B0604030504040204" pitchFamily="50" charset="-128"/>
+            </a:endParaRPr>
+          </a:p>
+          <a:p>
+            <a:r>
+              <a:rPr lang="ja-JP" altLang="en-US" dirty="0">
+                <a:latin typeface="メイリオ" panose="020B0604030504040204" pitchFamily="50" charset="-128"/>
+                <a:ea typeface="メイリオ" panose="020B0604030504040204" pitchFamily="50" charset="-128"/>
+              </a:rPr>
+              <a:t>　</a:t>
+            </a:r>
+            <a:r>
+              <a:rPr lang="ja-JP" altLang="en-US" dirty="0" smtClean="0">
+                <a:latin typeface="メイリオ" panose="020B0604030504040204" pitchFamily="50" charset="-128"/>
+                <a:ea typeface="メイリオ" panose="020B0604030504040204" pitchFamily="50" charset="-128"/>
+              </a:rPr>
+              <a:t>敵を倒すほど報酬が増え、</a:t>
+            </a:r>
+            <a:endParaRPr lang="en-US" altLang="ja-JP" dirty="0" smtClean="0">
+              <a:latin typeface="メイリオ" panose="020B0604030504040204" pitchFamily="50" charset="-128"/>
+              <a:ea typeface="メイリオ" panose="020B0604030504040204" pitchFamily="50" charset="-128"/>
+            </a:endParaRPr>
+          </a:p>
+          <a:p>
+            <a:r>
+              <a:rPr lang="ja-JP" altLang="en-US" dirty="0">
+                <a:latin typeface="メイリオ" panose="020B0604030504040204" pitchFamily="50" charset="-128"/>
+                <a:ea typeface="メイリオ" panose="020B0604030504040204" pitchFamily="50" charset="-128"/>
+              </a:rPr>
+              <a:t>　</a:t>
+            </a:r>
+            <a:r>
+              <a:rPr lang="ja-JP" altLang="en-US" dirty="0" smtClean="0">
+                <a:latin typeface="メイリオ" panose="020B0604030504040204" pitchFamily="50" charset="-128"/>
+                <a:ea typeface="メイリオ" panose="020B0604030504040204" pitchFamily="50" charset="-128"/>
+              </a:rPr>
+              <a:t>アイテムの使うほど減る</a:t>
+            </a:r>
+            <a:endParaRPr lang="en-US" altLang="ja-JP" dirty="0" smtClean="0">
+              <a:latin typeface="メイリオ" panose="020B0604030504040204" pitchFamily="50" charset="-128"/>
+              <a:ea typeface="メイリオ" panose="020B0604030504040204" pitchFamily="50" charset="-128"/>
+            </a:endParaRPr>
+          </a:p>
+          <a:p>
+            <a:r>
+              <a:rPr lang="ja-JP" altLang="en-US" dirty="0">
+                <a:latin typeface="メイリオ" panose="020B0604030504040204" pitchFamily="50" charset="-128"/>
+                <a:ea typeface="メイリオ" panose="020B0604030504040204" pitchFamily="50" charset="-128"/>
+              </a:rPr>
+              <a:t>　</a:t>
+            </a:r>
+            <a:r>
+              <a:rPr lang="ja-JP" altLang="en-US" dirty="0" smtClean="0">
+                <a:latin typeface="メイリオ" panose="020B0604030504040204" pitchFamily="50" charset="-128"/>
+                <a:ea typeface="メイリオ" panose="020B0604030504040204" pitchFamily="50" charset="-128"/>
+              </a:rPr>
+              <a:t>報酬を受け取ったあとは次の日に進む</a:t>
+            </a:r>
+            <a:endParaRPr lang="en-US" altLang="ja-JP" dirty="0" smtClean="0">
+              <a:latin typeface="メイリオ" panose="020B0604030504040204" pitchFamily="50" charset="-128"/>
+              <a:ea typeface="メイリオ" panose="020B0604030504040204" pitchFamily="50" charset="-128"/>
+            </a:endParaRPr>
+          </a:p>
+          <a:p>
+            <a:r>
+              <a:rPr lang="ja-JP" altLang="en-US" dirty="0">
+                <a:latin typeface="メイリオ" panose="020B0604030504040204" pitchFamily="50" charset="-128"/>
+                <a:ea typeface="メイリオ" panose="020B0604030504040204" pitchFamily="50" charset="-128"/>
+              </a:rPr>
+              <a:t>　</a:t>
+            </a:r>
+            <a:r>
+              <a:rPr lang="ja-JP" altLang="en-US" dirty="0" smtClean="0">
+                <a:latin typeface="メイリオ" panose="020B0604030504040204" pitchFamily="50" charset="-128"/>
+                <a:ea typeface="メイリオ" panose="020B0604030504040204" pitchFamily="50" charset="-128"/>
+              </a:rPr>
+              <a:t>一定日数経つとクリア</a:t>
+            </a:r>
+            <a:endParaRPr lang="en-US" altLang="ja-JP" dirty="0">
+              <a:latin typeface="メイリオ" panose="020B0604030504040204" pitchFamily="50" charset="-128"/>
+              <a:ea typeface="メイリオ" panose="020B0604030504040204" pitchFamily="50" charset="-128"/>
+            </a:endParaRPr>
+          </a:p>
+        </p:txBody>
+      </p:sp>
+      <p:cxnSp>
+        <p:nvCxnSpPr>
+          <p:cNvPr id="21" name="直線コネクタ 20"/>
+          <p:cNvCxnSpPr/>
+          <p:nvPr/>
+        </p:nvCxnSpPr>
+        <p:spPr>
+          <a:xfrm>
+            <a:off x="633865" y="5370689"/>
+            <a:ext cx="1002320" cy="0"/>
+          </a:xfrm>
+          <a:prstGeom prst="line">
+            <a:avLst/>
+          </a:prstGeom>
+          <a:ln w="28575">
+            <a:solidFill>
+              <a:srgbClr val="33CC33"/>
+            </a:solidFill>
           </a:ln>
         </p:spPr>
         <p:style>
-          <a:lnRef idx="2">
-            <a:schemeClr val="accent1">
-              <a:shade val="50000"/>
-            </a:schemeClr>
+          <a:lnRef idx="1">
+            <a:schemeClr val="accent1"/>
           </a:lnRef>
-          <a:fillRef idx="1">
+          <a:fillRef idx="0">
             <a:schemeClr val="accent1"/>
           </a:fillRef>
           <a:effectRef idx="0">
             <a:schemeClr val="accent1"/>
           </a:effectRef>
           <a:fontRef idx="minor">
-            <a:schemeClr val="lt1"/>
+            <a:schemeClr val="tx1"/>
           </a:fontRef>
         </p:style>
-        <p:txBody>
-          <a:bodyPr rtlCol="0" anchor="ctr"/>
-          <a:lstStyle/>
-          <a:p>
-            <a:pPr algn="ctr"/>
-            <a:endParaRPr kumimoji="1" lang="ja-JP" altLang="en-US"/>
-          </a:p>
-        </p:txBody>
-      </p:sp>
-      <p:sp>
-        <p:nvSpPr>
-          <p:cNvPr id="11" name="二等辺三角形 10"/>
-          <p:cNvSpPr/>
-          <p:nvPr/>
-        </p:nvSpPr>
-        <p:spPr>
-          <a:xfrm>
-            <a:off x="10023222" y="6487600"/>
-            <a:ext cx="512415" cy="244294"/>
-          </a:xfrm>
-          <a:prstGeom prst="triangle">
-            <a:avLst/>
-          </a:prstGeom>
-          <a:solidFill>
-            <a:srgbClr val="E25B00"/>
-          </a:solidFill>
-          <a:ln>
-            <a:noFill/>
-          </a:ln>
-        </p:spPr>
-        <p:style>
-          <a:lnRef idx="2">
-            <a:schemeClr val="accent1">
-              <a:shade val="50000"/>
-            </a:schemeClr>
-          </a:lnRef>
-          <a:fillRef idx="1">
-            <a:schemeClr val="accent1"/>
-          </a:fillRef>
-          <a:effectRef idx="0">
-            <a:schemeClr val="accent1"/>
-          </a:effectRef>
-          <a:fontRef idx="minor">
-            <a:schemeClr val="lt1"/>
-          </a:fontRef>
-        </p:style>
-        <p:txBody>
-          <a:bodyPr rtlCol="0" anchor="ctr"/>
-          <a:lstStyle/>
-          <a:p>
-            <a:pPr algn="ctr"/>
-            <a:endParaRPr kumimoji="1" lang="ja-JP" altLang="en-US"/>
-          </a:p>
-        </p:txBody>
-      </p:sp>
-      <p:sp>
-        <p:nvSpPr>
-          <p:cNvPr id="12" name="正方形/長方形 11"/>
-          <p:cNvSpPr/>
-          <p:nvPr/>
-        </p:nvSpPr>
-        <p:spPr>
-          <a:xfrm>
-            <a:off x="10284823" y="6487885"/>
-            <a:ext cx="1907177" cy="231193"/>
-          </a:xfrm>
-          <a:prstGeom prst="rect">
-            <a:avLst/>
-          </a:prstGeom>
-          <a:solidFill>
-            <a:srgbClr val="E25B00"/>
-          </a:solidFill>
-          <a:ln>
-            <a:noFill/>
-          </a:ln>
-        </p:spPr>
-        <p:style>
-          <a:lnRef idx="2">
-            <a:schemeClr val="accent1">
-              <a:shade val="50000"/>
-            </a:schemeClr>
-          </a:lnRef>
-          <a:fillRef idx="1">
-            <a:schemeClr val="accent1"/>
-          </a:fillRef>
-          <a:effectRef idx="0">
-            <a:schemeClr val="accent1"/>
-          </a:effectRef>
-          <a:fontRef idx="minor">
-            <a:schemeClr val="lt1"/>
-          </a:fontRef>
-        </p:style>
-        <p:txBody>
-          <a:bodyPr rtlCol="0" anchor="ctr"/>
-          <a:lstStyle/>
-          <a:p>
-            <a:pPr algn="ctr"/>
-            <a:endParaRPr kumimoji="1" lang="ja-JP" altLang="en-US"/>
-          </a:p>
-        </p:txBody>
-      </p:sp>
+      </p:cxnSp>
+      <p:pic>
+        <p:nvPicPr>
+          <p:cNvPr id="26" name="図 25"/>
+          <p:cNvPicPr>
+            <a:picLocks noChangeAspect="1"/>
+          </p:cNvPicPr>
+          <p:nvPr/>
+        </p:nvPicPr>
+        <p:blipFill>
+          <a:blip r:embed="rId4" cstate="print">
+            <a:extLst>
+              <a:ext uri="{28A0092B-C50C-407E-A947-70E740481C1C}">
+                <a14:useLocalDpi xmlns:a14="http://schemas.microsoft.com/office/drawing/2010/main" val="0"/>
+              </a:ext>
+            </a:extLst>
+          </a:blip>
+          <a:stretch>
+            <a:fillRect/>
+          </a:stretch>
+        </p:blipFill>
+        <p:spPr>
+          <a:xfrm>
+            <a:off x="194963" y="972670"/>
+            <a:ext cx="396918" cy="396918"/>
+          </a:xfrm>
+          <a:prstGeom prst="rect">
+            <a:avLst/>
+          </a:prstGeom>
+        </p:spPr>
+      </p:pic>
+      <p:pic>
+        <p:nvPicPr>
+          <p:cNvPr id="15" name="図 14"/>
+          <p:cNvPicPr>
+            <a:picLocks noChangeAspect="1"/>
+          </p:cNvPicPr>
+          <p:nvPr/>
+        </p:nvPicPr>
+        <p:blipFill>
+          <a:blip r:embed="rId8" cstate="print">
+            <a:extLst>
+              <a:ext uri="{28A0092B-C50C-407E-A947-70E740481C1C}">
+                <a14:useLocalDpi xmlns:a14="http://schemas.microsoft.com/office/drawing/2010/main" val="0"/>
+              </a:ext>
+            </a:extLst>
+          </a:blip>
+          <a:stretch>
+            <a:fillRect/>
+          </a:stretch>
+        </p:blipFill>
+        <p:spPr>
+          <a:xfrm>
+            <a:off x="181985" y="2522196"/>
+            <a:ext cx="396406" cy="396406"/>
+          </a:xfrm>
+          <a:prstGeom prst="rect">
+            <a:avLst/>
+          </a:prstGeom>
+        </p:spPr>
+      </p:pic>
+      <p:pic>
+        <p:nvPicPr>
+          <p:cNvPr id="16" name="図 15"/>
+          <p:cNvPicPr>
+            <a:picLocks noChangeAspect="1"/>
+          </p:cNvPicPr>
+          <p:nvPr/>
+        </p:nvPicPr>
+        <p:blipFill>
+          <a:blip r:embed="rId9" cstate="print">
+            <a:extLst>
+              <a:ext uri="{28A0092B-C50C-407E-A947-70E740481C1C}">
+                <a14:useLocalDpi xmlns:a14="http://schemas.microsoft.com/office/drawing/2010/main" val="0"/>
+              </a:ext>
+            </a:extLst>
+          </a:blip>
+          <a:stretch>
+            <a:fillRect/>
+          </a:stretch>
+        </p:blipFill>
+        <p:spPr>
+          <a:xfrm>
+            <a:off x="154455" y="4963105"/>
+            <a:ext cx="407584" cy="407584"/>
+          </a:xfrm>
+          <a:prstGeom prst="rect">
+            <a:avLst/>
+          </a:prstGeom>
+        </p:spPr>
+      </p:pic>
     </p:spTree>
     <p:extLst>
       <p:ext uri="{BB962C8B-B14F-4D97-AF65-F5344CB8AC3E}">
-        <p14:creationId xmlns:p14="http://schemas.microsoft.com/office/powerpoint/2010/main" val="1196715616"/>
+        <p14:creationId xmlns:p14="http://schemas.microsoft.com/office/powerpoint/2010/main" val="3445069417"/>
       </p:ext>
     </p:extLst>
   </p:cSld>
@@ -6325,233 +7747,16 @@
           <a:chExt cx="0" cy="0"/>
         </a:xfrm>
       </p:grpSpPr>
-      <p:pic>
-        <p:nvPicPr>
-          <p:cNvPr id="14" name="図 13"/>
-          <p:cNvPicPr>
-            <a:picLocks noChangeAspect="1"/>
-          </p:cNvPicPr>
-          <p:nvPr/>
-        </p:nvPicPr>
-        <p:blipFill>
-          <a:blip r:embed="rId2">
-            <a:extLst>
-              <a:ext uri="{28A0092B-C50C-407E-A947-70E740481C1C}">
-                <a14:useLocalDpi xmlns:a14="http://schemas.microsoft.com/office/drawing/2010/main" val="0"/>
-              </a:ext>
-            </a:extLst>
-          </a:blip>
-          <a:stretch>
-            <a:fillRect/>
-          </a:stretch>
-        </p:blipFill>
-        <p:spPr>
-          <a:xfrm>
-            <a:off x="0" y="0"/>
-            <a:ext cx="12192000" cy="6865838"/>
-          </a:xfrm>
-          <a:prstGeom prst="rect">
-            <a:avLst/>
-          </a:prstGeom>
-        </p:spPr>
-      </p:pic>
-      <p:sp>
-        <p:nvSpPr>
-          <p:cNvPr id="15" name="正方形/長方形 14"/>
-          <p:cNvSpPr/>
-          <p:nvPr/>
-        </p:nvSpPr>
-        <p:spPr>
-          <a:xfrm>
-            <a:off x="-37708" y="0"/>
-            <a:ext cx="12229708" cy="6865838"/>
-          </a:xfrm>
-          <a:prstGeom prst="rect">
-            <a:avLst/>
-          </a:prstGeom>
-          <a:solidFill>
-            <a:schemeClr val="bg1">
-              <a:lumMod val="95000"/>
-              <a:alpha val="29020"/>
-            </a:schemeClr>
-          </a:solidFill>
-          <a:ln>
-            <a:noFill/>
-          </a:ln>
-        </p:spPr>
-        <p:style>
-          <a:lnRef idx="2">
-            <a:schemeClr val="accent1">
-              <a:shade val="50000"/>
-            </a:schemeClr>
-          </a:lnRef>
-          <a:fillRef idx="1">
-            <a:schemeClr val="accent1"/>
-          </a:fillRef>
-          <a:effectRef idx="0">
-            <a:schemeClr val="accent1"/>
-          </a:effectRef>
-          <a:fontRef idx="minor">
-            <a:schemeClr val="lt1"/>
-          </a:fontRef>
-        </p:style>
-        <p:txBody>
-          <a:bodyPr rtlCol="0" anchor="ctr"/>
-          <a:lstStyle/>
-          <a:p>
-            <a:pPr algn="ctr"/>
-            <a:endParaRPr kumimoji="1" lang="ja-JP" altLang="en-US"/>
-          </a:p>
-        </p:txBody>
-      </p:sp>
-      <p:sp>
-        <p:nvSpPr>
-          <p:cNvPr id="3" name="二等辺三角形 2"/>
-          <p:cNvSpPr/>
-          <p:nvPr/>
-        </p:nvSpPr>
-        <p:spPr>
-          <a:xfrm rot="11549023">
-            <a:off x="4221638" y="135297"/>
-            <a:ext cx="1000852" cy="773924"/>
-          </a:xfrm>
-          <a:prstGeom prst="triangle">
-            <a:avLst/>
-          </a:prstGeom>
-          <a:solidFill>
-            <a:srgbClr val="E25B00"/>
-          </a:solidFill>
-          <a:ln>
-            <a:noFill/>
-          </a:ln>
-        </p:spPr>
-        <p:style>
-          <a:lnRef idx="2">
-            <a:schemeClr val="accent1">
-              <a:shade val="50000"/>
-            </a:schemeClr>
-          </a:lnRef>
-          <a:fillRef idx="1">
-            <a:schemeClr val="accent1"/>
-          </a:fillRef>
-          <a:effectRef idx="0">
-            <a:schemeClr val="accent1"/>
-          </a:effectRef>
-          <a:fontRef idx="minor">
-            <a:schemeClr val="lt1"/>
-          </a:fontRef>
-        </p:style>
-        <p:txBody>
-          <a:bodyPr rtlCol="0" anchor="ctr"/>
-          <a:lstStyle/>
-          <a:p>
-            <a:pPr algn="ctr"/>
-            <a:endParaRPr kumimoji="1" lang="ja-JP" altLang="en-US"/>
-          </a:p>
-        </p:txBody>
-      </p:sp>
-      <p:sp>
-        <p:nvSpPr>
-          <p:cNvPr id="4" name="正方形/長方形 3"/>
-          <p:cNvSpPr/>
-          <p:nvPr/>
-        </p:nvSpPr>
-        <p:spPr>
-          <a:xfrm>
-            <a:off x="0" y="1"/>
-            <a:ext cx="12192000" cy="308614"/>
-          </a:xfrm>
-          <a:prstGeom prst="rect">
-            <a:avLst/>
-          </a:prstGeom>
-          <a:solidFill>
-            <a:srgbClr val="E25B00"/>
-          </a:solidFill>
-          <a:ln>
-            <a:noFill/>
-          </a:ln>
-        </p:spPr>
-        <p:style>
-          <a:lnRef idx="2">
-            <a:schemeClr val="accent1">
-              <a:shade val="50000"/>
-            </a:schemeClr>
-          </a:lnRef>
-          <a:fillRef idx="1">
-            <a:schemeClr val="accent1"/>
-          </a:fillRef>
-          <a:effectRef idx="0">
-            <a:schemeClr val="accent1"/>
-          </a:effectRef>
-          <a:fontRef idx="minor">
-            <a:schemeClr val="lt1"/>
-          </a:fontRef>
-        </p:style>
-        <p:txBody>
-          <a:bodyPr rtlCol="0" anchor="ctr"/>
-          <a:lstStyle/>
-          <a:p>
-            <a:pPr algn="ctr"/>
-            <a:endParaRPr kumimoji="1" lang="ja-JP" altLang="en-US"/>
-          </a:p>
-        </p:txBody>
-      </p:sp>
-      <p:sp>
-        <p:nvSpPr>
-          <p:cNvPr id="5" name="正方形/長方形 4"/>
-          <p:cNvSpPr/>
-          <p:nvPr/>
-        </p:nvSpPr>
-        <p:spPr>
-          <a:xfrm>
-            <a:off x="0" y="0"/>
-            <a:ext cx="4649479" cy="893389"/>
-          </a:xfrm>
-          <a:prstGeom prst="rect">
-            <a:avLst/>
-          </a:prstGeom>
-          <a:solidFill>
-            <a:srgbClr val="E25B00"/>
-          </a:solidFill>
-          <a:ln>
-            <a:noFill/>
-          </a:ln>
-        </p:spPr>
-        <p:style>
-          <a:lnRef idx="2">
-            <a:schemeClr val="accent1">
-              <a:shade val="50000"/>
-            </a:schemeClr>
-          </a:lnRef>
-          <a:fillRef idx="1">
-            <a:schemeClr val="accent1"/>
-          </a:fillRef>
-          <a:effectRef idx="0">
-            <a:schemeClr val="accent1"/>
-          </a:effectRef>
-          <a:fontRef idx="minor">
-            <a:schemeClr val="lt1"/>
-          </a:fontRef>
-        </p:style>
-        <p:txBody>
-          <a:bodyPr rtlCol="0" anchor="ctr"/>
-          <a:lstStyle/>
-          <a:p>
-            <a:pPr algn="ctr"/>
-            <a:endParaRPr kumimoji="1" lang="ja-JP" altLang="en-US"/>
-          </a:p>
-        </p:txBody>
-      </p:sp>
-      <p:sp>
-        <p:nvSpPr>
-          <p:cNvPr id="6" name="テキスト ボックス 5"/>
+      <p:sp>
+        <p:nvSpPr>
+          <p:cNvPr id="2" name="テキスト ボックス 1"/>
           <p:cNvSpPr txBox="1"/>
           <p:nvPr/>
         </p:nvSpPr>
         <p:spPr>
           <a:xfrm>
             <a:off x="470263" y="308614"/>
-            <a:ext cx="4698722" cy="584775"/>
+            <a:ext cx="1005403" cy="584775"/>
           </a:xfrm>
           <a:prstGeom prst="rect">
             <a:avLst/>
@@ -6565,18 +7770,11 @@
           <a:lstStyle/>
           <a:p>
             <a:r>
-              <a:rPr lang="ja-JP" altLang="en-US" sz="3200" b="1" dirty="0" smtClean="0">
-                <a:latin typeface="メイリオ" panose="020B0604030504040204" pitchFamily="50" charset="-128"/>
-                <a:ea typeface="メイリオ" panose="020B0604030504040204" pitchFamily="50" charset="-128"/>
-              </a:rPr>
-              <a:t>ジャンル・コンセプト</a:t>
-            </a:r>
-            <a:r>
-              <a:rPr kumimoji="1" lang="ja-JP" altLang="en-US" sz="3200" b="1" dirty="0" smtClean="0">
-                <a:latin typeface="メイリオ" panose="020B0604030504040204" pitchFamily="50" charset="-128"/>
-                <a:ea typeface="メイリオ" panose="020B0604030504040204" pitchFamily="50" charset="-128"/>
-              </a:rPr>
-              <a:t>　</a:t>
+              <a:rPr lang="ja-JP" altLang="en-US" sz="3200" b="1" dirty="0">
+                <a:latin typeface="メイリオ" panose="020B0604030504040204" pitchFamily="50" charset="-128"/>
+                <a:ea typeface="メイリオ" panose="020B0604030504040204" pitchFamily="50" charset="-128"/>
+              </a:rPr>
+              <a:t>概要</a:t>
             </a:r>
             <a:endParaRPr kumimoji="1" lang="ja-JP" altLang="en-US" sz="3200" b="1" dirty="0">
               <a:latin typeface="メイリオ" panose="020B0604030504040204" pitchFamily="50" charset="-128"/>
@@ -6587,14 +7785,14 @@
       </p:sp>
       <p:sp>
         <p:nvSpPr>
-          <p:cNvPr id="8" name="テキスト ボックス 7"/>
+          <p:cNvPr id="3" name="テキスト ボックス 2"/>
           <p:cNvSpPr txBox="1"/>
           <p:nvPr/>
         </p:nvSpPr>
         <p:spPr>
           <a:xfrm>
-            <a:off x="893101" y="1721482"/>
-            <a:ext cx="8802410" cy="954107"/>
+            <a:off x="470263" y="1632317"/>
+            <a:ext cx="4168129" cy="1569660"/>
           </a:xfrm>
           <a:prstGeom prst="rect">
             <a:avLst/>
@@ -6608,248 +7806,52 @@
           <a:lstStyle/>
           <a:p>
             <a:r>
-              <a:rPr lang="ja-JP" altLang="en-US" sz="2800" b="1" dirty="0" smtClean="0">
-                <a:latin typeface="メイリオ" panose="020B0604030504040204" pitchFamily="50" charset="-128"/>
-                <a:ea typeface="メイリオ" panose="020B0604030504040204" pitchFamily="50" charset="-128"/>
-              </a:rPr>
-              <a:t>船にキャラクターを配置して侵入してくる海賊を倒す</a:t>
-            </a:r>
-            <a:endParaRPr lang="en-US" altLang="ja-JP" sz="2800" b="1" dirty="0" smtClean="0">
+              <a:rPr lang="ja-JP" altLang="en-US" sz="3200" b="1" dirty="0" smtClean="0">
+                <a:latin typeface="メイリオ" panose="020B0604030504040204" pitchFamily="50" charset="-128"/>
+                <a:ea typeface="メイリオ" panose="020B0604030504040204" pitchFamily="50" charset="-128"/>
+              </a:rPr>
+              <a:t>プレイ人数 一人</a:t>
+            </a:r>
+            <a:endParaRPr lang="en-US" altLang="ja-JP" sz="3200" b="1" dirty="0" smtClean="0">
               <a:latin typeface="メイリオ" panose="020B0604030504040204" pitchFamily="50" charset="-128"/>
               <a:ea typeface="メイリオ" panose="020B0604030504040204" pitchFamily="50" charset="-128"/>
             </a:endParaRPr>
           </a:p>
           <a:p>
             <a:r>
-              <a:rPr lang="ja-JP" altLang="en-US" sz="2800" b="1" dirty="0" smtClean="0">
-                <a:latin typeface="メイリオ" panose="020B0604030504040204" pitchFamily="50" charset="-128"/>
-                <a:ea typeface="メイリオ" panose="020B0604030504040204" pitchFamily="50" charset="-128"/>
-              </a:rPr>
-              <a:t>戦略シミュレーションゲーム</a:t>
-            </a:r>
-            <a:endParaRPr lang="en-US" altLang="ja-JP" sz="2800" b="1" dirty="0" smtClean="0">
+              <a:rPr lang="ja-JP" altLang="en-US" sz="3200" b="1" dirty="0" smtClean="0">
+                <a:latin typeface="メイリオ" panose="020B0604030504040204" pitchFamily="50" charset="-128"/>
+                <a:ea typeface="メイリオ" panose="020B0604030504040204" pitchFamily="50" charset="-128"/>
+              </a:rPr>
+              <a:t>プラットフォーム </a:t>
+            </a:r>
+            <a:r>
+              <a:rPr lang="en-US" altLang="ja-JP" sz="3200" b="1" dirty="0" smtClean="0">
+                <a:latin typeface="メイリオ" panose="020B0604030504040204" pitchFamily="50" charset="-128"/>
+                <a:ea typeface="メイリオ" panose="020B0604030504040204" pitchFamily="50" charset="-128"/>
+              </a:rPr>
+              <a:t>PC</a:t>
+            </a:r>
+          </a:p>
+          <a:p>
+            <a:r>
+              <a:rPr lang="ja-JP" altLang="en-US" sz="3200" b="1" dirty="0" smtClean="0">
+                <a:latin typeface="メイリオ" panose="020B0604030504040204" pitchFamily="50" charset="-128"/>
+                <a:ea typeface="メイリオ" panose="020B0604030504040204" pitchFamily="50" charset="-128"/>
+              </a:rPr>
+              <a:t>遊び方</a:t>
+            </a:r>
+            <a:endParaRPr kumimoji="1" lang="ja-JP" altLang="en-US" sz="3200" b="1" dirty="0">
               <a:latin typeface="メイリオ" panose="020B0604030504040204" pitchFamily="50" charset="-128"/>
               <a:ea typeface="メイリオ" panose="020B0604030504040204" pitchFamily="50" charset="-128"/>
             </a:endParaRPr>
           </a:p>
         </p:txBody>
       </p:sp>
-      <p:sp>
-        <p:nvSpPr>
-          <p:cNvPr id="10" name="正方形/長方形 9"/>
-          <p:cNvSpPr/>
-          <p:nvPr/>
-        </p:nvSpPr>
-        <p:spPr>
-          <a:xfrm>
-            <a:off x="3487" y="6723185"/>
-            <a:ext cx="12192000" cy="150461"/>
-          </a:xfrm>
-          <a:prstGeom prst="rect">
-            <a:avLst/>
-          </a:prstGeom>
-          <a:solidFill>
-            <a:srgbClr val="E25B00"/>
-          </a:solidFill>
-          <a:ln>
-            <a:noFill/>
-          </a:ln>
-        </p:spPr>
-        <p:style>
-          <a:lnRef idx="2">
-            <a:schemeClr val="accent1">
-              <a:shade val="50000"/>
-            </a:schemeClr>
-          </a:lnRef>
-          <a:fillRef idx="1">
-            <a:schemeClr val="accent1"/>
-          </a:fillRef>
-          <a:effectRef idx="0">
-            <a:schemeClr val="accent1"/>
-          </a:effectRef>
-          <a:fontRef idx="minor">
-            <a:schemeClr val="lt1"/>
-          </a:fontRef>
-        </p:style>
-        <p:txBody>
-          <a:bodyPr rtlCol="0" anchor="ctr"/>
-          <a:lstStyle/>
-          <a:p>
-            <a:pPr algn="ctr"/>
-            <a:endParaRPr kumimoji="1" lang="ja-JP" altLang="en-US"/>
-          </a:p>
-        </p:txBody>
-      </p:sp>
-      <p:sp>
-        <p:nvSpPr>
-          <p:cNvPr id="11" name="二等辺三角形 10"/>
-          <p:cNvSpPr/>
-          <p:nvPr/>
-        </p:nvSpPr>
-        <p:spPr>
-          <a:xfrm>
-            <a:off x="10023222" y="6487600"/>
-            <a:ext cx="512415" cy="244294"/>
-          </a:xfrm>
-          <a:prstGeom prst="triangle">
-            <a:avLst/>
-          </a:prstGeom>
-          <a:solidFill>
-            <a:srgbClr val="E25B00"/>
-          </a:solidFill>
-          <a:ln>
-            <a:noFill/>
-          </a:ln>
-        </p:spPr>
-        <p:style>
-          <a:lnRef idx="2">
-            <a:schemeClr val="accent1">
-              <a:shade val="50000"/>
-            </a:schemeClr>
-          </a:lnRef>
-          <a:fillRef idx="1">
-            <a:schemeClr val="accent1"/>
-          </a:fillRef>
-          <a:effectRef idx="0">
-            <a:schemeClr val="accent1"/>
-          </a:effectRef>
-          <a:fontRef idx="minor">
-            <a:schemeClr val="lt1"/>
-          </a:fontRef>
-        </p:style>
-        <p:txBody>
-          <a:bodyPr rtlCol="0" anchor="ctr"/>
-          <a:lstStyle/>
-          <a:p>
-            <a:pPr algn="ctr"/>
-            <a:endParaRPr kumimoji="1" lang="ja-JP" altLang="en-US"/>
-          </a:p>
-        </p:txBody>
-      </p:sp>
-      <p:sp>
-        <p:nvSpPr>
-          <p:cNvPr id="12" name="正方形/長方形 11"/>
-          <p:cNvSpPr/>
-          <p:nvPr/>
-        </p:nvSpPr>
-        <p:spPr>
-          <a:xfrm>
-            <a:off x="10284823" y="6487885"/>
-            <a:ext cx="1907177" cy="231193"/>
-          </a:xfrm>
-          <a:prstGeom prst="rect">
-            <a:avLst/>
-          </a:prstGeom>
-          <a:solidFill>
-            <a:srgbClr val="E25B00"/>
-          </a:solidFill>
-          <a:ln>
-            <a:noFill/>
-          </a:ln>
-        </p:spPr>
-        <p:style>
-          <a:lnRef idx="2">
-            <a:schemeClr val="accent1">
-              <a:shade val="50000"/>
-            </a:schemeClr>
-          </a:lnRef>
-          <a:fillRef idx="1">
-            <a:schemeClr val="accent1"/>
-          </a:fillRef>
-          <a:effectRef idx="0">
-            <a:schemeClr val="accent1"/>
-          </a:effectRef>
-          <a:fontRef idx="minor">
-            <a:schemeClr val="lt1"/>
-          </a:fontRef>
-        </p:style>
-        <p:txBody>
-          <a:bodyPr rtlCol="0" anchor="ctr"/>
-          <a:lstStyle/>
-          <a:p>
-            <a:pPr algn="ctr"/>
-            <a:endParaRPr kumimoji="1" lang="ja-JP" altLang="en-US"/>
-          </a:p>
-        </p:txBody>
-      </p:sp>
-      <p:sp>
-        <p:nvSpPr>
-          <p:cNvPr id="13" name="テキスト ボックス 12"/>
-          <p:cNvSpPr txBox="1"/>
-          <p:nvPr/>
-        </p:nvSpPr>
-        <p:spPr>
-          <a:xfrm>
-            <a:off x="893101" y="3431991"/>
-            <a:ext cx="9110186" cy="1938992"/>
-          </a:xfrm>
-          <a:prstGeom prst="rect">
-            <a:avLst/>
-          </a:prstGeom>
-          <a:noFill/>
-        </p:spPr>
-        <p:txBody>
-          <a:bodyPr wrap="none" rtlCol="0">
-            <a:spAutoFit/>
-          </a:bodyPr>
-          <a:lstStyle/>
-          <a:p>
-            <a:r>
-              <a:rPr kumimoji="1" lang="ja-JP" altLang="en-US" sz="2400" dirty="0" smtClean="0">
-                <a:latin typeface="メイリオ" panose="020B0604030504040204" pitchFamily="50" charset="-128"/>
-                <a:ea typeface="メイリオ" panose="020B0604030504040204" pitchFamily="50" charset="-128"/>
-              </a:rPr>
-              <a:t>・プレイヤーキャラクターは交易船に雇われ船を護衛する用心棒</a:t>
-            </a:r>
-            <a:endParaRPr kumimoji="1" lang="en-US" altLang="ja-JP" sz="2400" dirty="0" smtClean="0">
-              <a:latin typeface="メイリオ" panose="020B0604030504040204" pitchFamily="50" charset="-128"/>
-              <a:ea typeface="メイリオ" panose="020B0604030504040204" pitchFamily="50" charset="-128"/>
-            </a:endParaRPr>
-          </a:p>
-          <a:p>
-            <a:endParaRPr kumimoji="1" lang="en-US" altLang="ja-JP" sz="2400" dirty="0" smtClean="0">
-              <a:latin typeface="メイリオ" panose="020B0604030504040204" pitchFamily="50" charset="-128"/>
-              <a:ea typeface="メイリオ" panose="020B0604030504040204" pitchFamily="50" charset="-128"/>
-            </a:endParaRPr>
-          </a:p>
-          <a:p>
-            <a:r>
-              <a:rPr lang="ja-JP" altLang="en-US" sz="2400" dirty="0" smtClean="0">
-                <a:latin typeface="メイリオ" panose="020B0604030504040204" pitchFamily="50" charset="-128"/>
-                <a:ea typeface="メイリオ" panose="020B0604030504040204" pitchFamily="50" charset="-128"/>
-              </a:rPr>
-              <a:t>・キャラクターを船の部屋に配置し、海賊から船を守る</a:t>
-            </a:r>
-            <a:endParaRPr lang="en-US" altLang="ja-JP" sz="2400" dirty="0" smtClean="0">
-              <a:latin typeface="メイリオ" panose="020B0604030504040204" pitchFamily="50" charset="-128"/>
-              <a:ea typeface="メイリオ" panose="020B0604030504040204" pitchFamily="50" charset="-128"/>
-            </a:endParaRPr>
-          </a:p>
-          <a:p>
-            <a:endParaRPr lang="en-US" altLang="ja-JP" sz="2400" dirty="0" smtClean="0">
-              <a:latin typeface="メイリオ" panose="020B0604030504040204" pitchFamily="50" charset="-128"/>
-              <a:ea typeface="メイリオ" panose="020B0604030504040204" pitchFamily="50" charset="-128"/>
-            </a:endParaRPr>
-          </a:p>
-          <a:p>
-            <a:r>
-              <a:rPr kumimoji="1" lang="ja-JP" altLang="en-US" sz="2400" dirty="0" smtClean="0">
-                <a:latin typeface="メイリオ" panose="020B0604030504040204" pitchFamily="50" charset="-128"/>
-                <a:ea typeface="メイリオ" panose="020B0604030504040204" pitchFamily="50" charset="-128"/>
-              </a:rPr>
-              <a:t>・船が目的地についたらクリア</a:t>
-            </a:r>
-            <a:endParaRPr kumimoji="1" lang="ja-JP" altLang="en-US" sz="2400" dirty="0">
-              <a:latin typeface="メイリオ" panose="020B0604030504040204" pitchFamily="50" charset="-128"/>
-              <a:ea typeface="メイリオ" panose="020B0604030504040204" pitchFamily="50" charset="-128"/>
-            </a:endParaRPr>
-          </a:p>
-        </p:txBody>
-      </p:sp>
     </p:spTree>
     <p:extLst>
       <p:ext uri="{BB962C8B-B14F-4D97-AF65-F5344CB8AC3E}">
-        <p14:creationId xmlns:p14="http://schemas.microsoft.com/office/powerpoint/2010/main" val="2727142298"/>
+        <p14:creationId xmlns:p14="http://schemas.microsoft.com/office/powerpoint/2010/main" val="3723611975"/>
       </p:ext>
     </p:extLst>
   </p:cSld>
@@ -6883,134 +7885,6 @@
           <a:chExt cx="0" cy="0"/>
         </a:xfrm>
       </p:grpSpPr>
-      <p:sp>
-        <p:nvSpPr>
-          <p:cNvPr id="2" name="テキスト ボックス 1"/>
-          <p:cNvSpPr txBox="1"/>
-          <p:nvPr/>
-        </p:nvSpPr>
-        <p:spPr>
-          <a:xfrm>
-            <a:off x="470263" y="308614"/>
-            <a:ext cx="1005403" cy="584775"/>
-          </a:xfrm>
-          <a:prstGeom prst="rect">
-            <a:avLst/>
-          </a:prstGeom>
-          <a:noFill/>
-        </p:spPr>
-        <p:txBody>
-          <a:bodyPr wrap="none" rtlCol="0">
-            <a:spAutoFit/>
-          </a:bodyPr>
-          <a:lstStyle/>
-          <a:p>
-            <a:r>
-              <a:rPr lang="ja-JP" altLang="en-US" sz="3200" b="1" dirty="0">
-                <a:latin typeface="メイリオ" panose="020B0604030504040204" pitchFamily="50" charset="-128"/>
-                <a:ea typeface="メイリオ" panose="020B0604030504040204" pitchFamily="50" charset="-128"/>
-              </a:rPr>
-              <a:t>概要</a:t>
-            </a:r>
-            <a:endParaRPr kumimoji="1" lang="ja-JP" altLang="en-US" sz="3200" b="1" dirty="0">
-              <a:latin typeface="メイリオ" panose="020B0604030504040204" pitchFamily="50" charset="-128"/>
-              <a:ea typeface="メイリオ" panose="020B0604030504040204" pitchFamily="50" charset="-128"/>
-            </a:endParaRPr>
-          </a:p>
-        </p:txBody>
-      </p:sp>
-      <p:sp>
-        <p:nvSpPr>
-          <p:cNvPr id="3" name="テキスト ボックス 2"/>
-          <p:cNvSpPr txBox="1"/>
-          <p:nvPr/>
-        </p:nvSpPr>
-        <p:spPr>
-          <a:xfrm>
-            <a:off x="470263" y="1632317"/>
-            <a:ext cx="4698722" cy="1569660"/>
-          </a:xfrm>
-          <a:prstGeom prst="rect">
-            <a:avLst/>
-          </a:prstGeom>
-          <a:noFill/>
-        </p:spPr>
-        <p:txBody>
-          <a:bodyPr wrap="none" rtlCol="0">
-            <a:spAutoFit/>
-          </a:bodyPr>
-          <a:lstStyle/>
-          <a:p>
-            <a:r>
-              <a:rPr lang="ja-JP" altLang="en-US" sz="3200" b="1" dirty="0" smtClean="0">
-                <a:latin typeface="メイリオ" panose="020B0604030504040204" pitchFamily="50" charset="-128"/>
-                <a:ea typeface="メイリオ" panose="020B0604030504040204" pitchFamily="50" charset="-128"/>
-              </a:rPr>
-              <a:t>プレイ人数</a:t>
-            </a:r>
-            <a:endParaRPr lang="en-US" altLang="ja-JP" sz="3200" b="1" dirty="0" smtClean="0">
-              <a:latin typeface="メイリオ" panose="020B0604030504040204" pitchFamily="50" charset="-128"/>
-              <a:ea typeface="メイリオ" panose="020B0604030504040204" pitchFamily="50" charset="-128"/>
-            </a:endParaRPr>
-          </a:p>
-          <a:p>
-            <a:r>
-              <a:rPr kumimoji="1" lang="ja-JP" altLang="en-US" sz="3200" b="1" dirty="0" smtClean="0">
-                <a:latin typeface="メイリオ" panose="020B0604030504040204" pitchFamily="50" charset="-128"/>
-                <a:ea typeface="メイリオ" panose="020B0604030504040204" pitchFamily="50" charset="-128"/>
-              </a:rPr>
-              <a:t>プレイ時間</a:t>
-            </a:r>
-            <a:endParaRPr kumimoji="1" lang="en-US" altLang="ja-JP" sz="3200" b="1" dirty="0" smtClean="0">
-              <a:latin typeface="メイリオ" panose="020B0604030504040204" pitchFamily="50" charset="-128"/>
-              <a:ea typeface="メイリオ" panose="020B0604030504040204" pitchFamily="50" charset="-128"/>
-            </a:endParaRPr>
-          </a:p>
-          <a:p>
-            <a:r>
-              <a:rPr lang="ja-JP" altLang="en-US" sz="3200" b="1" dirty="0" smtClean="0">
-                <a:latin typeface="メイリオ" panose="020B0604030504040204" pitchFamily="50" charset="-128"/>
-                <a:ea typeface="メイリオ" panose="020B0604030504040204" pitchFamily="50" charset="-128"/>
-              </a:rPr>
-              <a:t>プラットフォーム遊び方</a:t>
-            </a:r>
-            <a:endParaRPr kumimoji="1" lang="ja-JP" altLang="en-US" sz="3200" b="1" dirty="0">
-              <a:latin typeface="メイリオ" panose="020B0604030504040204" pitchFamily="50" charset="-128"/>
-              <a:ea typeface="メイリオ" panose="020B0604030504040204" pitchFamily="50" charset="-128"/>
-            </a:endParaRPr>
-          </a:p>
-        </p:txBody>
-      </p:sp>
-    </p:spTree>
-    <p:extLst>
-      <p:ext uri="{BB962C8B-B14F-4D97-AF65-F5344CB8AC3E}">
-        <p14:creationId xmlns:p14="http://schemas.microsoft.com/office/powerpoint/2010/main" val="3723611975"/>
-      </p:ext>
-    </p:extLst>
-  </p:cSld>
-  <p:clrMapOvr>
-    <a:masterClrMapping/>
-  </p:clrMapOvr>
-</p:sld>
-</file>
-
-<file path=ppt/slides/slide7.xml><?xml version="1.0" encoding="utf-8"?>
-<p:sld xmlns:a="http://schemas.openxmlformats.org/drawingml/2006/main" xmlns:r="http://schemas.openxmlformats.org/officeDocument/2006/relationships" xmlns:p="http://schemas.openxmlformats.org/presentationml/2006/main">
-  <p:cSld>
-    <p:spTree>
-      <p:nvGrpSpPr>
-        <p:cNvPr id="1" name=""/>
-        <p:cNvGrpSpPr/>
-        <p:nvPr/>
-      </p:nvGrpSpPr>
-      <p:grpSpPr>
-        <a:xfrm>
-          <a:off x="0" y="0"/>
-          <a:ext cx="0" cy="0"/>
-          <a:chOff x="0" y="0"/>
-          <a:chExt cx="0" cy="0"/>
-        </a:xfrm>
-      </p:grpSpPr>
       <p:pic>
         <p:nvPicPr>
           <p:cNvPr id="12" name="図 11"/>
@@ -7396,7 +8270,7 @@
         </p:nvSpPr>
         <p:spPr>
           <a:xfrm rot="8087520">
-            <a:off x="5581710" y="4694975"/>
+            <a:off x="5594025" y="4714608"/>
             <a:ext cx="162881" cy="1425168"/>
           </a:xfrm>
           <a:prstGeom prst="rect">
@@ -8002,7 +8876,7 @@
 </p:sld>
 </file>
 
-<file path=ppt/slides/slide8.xml><?xml version="1.0" encoding="utf-8"?>
+<file path=ppt/slides/slide7.xml><?xml version="1.0" encoding="utf-8"?>
 <p:sld xmlns:a="http://schemas.openxmlformats.org/drawingml/2006/main" xmlns:r="http://schemas.openxmlformats.org/officeDocument/2006/relationships" xmlns:p="http://schemas.openxmlformats.org/presentationml/2006/main">
   <p:cSld>
     <p:spTree>
@@ -8068,7 +8942,7 @@
 </p:sld>
 </file>
 
-<file path=ppt/slides/slide9.xml><?xml version="1.0" encoding="utf-8"?>
+<file path=ppt/slides/slide8.xml><?xml version="1.0" encoding="utf-8"?>
 <p:sld xmlns:a="http://schemas.openxmlformats.org/drawingml/2006/main" xmlns:r="http://schemas.openxmlformats.org/officeDocument/2006/relationships" xmlns:p="http://schemas.openxmlformats.org/presentationml/2006/main">
   <p:cSld>
     <p:spTree>
@@ -9363,6 +10237,79 @@
       </p:par>
     </p:tnLst>
   </p:timing>
+</p:sld>
+</file>
+
+<file path=ppt/slides/slide9.xml><?xml version="1.0" encoding="utf-8"?>
+<p:sld xmlns:a="http://schemas.openxmlformats.org/drawingml/2006/main" xmlns:r="http://schemas.openxmlformats.org/officeDocument/2006/relationships" xmlns:p="http://schemas.openxmlformats.org/presentationml/2006/main">
+  <p:cSld>
+    <p:spTree>
+      <p:nvGrpSpPr>
+        <p:cNvPr id="1" name=""/>
+        <p:cNvGrpSpPr/>
+        <p:nvPr/>
+      </p:nvGrpSpPr>
+      <p:grpSpPr>
+        <a:xfrm>
+          <a:off x="0" y="0"/>
+          <a:ext cx="0" cy="0"/>
+          <a:chOff x="0" y="0"/>
+          <a:chExt cx="0" cy="0"/>
+        </a:xfrm>
+      </p:grpSpPr>
+      <p:sp>
+        <p:nvSpPr>
+          <p:cNvPr id="2" name="テキスト ボックス 1"/>
+          <p:cNvSpPr txBox="1"/>
+          <p:nvPr/>
+        </p:nvSpPr>
+        <p:spPr>
+          <a:xfrm>
+            <a:off x="470263" y="308614"/>
+            <a:ext cx="2646878" cy="584775"/>
+          </a:xfrm>
+          <a:prstGeom prst="rect">
+            <a:avLst/>
+          </a:prstGeom>
+          <a:noFill/>
+        </p:spPr>
+        <p:txBody>
+          <a:bodyPr wrap="none" rtlCol="0">
+            <a:spAutoFit/>
+          </a:bodyPr>
+          <a:lstStyle/>
+          <a:p>
+            <a:r>
+              <a:rPr lang="ja-JP" altLang="en-US" sz="3200" b="1" dirty="0" smtClean="0">
+                <a:latin typeface="メイリオ" panose="020B0604030504040204" pitchFamily="50" charset="-128"/>
+                <a:ea typeface="メイリオ" panose="020B0604030504040204" pitchFamily="50" charset="-128"/>
+              </a:rPr>
+              <a:t>シーン</a:t>
+            </a:r>
+            <a:r>
+              <a:rPr lang="ja-JP" altLang="en-US" sz="3200" b="1" dirty="0">
+                <a:latin typeface="メイリオ" panose="020B0604030504040204" pitchFamily="50" charset="-128"/>
+                <a:ea typeface="メイリオ" panose="020B0604030504040204" pitchFamily="50" charset="-128"/>
+              </a:rPr>
+              <a:t>遷移図</a:t>
+            </a:r>
+            <a:endParaRPr kumimoji="1" lang="ja-JP" altLang="en-US" sz="3200" b="1" dirty="0">
+              <a:latin typeface="メイリオ" panose="020B0604030504040204" pitchFamily="50" charset="-128"/>
+              <a:ea typeface="メイリオ" panose="020B0604030504040204" pitchFamily="50" charset="-128"/>
+            </a:endParaRPr>
+          </a:p>
+        </p:txBody>
+      </p:sp>
+    </p:spTree>
+    <p:extLst>
+      <p:ext uri="{BB962C8B-B14F-4D97-AF65-F5344CB8AC3E}">
+        <p14:creationId xmlns:p14="http://schemas.microsoft.com/office/powerpoint/2010/main" val="1079767949"/>
+      </p:ext>
+    </p:extLst>
+  </p:cSld>
+  <p:clrMapOvr>
+    <a:masterClrMapping/>
+  </p:clrMapOvr>
 </p:sld>
 </file>
 
@@ -9625,4 +10572,265 @@
     </a:ext>
   </a:extLst>
 </a:theme>
+</file>
+
+<file path=ppt/theme/theme2.xml><?xml version="1.0" encoding="utf-8"?>
+<a:theme xmlns:a="http://schemas.openxmlformats.org/drawingml/2006/main" name="Office テーマ">
+  <a:themeElements>
+    <a:clrScheme name="Office">
+      <a:dk1>
+        <a:sysClr val="windowText" lastClr="000000"/>
+      </a:dk1>
+      <a:lt1>
+        <a:sysClr val="window" lastClr="FFFFFF"/>
+      </a:lt1>
+      <a:dk2>
+        <a:srgbClr val="44546A"/>
+      </a:dk2>
+      <a:lt2>
+        <a:srgbClr val="E7E6E6"/>
+      </a:lt2>
+      <a:accent1>
+        <a:srgbClr val="5B9BD5"/>
+      </a:accent1>
+      <a:accent2>
+        <a:srgbClr val="ED7D31"/>
+      </a:accent2>
+      <a:accent3>
+        <a:srgbClr val="A5A5A5"/>
+      </a:accent3>
+      <a:accent4>
+        <a:srgbClr val="FFC000"/>
+      </a:accent4>
+      <a:accent5>
+        <a:srgbClr val="4472C4"/>
+      </a:accent5>
+      <a:accent6>
+        <a:srgbClr val="70AD47"/>
+      </a:accent6>
+      <a:hlink>
+        <a:srgbClr val="0563C1"/>
+      </a:hlink>
+      <a:folHlink>
+        <a:srgbClr val="954F72"/>
+      </a:folHlink>
+    </a:clrScheme>
+    <a:fontScheme name="Office">
+      <a:majorFont>
+        <a:latin typeface="Calibri Light" panose="020F0302020204030204"/>
+        <a:ea typeface=""/>
+        <a:cs typeface=""/>
+        <a:font script="Jpan" typeface="ＭＳ Ｐゴシック"/>
+        <a:font script="Hang" typeface="맑은 고딕"/>
+        <a:font script="Hans" typeface="宋体"/>
+        <a:font script="Hant" typeface="新細明體"/>
+        <a:font script="Arab" typeface="Times New Roman"/>
+        <a:font script="Hebr" typeface="Times New Roman"/>
+        <a:font script="Thai" typeface="Angsana New"/>
+        <a:font script="Ethi" typeface="Nyala"/>
+        <a:font script="Beng" typeface="Vrinda"/>
+        <a:font script="Gujr" typeface="Shruti"/>
+        <a:font script="Khmr" typeface="MoolBoran"/>
+        <a:font script="Knda" typeface="Tunga"/>
+        <a:font script="Guru" typeface="Raavi"/>
+        <a:font script="Cans" typeface="Euphemia"/>
+        <a:font script="Cher" typeface="Plantagenet Cherokee"/>
+        <a:font script="Yiii" typeface="Microsoft Yi Baiti"/>
+        <a:font script="Tibt" typeface="Microsoft Himalaya"/>
+        <a:font script="Thaa" typeface="MV Boli"/>
+        <a:font script="Deva" typeface="Mangal"/>
+        <a:font script="Telu" typeface="Gautami"/>
+        <a:font script="Taml" typeface="Latha"/>
+        <a:font script="Syrc" typeface="Estrangelo Edessa"/>
+        <a:font script="Orya" typeface="Kalinga"/>
+        <a:font script="Mlym" typeface="Kartika"/>
+        <a:font script="Laoo" typeface="DokChampa"/>
+        <a:font script="Sinh" typeface="Iskoola Pota"/>
+        <a:font script="Mong" typeface="Mongolian Baiti"/>
+        <a:font script="Viet" typeface="Times New Roman"/>
+        <a:font script="Uigh" typeface="Microsoft Uighur"/>
+        <a:font script="Geor" typeface="Sylfaen"/>
+      </a:majorFont>
+      <a:minorFont>
+        <a:latin typeface="Calibri" panose="020F0502020204030204"/>
+        <a:ea typeface=""/>
+        <a:cs typeface=""/>
+        <a:font script="Jpan" typeface="ＭＳ Ｐゴシック"/>
+        <a:font script="Hang" typeface="맑은 고딕"/>
+        <a:font script="Hans" typeface="宋体"/>
+        <a:font script="Hant" typeface="新細明體"/>
+        <a:font script="Arab" typeface="Arial"/>
+        <a:font script="Hebr" typeface="Arial"/>
+        <a:font script="Thai" typeface="Cordia New"/>
+        <a:font script="Ethi" typeface="Nyala"/>
+        <a:font script="Beng" typeface="Vrinda"/>
+        <a:font script="Gujr" typeface="Shruti"/>
+        <a:font script="Khmr" typeface="DaunPenh"/>
+        <a:font script="Knda" typeface="Tunga"/>
+        <a:font script="Guru" typeface="Raavi"/>
+        <a:font script="Cans" typeface="Euphemia"/>
+        <a:font script="Cher" typeface="Plantagenet Cherokee"/>
+        <a:font script="Yiii" typeface="Microsoft Yi Baiti"/>
+        <a:font script="Tibt" typeface="Microsoft Himalaya"/>
+        <a:font script="Thaa" typeface="MV Boli"/>
+        <a:font script="Deva" typeface="Mangal"/>
+        <a:font script="Telu" typeface="Gautami"/>
+        <a:font script="Taml" typeface="Latha"/>
+        <a:font script="Syrc" typeface="Estrangelo Edessa"/>
+        <a:font script="Orya" typeface="Kalinga"/>
+        <a:font script="Mlym" typeface="Kartika"/>
+        <a:font script="Laoo" typeface="DokChampa"/>
+        <a:font script="Sinh" typeface="Iskoola Pota"/>
+        <a:font script="Mong" typeface="Mongolian Baiti"/>
+        <a:font script="Viet" typeface="Arial"/>
+        <a:font script="Uigh" typeface="Microsoft Uighur"/>
+        <a:font script="Geor" typeface="Sylfaen"/>
+      </a:minorFont>
+    </a:fontScheme>
+    <a:fmtScheme name="Office">
+      <a:fillStyleLst>
+        <a:solidFill>
+          <a:schemeClr val="phClr"/>
+        </a:solidFill>
+        <a:gradFill rotWithShape="1">
+          <a:gsLst>
+            <a:gs pos="0">
+              <a:schemeClr val="phClr">
+                <a:lumMod val="110000"/>
+                <a:satMod val="105000"/>
+                <a:tint val="67000"/>
+              </a:schemeClr>
+            </a:gs>
+            <a:gs pos="50000">
+              <a:schemeClr val="phClr">
+                <a:lumMod val="105000"/>
+                <a:satMod val="103000"/>
+                <a:tint val="73000"/>
+              </a:schemeClr>
+            </a:gs>
+            <a:gs pos="100000">
+              <a:schemeClr val="phClr">
+                <a:lumMod val="105000"/>
+                <a:satMod val="109000"/>
+                <a:tint val="81000"/>
+              </a:schemeClr>
+            </a:gs>
+          </a:gsLst>
+          <a:lin ang="5400000" scaled="0"/>
+        </a:gradFill>
+        <a:gradFill rotWithShape="1">
+          <a:gsLst>
+            <a:gs pos="0">
+              <a:schemeClr val="phClr">
+                <a:satMod val="103000"/>
+                <a:lumMod val="102000"/>
+                <a:tint val="94000"/>
+              </a:schemeClr>
+            </a:gs>
+            <a:gs pos="50000">
+              <a:schemeClr val="phClr">
+                <a:satMod val="110000"/>
+                <a:lumMod val="100000"/>
+                <a:shade val="100000"/>
+              </a:schemeClr>
+            </a:gs>
+            <a:gs pos="100000">
+              <a:schemeClr val="phClr">
+                <a:lumMod val="99000"/>
+                <a:satMod val="120000"/>
+                <a:shade val="78000"/>
+              </a:schemeClr>
+            </a:gs>
+          </a:gsLst>
+          <a:lin ang="5400000" scaled="0"/>
+        </a:gradFill>
+      </a:fillStyleLst>
+      <a:lnStyleLst>
+        <a:ln w="6350" cap="flat" cmpd="sng" algn="ctr">
+          <a:solidFill>
+            <a:schemeClr val="phClr"/>
+          </a:solidFill>
+          <a:prstDash val="solid"/>
+          <a:miter lim="800000"/>
+        </a:ln>
+        <a:ln w="12700" cap="flat" cmpd="sng" algn="ctr">
+          <a:solidFill>
+            <a:schemeClr val="phClr"/>
+          </a:solidFill>
+          <a:prstDash val="solid"/>
+          <a:miter lim="800000"/>
+        </a:ln>
+        <a:ln w="19050" cap="flat" cmpd="sng" algn="ctr">
+          <a:solidFill>
+            <a:schemeClr val="phClr"/>
+          </a:solidFill>
+          <a:prstDash val="solid"/>
+          <a:miter lim="800000"/>
+        </a:ln>
+      </a:lnStyleLst>
+      <a:effectStyleLst>
+        <a:effectStyle>
+          <a:effectLst/>
+        </a:effectStyle>
+        <a:effectStyle>
+          <a:effectLst/>
+        </a:effectStyle>
+        <a:effectStyle>
+          <a:effectLst>
+            <a:outerShdw blurRad="57150" dist="19050" dir="5400000" algn="ctr" rotWithShape="0">
+              <a:srgbClr val="000000">
+                <a:alpha val="63000"/>
+              </a:srgbClr>
+            </a:outerShdw>
+          </a:effectLst>
+        </a:effectStyle>
+      </a:effectStyleLst>
+      <a:bgFillStyleLst>
+        <a:solidFill>
+          <a:schemeClr val="phClr"/>
+        </a:solidFill>
+        <a:solidFill>
+          <a:schemeClr val="phClr">
+            <a:tint val="95000"/>
+            <a:satMod val="170000"/>
+          </a:schemeClr>
+        </a:solidFill>
+        <a:gradFill rotWithShape="1">
+          <a:gsLst>
+            <a:gs pos="0">
+              <a:schemeClr val="phClr">
+                <a:tint val="93000"/>
+                <a:satMod val="150000"/>
+                <a:shade val="98000"/>
+                <a:lumMod val="102000"/>
+              </a:schemeClr>
+            </a:gs>
+            <a:gs pos="50000">
+              <a:schemeClr val="phClr">
+                <a:tint val="98000"/>
+                <a:satMod val="130000"/>
+                <a:shade val="90000"/>
+                <a:lumMod val="103000"/>
+              </a:schemeClr>
+            </a:gs>
+            <a:gs pos="100000">
+              <a:schemeClr val="phClr">
+                <a:shade val="63000"/>
+                <a:satMod val="120000"/>
+              </a:schemeClr>
+            </a:gs>
+          </a:gsLst>
+          <a:lin ang="5400000" scaled="0"/>
+        </a:gradFill>
+      </a:bgFillStyleLst>
+    </a:fmtScheme>
+  </a:themeElements>
+  <a:objectDefaults/>
+  <a:extraClrSchemeLst/>
+  <a:extLst>
+    <a:ext uri="{05A4C25C-085E-4340-85A3-A5531E510DB2}">
+      <thm15:themeFamily xmlns:thm15="http://schemas.microsoft.com/office/thememl/2012/main" name="Office Theme" id="{62F939B6-93AF-4DB8-9C6B-D6C7DFDC589F}" vid="{4A3C46E8-61CC-4603-A589-7422A47A8E4A}"/>
+    </a:ext>
+  </a:extLst>
+</a:theme>
 </file>